--- a/Presentations/Presentation01/AsiriHouseTownes_SOC6100_JournalArticleCritique.pptx
+++ b/Presentations/Presentation01/AsiriHouseTownes_SOC6100_JournalArticleCritique.pptx
@@ -4,11 +4,22 @@
   <p:sldMasterIdLst>
     <p:sldMasterId id="2147483648" r:id="rId1"/>
   </p:sldMasterIdLst>
+  <p:notesMasterIdLst>
+    <p:notesMasterId r:id="rId14"/>
+  </p:notesMasterIdLst>
   <p:sldIdLst>
     <p:sldId id="256" r:id="rId2"/>
-    <p:sldId id="257" r:id="rId3"/>
-    <p:sldId id="259" r:id="rId4"/>
-    <p:sldId id="258" r:id="rId5"/>
+    <p:sldId id="258" r:id="rId3"/>
+    <p:sldId id="257" r:id="rId4"/>
+    <p:sldId id="259" r:id="rId5"/>
+    <p:sldId id="263" r:id="rId6"/>
+    <p:sldId id="264" r:id="rId7"/>
+    <p:sldId id="266" r:id="rId8"/>
+    <p:sldId id="267" r:id="rId9"/>
+    <p:sldId id="265" r:id="rId10"/>
+    <p:sldId id="260" r:id="rId11"/>
+    <p:sldId id="262" r:id="rId12"/>
+    <p:sldId id="261" r:id="rId13"/>
   </p:sldIdLst>
   <p:sldSz cx="9144000" cy="5715000" type="screen16x10"/>
   <p:notesSz cx="6858000" cy="9144000"/>
@@ -880,7 +891,7 @@
         <a:p>
           <a:r>
             <a:rPr lang="en-US" dirty="0" smtClean="0"/>
-            <a:t>Conceptual Framework and Literature Review</a:t>
+            <a:t>Theoretical and Conceptual Framework</a:t>
           </a:r>
           <a:endParaRPr lang="en-US" dirty="0"/>
         </a:p>
@@ -1032,7 +1043,7 @@
         <a:p>
           <a:r>
             <a:rPr lang="en-US" dirty="0" smtClean="0"/>
-            <a:t>Critiques</a:t>
+            <a:t>Critique</a:t>
           </a:r>
           <a:endParaRPr lang="en-US" dirty="0"/>
         </a:p>
@@ -1257,6 +1268,13 @@
         </dgm:presLayoutVars>
       </dgm:prSet>
       <dgm:spPr/>
+      <dgm:t>
+        <a:bodyPr/>
+        <a:lstStyle/>
+        <a:p>
+          <a:endParaRPr lang="en-US"/>
+        </a:p>
+      </dgm:t>
     </dgm:pt>
     <dgm:pt modelId="{8BB89208-568D-4CB0-BB01-1D5CE9E2C6EE}" type="pres">
       <dgm:prSet presAssocID="{EF2FB0FF-718F-4AC3-B263-14C79AAECB9D}" presName="parentText" presStyleLbl="node1" presStyleIdx="0" presStyleCnt="4">
@@ -1266,6 +1284,13 @@
         </dgm:presLayoutVars>
       </dgm:prSet>
       <dgm:spPr/>
+      <dgm:t>
+        <a:bodyPr/>
+        <a:lstStyle/>
+        <a:p>
+          <a:endParaRPr lang="en-US"/>
+        </a:p>
+      </dgm:t>
     </dgm:pt>
     <dgm:pt modelId="{0CD346E0-8734-438E-982D-85C38298B913}" type="pres">
       <dgm:prSet presAssocID="{EF2FB0FF-718F-4AC3-B263-14C79AAECB9D}" presName="childText" presStyleLbl="revTx" presStyleIdx="0" presStyleCnt="4">
@@ -1274,6 +1299,13 @@
         </dgm:presLayoutVars>
       </dgm:prSet>
       <dgm:spPr/>
+      <dgm:t>
+        <a:bodyPr/>
+        <a:lstStyle/>
+        <a:p>
+          <a:endParaRPr lang="en-US"/>
+        </a:p>
+      </dgm:t>
     </dgm:pt>
     <dgm:pt modelId="{BB8AE1D7-93E2-4F7D-95A0-24893BD88B49}" type="pres">
       <dgm:prSet presAssocID="{B8C5F0A9-8B0B-4F25-A41F-C13262A97A82}" presName="parentText" presStyleLbl="node1" presStyleIdx="1" presStyleCnt="4">
@@ -1370,27 +1402,27 @@
     </dgm:pt>
   </dgm:ptLst>
   <dgm:cxnLst>
+    <dgm:cxn modelId="{2BCEBE1F-44F1-4A3C-9D1E-7161435AE4B5}" type="presOf" srcId="{5E378D90-3C64-4F54-9EAF-339B3B633069}" destId="{3F0B8DFE-B9BC-4105-9868-AD6C20CCF835}" srcOrd="0" destOrd="0" presId="urn:microsoft.com/office/officeart/2005/8/layout/vList2"/>
+    <dgm:cxn modelId="{493CC7BA-79E5-43AC-8646-1D65154FD340}" type="presOf" srcId="{1C9ABC7F-5385-42E3-8133-66E6895E84BA}" destId="{FBB44824-333C-4A53-841C-79075C43C6DD}" srcOrd="0" destOrd="0" presId="urn:microsoft.com/office/officeart/2005/8/layout/vList2"/>
     <dgm:cxn modelId="{99880B12-BF31-45CD-94F3-2EEE37DD0A41}" srcId="{EF2FB0FF-718F-4AC3-B263-14C79AAECB9D}" destId="{04664B2F-F0D7-4FE8-8F0D-B4867EC44981}" srcOrd="0" destOrd="0" parTransId="{23B50F7C-DFAF-4D24-840E-EEBFC4C1E22F}" sibTransId="{156A454E-61CC-4579-B506-9DD8ED0494F1}"/>
+    <dgm:cxn modelId="{C912B765-BC7E-4A9F-83CC-559510F30BC5}" srcId="{D19434F5-8BA7-42A5-B06E-2A622BED50C2}" destId="{B8C5F0A9-8B0B-4F25-A41F-C13262A97A82}" srcOrd="1" destOrd="0" parTransId="{AF1BE64C-654D-460B-9E56-1766034AAE29}" sibTransId="{4CD13948-ED1D-49CF-8416-5AFF7317EC12}"/>
+    <dgm:cxn modelId="{D496286B-B7F3-4654-A4B1-6114ED2C4D8B}" type="presOf" srcId="{79686C5C-ABA0-4570-B8AD-8A110ED403D4}" destId="{90A7ECFA-C3F0-4249-88F6-F725A55CB44A}" srcOrd="0" destOrd="0" presId="urn:microsoft.com/office/officeart/2005/8/layout/vList2"/>
+    <dgm:cxn modelId="{96D3C1E9-0204-4212-B5E1-EB1E11E11CCC}" type="presOf" srcId="{76BA7F9C-F156-4401-89A0-BA8A704F069F}" destId="{B2AA50A2-D7AC-4355-A258-5D7AA48591D7}" srcOrd="0" destOrd="0" presId="urn:microsoft.com/office/officeart/2005/8/layout/vList2"/>
+    <dgm:cxn modelId="{4D3F8627-F3C8-4988-ADFF-95C5C3683F0F}" srcId="{5E378D90-3C64-4F54-9EAF-339B3B633069}" destId="{29829007-87A4-47BA-B187-F7ADB0D6F740}" srcOrd="1" destOrd="0" parTransId="{D644E5E3-80DE-4EC0-91E5-9CF06A7F9F4C}" sibTransId="{83F64F9F-220C-499A-B9EB-6D5B3FAFCF0E}"/>
+    <dgm:cxn modelId="{D6D1FB90-F643-43C4-92A3-92402CD4AD70}" type="presOf" srcId="{04664B2F-F0D7-4FE8-8F0D-B4867EC44981}" destId="{0CD346E0-8734-438E-982D-85C38298B913}" srcOrd="0" destOrd="0" presId="urn:microsoft.com/office/officeart/2005/8/layout/vList2"/>
+    <dgm:cxn modelId="{49358533-FEE9-4EF0-B659-63B99C39873C}" srcId="{5E378D90-3C64-4F54-9EAF-339B3B633069}" destId="{EAA145E7-7044-408B-8F38-CB9585C30432}" srcOrd="2" destOrd="0" parTransId="{8F8E9DC6-8E5E-428F-ACEA-3F0C801AEDC0}" sibTransId="{9F00BBAE-75A1-40E1-8445-5BD9AC9AC5AA}"/>
+    <dgm:cxn modelId="{CE3986C8-2DED-4ED5-BBCC-70315F4050B3}" type="presOf" srcId="{D19434F5-8BA7-42A5-B06E-2A622BED50C2}" destId="{E32AB43C-F7CF-45AC-88A2-FE48D30B914D}" srcOrd="0" destOrd="0" presId="urn:microsoft.com/office/officeart/2005/8/layout/vList2"/>
+    <dgm:cxn modelId="{8B6B87F0-A741-41DF-9E3D-D54A94E60231}" type="presOf" srcId="{29829007-87A4-47BA-B187-F7ADB0D6F740}" destId="{90A7ECFA-C3F0-4249-88F6-F725A55CB44A}" srcOrd="0" destOrd="1" presId="urn:microsoft.com/office/officeart/2005/8/layout/vList2"/>
+    <dgm:cxn modelId="{B15F0017-3375-43A4-9763-F20460331C54}" srcId="{6CD38410-63FE-49E8-A15F-43113B579FC4}" destId="{76BA7F9C-F156-4401-89A0-BA8A704F069F}" srcOrd="0" destOrd="0" parTransId="{10BA06B7-BB8A-4FB5-9EA4-852D5C6A8AF4}" sibTransId="{F8413D69-9642-45F9-B853-E5B3183C7399}"/>
+    <dgm:cxn modelId="{4A710682-4489-41E7-A78F-C695AA0C9B1C}" srcId="{D19434F5-8BA7-42A5-B06E-2A622BED50C2}" destId="{EF2FB0FF-718F-4AC3-B263-14C79AAECB9D}" srcOrd="0" destOrd="0" parTransId="{EAF441C4-2764-4E8E-AE65-61FB9D29FFD9}" sibTransId="{03127FF5-DA79-49C6-9880-07BA042E5B98}"/>
+    <dgm:cxn modelId="{C22CFD93-A9DC-4ADA-9DE4-510C8AC57BF4}" srcId="{5E378D90-3C64-4F54-9EAF-339B3B633069}" destId="{79686C5C-ABA0-4570-B8AD-8A110ED403D4}" srcOrd="0" destOrd="0" parTransId="{09CD023B-4974-453A-AAEF-D961139EFB59}" sibTransId="{DB0409CA-8720-4405-97F9-6412EF7D1D9E}"/>
+    <dgm:cxn modelId="{C08DB0C1-AAAF-4E10-8104-4F5496928401}" type="presOf" srcId="{EF2FB0FF-718F-4AC3-B263-14C79AAECB9D}" destId="{8BB89208-568D-4CB0-BB01-1D5CE9E2C6EE}" srcOrd="0" destOrd="0" presId="urn:microsoft.com/office/officeart/2005/8/layout/vList2"/>
+    <dgm:cxn modelId="{94545DFE-9D87-44D7-B09F-172240A7DFD6}" srcId="{D19434F5-8BA7-42A5-B06E-2A622BED50C2}" destId="{5E378D90-3C64-4F54-9EAF-339B3B633069}" srcOrd="3" destOrd="0" parTransId="{712EDBB5-B940-432F-9757-B048E08F8546}" sibTransId="{C0054E9D-D1A6-4E64-A302-AD66D9DD0AA0}"/>
+    <dgm:cxn modelId="{A9F6E0FC-ABF1-4B15-8D87-0D429A78CC20}" type="presOf" srcId="{6CD38410-63FE-49E8-A15F-43113B579FC4}" destId="{599AE2E8-45C3-4D8A-9228-B6EB827C01EB}" srcOrd="0" destOrd="0" presId="urn:microsoft.com/office/officeart/2005/8/layout/vList2"/>
+    <dgm:cxn modelId="{653864B4-F740-428D-BAC3-ECD6B652EC67}" type="presOf" srcId="{B8C5F0A9-8B0B-4F25-A41F-C13262A97A82}" destId="{BB8AE1D7-93E2-4F7D-95A0-24893BD88B49}" srcOrd="0" destOrd="0" presId="urn:microsoft.com/office/officeart/2005/8/layout/vList2"/>
+    <dgm:cxn modelId="{19802695-09B6-4A61-A02B-2946680F8901}" srcId="{B8C5F0A9-8B0B-4F25-A41F-C13262A97A82}" destId="{1C9ABC7F-5385-42E3-8133-66E6895E84BA}" srcOrd="0" destOrd="0" parTransId="{6F8535C0-9F19-4BAF-A5B1-04193E3FD565}" sibTransId="{C68F268B-AD5F-46C5-854B-5C0215A6935F}"/>
+    <dgm:cxn modelId="{1A40E00B-C2F3-4051-BDAA-0C0854E02222}" type="presOf" srcId="{EAA145E7-7044-408B-8F38-CB9585C30432}" destId="{90A7ECFA-C3F0-4249-88F6-F725A55CB44A}" srcOrd="0" destOrd="2" presId="urn:microsoft.com/office/officeart/2005/8/layout/vList2"/>
     <dgm:cxn modelId="{55496AFF-0341-4E33-B3BD-4A318C027C4F}" srcId="{D19434F5-8BA7-42A5-B06E-2A622BED50C2}" destId="{6CD38410-63FE-49E8-A15F-43113B579FC4}" srcOrd="2" destOrd="0" parTransId="{1B449093-E713-434B-9FEF-C48394D097DD}" sibTransId="{AB28A93F-DD8D-4798-A5EA-7B51DD175AAC}"/>
-    <dgm:cxn modelId="{CE3986C8-2DED-4ED5-BBCC-70315F4050B3}" type="presOf" srcId="{D19434F5-8BA7-42A5-B06E-2A622BED50C2}" destId="{E32AB43C-F7CF-45AC-88A2-FE48D30B914D}" srcOrd="0" destOrd="0" presId="urn:microsoft.com/office/officeart/2005/8/layout/vList2"/>
-    <dgm:cxn modelId="{C08DB0C1-AAAF-4E10-8104-4F5496928401}" type="presOf" srcId="{EF2FB0FF-718F-4AC3-B263-14C79AAECB9D}" destId="{8BB89208-568D-4CB0-BB01-1D5CE9E2C6EE}" srcOrd="0" destOrd="0" presId="urn:microsoft.com/office/officeart/2005/8/layout/vList2"/>
-    <dgm:cxn modelId="{8B6B87F0-A741-41DF-9E3D-D54A94E60231}" type="presOf" srcId="{29829007-87A4-47BA-B187-F7ADB0D6F740}" destId="{90A7ECFA-C3F0-4249-88F6-F725A55CB44A}" srcOrd="0" destOrd="1" presId="urn:microsoft.com/office/officeart/2005/8/layout/vList2"/>
-    <dgm:cxn modelId="{A9F6E0FC-ABF1-4B15-8D87-0D429A78CC20}" type="presOf" srcId="{6CD38410-63FE-49E8-A15F-43113B579FC4}" destId="{599AE2E8-45C3-4D8A-9228-B6EB827C01EB}" srcOrd="0" destOrd="0" presId="urn:microsoft.com/office/officeart/2005/8/layout/vList2"/>
-    <dgm:cxn modelId="{2BCEBE1F-44F1-4A3C-9D1E-7161435AE4B5}" type="presOf" srcId="{5E378D90-3C64-4F54-9EAF-339B3B633069}" destId="{3F0B8DFE-B9BC-4105-9868-AD6C20CCF835}" srcOrd="0" destOrd="0" presId="urn:microsoft.com/office/officeart/2005/8/layout/vList2"/>
-    <dgm:cxn modelId="{49358533-FEE9-4EF0-B659-63B99C39873C}" srcId="{5E378D90-3C64-4F54-9EAF-339B3B633069}" destId="{EAA145E7-7044-408B-8F38-CB9585C30432}" srcOrd="2" destOrd="0" parTransId="{8F8E9DC6-8E5E-428F-ACEA-3F0C801AEDC0}" sibTransId="{9F00BBAE-75A1-40E1-8445-5BD9AC9AC5AA}"/>
-    <dgm:cxn modelId="{493CC7BA-79E5-43AC-8646-1D65154FD340}" type="presOf" srcId="{1C9ABC7F-5385-42E3-8133-66E6895E84BA}" destId="{FBB44824-333C-4A53-841C-79075C43C6DD}" srcOrd="0" destOrd="0" presId="urn:microsoft.com/office/officeart/2005/8/layout/vList2"/>
-    <dgm:cxn modelId="{D6D1FB90-F643-43C4-92A3-92402CD4AD70}" type="presOf" srcId="{04664B2F-F0D7-4FE8-8F0D-B4867EC44981}" destId="{0CD346E0-8734-438E-982D-85C38298B913}" srcOrd="0" destOrd="0" presId="urn:microsoft.com/office/officeart/2005/8/layout/vList2"/>
-    <dgm:cxn modelId="{4D3F8627-F3C8-4988-ADFF-95C5C3683F0F}" srcId="{5E378D90-3C64-4F54-9EAF-339B3B633069}" destId="{29829007-87A4-47BA-B187-F7ADB0D6F740}" srcOrd="1" destOrd="0" parTransId="{D644E5E3-80DE-4EC0-91E5-9CF06A7F9F4C}" sibTransId="{83F64F9F-220C-499A-B9EB-6D5B3FAFCF0E}"/>
-    <dgm:cxn modelId="{D496286B-B7F3-4654-A4B1-6114ED2C4D8B}" type="presOf" srcId="{79686C5C-ABA0-4570-B8AD-8A110ED403D4}" destId="{90A7ECFA-C3F0-4249-88F6-F725A55CB44A}" srcOrd="0" destOrd="0" presId="urn:microsoft.com/office/officeart/2005/8/layout/vList2"/>
-    <dgm:cxn modelId="{4A710682-4489-41E7-A78F-C695AA0C9B1C}" srcId="{D19434F5-8BA7-42A5-B06E-2A622BED50C2}" destId="{EF2FB0FF-718F-4AC3-B263-14C79AAECB9D}" srcOrd="0" destOrd="0" parTransId="{EAF441C4-2764-4E8E-AE65-61FB9D29FFD9}" sibTransId="{03127FF5-DA79-49C6-9880-07BA042E5B98}"/>
-    <dgm:cxn modelId="{96D3C1E9-0204-4212-B5E1-EB1E11E11CCC}" type="presOf" srcId="{76BA7F9C-F156-4401-89A0-BA8A704F069F}" destId="{B2AA50A2-D7AC-4355-A258-5D7AA48591D7}" srcOrd="0" destOrd="0" presId="urn:microsoft.com/office/officeart/2005/8/layout/vList2"/>
-    <dgm:cxn modelId="{B15F0017-3375-43A4-9763-F20460331C54}" srcId="{6CD38410-63FE-49E8-A15F-43113B579FC4}" destId="{76BA7F9C-F156-4401-89A0-BA8A704F069F}" srcOrd="0" destOrd="0" parTransId="{10BA06B7-BB8A-4FB5-9EA4-852D5C6A8AF4}" sibTransId="{F8413D69-9642-45F9-B853-E5B3183C7399}"/>
-    <dgm:cxn modelId="{C22CFD93-A9DC-4ADA-9DE4-510C8AC57BF4}" srcId="{5E378D90-3C64-4F54-9EAF-339B3B633069}" destId="{79686C5C-ABA0-4570-B8AD-8A110ED403D4}" srcOrd="0" destOrd="0" parTransId="{09CD023B-4974-453A-AAEF-D961139EFB59}" sibTransId="{DB0409CA-8720-4405-97F9-6412EF7D1D9E}"/>
-    <dgm:cxn modelId="{C912B765-BC7E-4A9F-83CC-559510F30BC5}" srcId="{D19434F5-8BA7-42A5-B06E-2A622BED50C2}" destId="{B8C5F0A9-8B0B-4F25-A41F-C13262A97A82}" srcOrd="1" destOrd="0" parTransId="{AF1BE64C-654D-460B-9E56-1766034AAE29}" sibTransId="{4CD13948-ED1D-49CF-8416-5AFF7317EC12}"/>
-    <dgm:cxn modelId="{653864B4-F740-428D-BAC3-ECD6B652EC67}" type="presOf" srcId="{B8C5F0A9-8B0B-4F25-A41F-C13262A97A82}" destId="{BB8AE1D7-93E2-4F7D-95A0-24893BD88B49}" srcOrd="0" destOrd="0" presId="urn:microsoft.com/office/officeart/2005/8/layout/vList2"/>
-    <dgm:cxn modelId="{1A40E00B-C2F3-4051-BDAA-0C0854E02222}" type="presOf" srcId="{EAA145E7-7044-408B-8F38-CB9585C30432}" destId="{90A7ECFA-C3F0-4249-88F6-F725A55CB44A}" srcOrd="0" destOrd="2" presId="urn:microsoft.com/office/officeart/2005/8/layout/vList2"/>
-    <dgm:cxn modelId="{94545DFE-9D87-44D7-B09F-172240A7DFD6}" srcId="{D19434F5-8BA7-42A5-B06E-2A622BED50C2}" destId="{5E378D90-3C64-4F54-9EAF-339B3B633069}" srcOrd="3" destOrd="0" parTransId="{712EDBB5-B940-432F-9757-B048E08F8546}" sibTransId="{C0054E9D-D1A6-4E64-A302-AD66D9DD0AA0}"/>
-    <dgm:cxn modelId="{19802695-09B6-4A61-A02B-2946680F8901}" srcId="{B8C5F0A9-8B0B-4F25-A41F-C13262A97A82}" destId="{1C9ABC7F-5385-42E3-8133-66E6895E84BA}" srcOrd="0" destOrd="0" parTransId="{6F8535C0-9F19-4BAF-A5B1-04193E3FD565}" sibTransId="{C68F268B-AD5F-46C5-854B-5C0215A6935F}"/>
     <dgm:cxn modelId="{50CA1C2B-40BB-42D2-BDDA-117086E5C741}" type="presParOf" srcId="{E32AB43C-F7CF-45AC-88A2-FE48D30B914D}" destId="{8BB89208-568D-4CB0-BB01-1D5CE9E2C6EE}" srcOrd="0" destOrd="0" presId="urn:microsoft.com/office/officeart/2005/8/layout/vList2"/>
     <dgm:cxn modelId="{180E2E21-D07C-44CE-A452-5C6FC833A887}" type="presParOf" srcId="{E32AB43C-F7CF-45AC-88A2-FE48D30B914D}" destId="{0CD346E0-8734-438E-982D-85C38298B913}" srcOrd="1" destOrd="0" presId="urn:microsoft.com/office/officeart/2005/8/layout/vList2"/>
     <dgm:cxn modelId="{27EA821F-FB02-49D7-97B0-6E675C38C0E0}" type="presParOf" srcId="{E32AB43C-F7CF-45AC-88A2-FE48D30B914D}" destId="{BB8AE1D7-93E2-4F7D-95A0-24893BD88B49}" srcOrd="2" destOrd="0" presId="urn:microsoft.com/office/officeart/2005/8/layout/vList2"/>
@@ -1404,7 +1436,7 @@
   <dgm:whole/>
   <dgm:extLst>
     <a:ext uri="http://schemas.microsoft.com/office/drawing/2008/diagram">
-      <dsp:dataModelExt xmlns:dsp="http://schemas.microsoft.com/office/drawing/2008/diagram" relId="rId6" minVer="http://schemas.openxmlformats.org/drawingml/2006/diagram"/>
+      <dsp:dataModelExt xmlns:dsp="http://schemas.microsoft.com/office/drawing/2008/diagram" relId="rId7" minVer="http://schemas.openxmlformats.org/drawingml/2006/diagram"/>
     </a:ext>
   </dgm:extLst>
 </dgm:dataModel>
@@ -1519,7 +1551,7 @@
           </a:pPr>
           <a:r>
             <a:rPr lang="en-US" sz="2100" kern="1200" dirty="0" smtClean="0"/>
-            <a:t>Conceptual Framework and Literature Review</a:t>
+            <a:t>Theoretical and Conceptual Framework</a:t>
           </a:r>
           <a:endParaRPr lang="en-US" sz="2100" kern="1200" dirty="0"/>
         </a:p>
@@ -2039,7 +2071,7 @@
           </a:pPr>
           <a:r>
             <a:rPr lang="en-US" sz="2100" kern="1200" dirty="0" smtClean="0"/>
-            <a:t>Critiques</a:t>
+            <a:t>Critique</a:t>
           </a:r>
           <a:endParaRPr lang="en-US" sz="2100" kern="1200" dirty="0"/>
         </a:p>
@@ -3585,6 +3617,1411 @@
 </dgm:styleDef>
 </file>
 
+<file path=ppt/notesMasters/notesMaster1.xml><?xml version="1.0" encoding="utf-8"?>
+<p:notesMaster xmlns:a="http://schemas.openxmlformats.org/drawingml/2006/main" xmlns:r="http://schemas.openxmlformats.org/officeDocument/2006/relationships" xmlns:p="http://schemas.openxmlformats.org/presentationml/2006/main">
+  <p:cSld>
+    <p:bg>
+      <p:bgRef idx="1001">
+        <a:schemeClr val="bg1"/>
+      </p:bgRef>
+    </p:bg>
+    <p:spTree>
+      <p:nvGrpSpPr>
+        <p:cNvPr id="1" name=""/>
+        <p:cNvGrpSpPr/>
+        <p:nvPr/>
+      </p:nvGrpSpPr>
+      <p:grpSpPr>
+        <a:xfrm>
+          <a:off x="0" y="0"/>
+          <a:ext cx="0" cy="0"/>
+          <a:chOff x="0" y="0"/>
+          <a:chExt cx="0" cy="0"/>
+        </a:xfrm>
+      </p:grpSpPr>
+      <p:sp>
+        <p:nvSpPr>
+          <p:cNvPr id="2" name="Header Placeholder 1"/>
+          <p:cNvSpPr>
+            <a:spLocks noGrp="1"/>
+          </p:cNvSpPr>
+          <p:nvPr>
+            <p:ph type="hdr" sz="quarter"/>
+          </p:nvPr>
+        </p:nvSpPr>
+        <p:spPr>
+          <a:xfrm>
+            <a:off x="0" y="0"/>
+            <a:ext cx="2971800" cy="457200"/>
+          </a:xfrm>
+          <a:prstGeom prst="rect">
+            <a:avLst/>
+          </a:prstGeom>
+        </p:spPr>
+        <p:txBody>
+          <a:bodyPr vert="horz" lIns="91440" tIns="45720" rIns="91440" bIns="45720" rtlCol="0"/>
+          <a:lstStyle>
+            <a:lvl1pPr algn="l">
+              <a:defRPr sz="1200"/>
+            </a:lvl1pPr>
+          </a:lstStyle>
+          <a:p>
+            <a:endParaRPr lang="en-US"/>
+          </a:p>
+        </p:txBody>
+      </p:sp>
+      <p:sp>
+        <p:nvSpPr>
+          <p:cNvPr id="3" name="Date Placeholder 2"/>
+          <p:cNvSpPr>
+            <a:spLocks noGrp="1"/>
+          </p:cNvSpPr>
+          <p:nvPr>
+            <p:ph type="dt" idx="1"/>
+          </p:nvPr>
+        </p:nvSpPr>
+        <p:spPr>
+          <a:xfrm>
+            <a:off x="3884613" y="0"/>
+            <a:ext cx="2971800" cy="457200"/>
+          </a:xfrm>
+          <a:prstGeom prst="rect">
+            <a:avLst/>
+          </a:prstGeom>
+        </p:spPr>
+        <p:txBody>
+          <a:bodyPr vert="horz" lIns="91440" tIns="45720" rIns="91440" bIns="45720" rtlCol="0"/>
+          <a:lstStyle>
+            <a:lvl1pPr algn="r">
+              <a:defRPr sz="1200"/>
+            </a:lvl1pPr>
+          </a:lstStyle>
+          <a:p>
+            <a:fld id="{235D0C9C-FE04-4D2F-A570-BCEF9F25AF09}" type="datetimeFigureOut">
+              <a:rPr lang="en-US" smtClean="0"/>
+              <a:t>10/04/2018</a:t>
+            </a:fld>
+            <a:endParaRPr lang="en-US"/>
+          </a:p>
+        </p:txBody>
+      </p:sp>
+      <p:sp>
+        <p:nvSpPr>
+          <p:cNvPr id="4" name="Slide Image Placeholder 3"/>
+          <p:cNvSpPr>
+            <a:spLocks noGrp="1" noRot="1" noChangeAspect="1"/>
+          </p:cNvSpPr>
+          <p:nvPr>
+            <p:ph type="sldImg" idx="2"/>
+          </p:nvPr>
+        </p:nvSpPr>
+        <p:spPr>
+          <a:xfrm>
+            <a:off x="685800" y="685800"/>
+            <a:ext cx="5486400" cy="3429000"/>
+          </a:xfrm>
+          <a:prstGeom prst="rect">
+            <a:avLst/>
+          </a:prstGeom>
+          <a:noFill/>
+          <a:ln w="12700">
+            <a:solidFill>
+              <a:prstClr val="black"/>
+            </a:solidFill>
+          </a:ln>
+        </p:spPr>
+        <p:txBody>
+          <a:bodyPr vert="horz" lIns="91440" tIns="45720" rIns="91440" bIns="45720" rtlCol="0" anchor="ctr"/>
+          <a:lstStyle/>
+          <a:p>
+            <a:endParaRPr lang="en-US"/>
+          </a:p>
+        </p:txBody>
+      </p:sp>
+      <p:sp>
+        <p:nvSpPr>
+          <p:cNvPr id="5" name="Notes Placeholder 4"/>
+          <p:cNvSpPr>
+            <a:spLocks noGrp="1"/>
+          </p:cNvSpPr>
+          <p:nvPr>
+            <p:ph type="body" sz="quarter" idx="3"/>
+          </p:nvPr>
+        </p:nvSpPr>
+        <p:spPr>
+          <a:xfrm>
+            <a:off x="685800" y="4343400"/>
+            <a:ext cx="5486400" cy="4114800"/>
+          </a:xfrm>
+          <a:prstGeom prst="rect">
+            <a:avLst/>
+          </a:prstGeom>
+        </p:spPr>
+        <p:txBody>
+          <a:bodyPr vert="horz" lIns="91440" tIns="45720" rIns="91440" bIns="45720" rtlCol="0"/>
+          <a:lstStyle/>
+          <a:p>
+            <a:pPr lvl="0"/>
+            <a:r>
+              <a:rPr lang="en-US" smtClean="0"/>
+              <a:t>Click to edit Master text styles</a:t>
+            </a:r>
+          </a:p>
+          <a:p>
+            <a:pPr lvl="1"/>
+            <a:r>
+              <a:rPr lang="en-US" smtClean="0"/>
+              <a:t>Second level</a:t>
+            </a:r>
+          </a:p>
+          <a:p>
+            <a:pPr lvl="2"/>
+            <a:r>
+              <a:rPr lang="en-US" smtClean="0"/>
+              <a:t>Third level</a:t>
+            </a:r>
+          </a:p>
+          <a:p>
+            <a:pPr lvl="3"/>
+            <a:r>
+              <a:rPr lang="en-US" smtClean="0"/>
+              <a:t>Fourth level</a:t>
+            </a:r>
+          </a:p>
+          <a:p>
+            <a:pPr lvl="4"/>
+            <a:r>
+              <a:rPr lang="en-US" smtClean="0"/>
+              <a:t>Fifth level</a:t>
+            </a:r>
+            <a:endParaRPr lang="en-US"/>
+          </a:p>
+        </p:txBody>
+      </p:sp>
+      <p:sp>
+        <p:nvSpPr>
+          <p:cNvPr id="6" name="Footer Placeholder 5"/>
+          <p:cNvSpPr>
+            <a:spLocks noGrp="1"/>
+          </p:cNvSpPr>
+          <p:nvPr>
+            <p:ph type="ftr" sz="quarter" idx="4"/>
+          </p:nvPr>
+        </p:nvSpPr>
+        <p:spPr>
+          <a:xfrm>
+            <a:off x="0" y="8685213"/>
+            <a:ext cx="2971800" cy="457200"/>
+          </a:xfrm>
+          <a:prstGeom prst="rect">
+            <a:avLst/>
+          </a:prstGeom>
+        </p:spPr>
+        <p:txBody>
+          <a:bodyPr vert="horz" lIns="91440" tIns="45720" rIns="91440" bIns="45720" rtlCol="0" anchor="b"/>
+          <a:lstStyle>
+            <a:lvl1pPr algn="l">
+              <a:defRPr sz="1200"/>
+            </a:lvl1pPr>
+          </a:lstStyle>
+          <a:p>
+            <a:endParaRPr lang="en-US"/>
+          </a:p>
+        </p:txBody>
+      </p:sp>
+      <p:sp>
+        <p:nvSpPr>
+          <p:cNvPr id="7" name="Slide Number Placeholder 6"/>
+          <p:cNvSpPr>
+            <a:spLocks noGrp="1"/>
+          </p:cNvSpPr>
+          <p:nvPr>
+            <p:ph type="sldNum" sz="quarter" idx="5"/>
+          </p:nvPr>
+        </p:nvSpPr>
+        <p:spPr>
+          <a:xfrm>
+            <a:off x="3884613" y="8685213"/>
+            <a:ext cx="2971800" cy="457200"/>
+          </a:xfrm>
+          <a:prstGeom prst="rect">
+            <a:avLst/>
+          </a:prstGeom>
+        </p:spPr>
+        <p:txBody>
+          <a:bodyPr vert="horz" lIns="91440" tIns="45720" rIns="91440" bIns="45720" rtlCol="0" anchor="b"/>
+          <a:lstStyle>
+            <a:lvl1pPr algn="r">
+              <a:defRPr sz="1200"/>
+            </a:lvl1pPr>
+          </a:lstStyle>
+          <a:p>
+            <a:fld id="{25CD9EE9-D882-4AAB-BFB2-64B63B35C2D3}" type="slidenum">
+              <a:rPr lang="en-US" smtClean="0"/>
+              <a:t>‹#›</a:t>
+            </a:fld>
+            <a:endParaRPr lang="en-US"/>
+          </a:p>
+        </p:txBody>
+      </p:sp>
+    </p:spTree>
+    <p:extLst>
+      <p:ext uri="{BB962C8B-B14F-4D97-AF65-F5344CB8AC3E}">
+        <p14:creationId xmlns:p14="http://schemas.microsoft.com/office/powerpoint/2010/main" val="913035235"/>
+      </p:ext>
+    </p:extLst>
+  </p:cSld>
+  <p:clrMap bg1="lt1" tx1="dk1" bg2="lt2" tx2="dk2" accent1="accent1" accent2="accent2" accent3="accent3" accent4="accent4" accent5="accent5" accent6="accent6" hlink="hlink" folHlink="folHlink"/>
+  <p:notesStyle>
+    <a:lvl1pPr marL="0" algn="l" defTabSz="914400" rtl="0" eaLnBrk="1" latinLnBrk="0" hangingPunct="1">
+      <a:defRPr sz="1200" kern="1200">
+        <a:solidFill>
+          <a:schemeClr val="tx1"/>
+        </a:solidFill>
+        <a:latin typeface="+mn-lt"/>
+        <a:ea typeface="+mn-ea"/>
+        <a:cs typeface="+mn-cs"/>
+      </a:defRPr>
+    </a:lvl1pPr>
+    <a:lvl2pPr marL="457200" algn="l" defTabSz="914400" rtl="0" eaLnBrk="1" latinLnBrk="0" hangingPunct="1">
+      <a:defRPr sz="1200" kern="1200">
+        <a:solidFill>
+          <a:schemeClr val="tx1"/>
+        </a:solidFill>
+        <a:latin typeface="+mn-lt"/>
+        <a:ea typeface="+mn-ea"/>
+        <a:cs typeface="+mn-cs"/>
+      </a:defRPr>
+    </a:lvl2pPr>
+    <a:lvl3pPr marL="914400" algn="l" defTabSz="914400" rtl="0" eaLnBrk="1" latinLnBrk="0" hangingPunct="1">
+      <a:defRPr sz="1200" kern="1200">
+        <a:solidFill>
+          <a:schemeClr val="tx1"/>
+        </a:solidFill>
+        <a:latin typeface="+mn-lt"/>
+        <a:ea typeface="+mn-ea"/>
+        <a:cs typeface="+mn-cs"/>
+      </a:defRPr>
+    </a:lvl3pPr>
+    <a:lvl4pPr marL="1371600" algn="l" defTabSz="914400" rtl="0" eaLnBrk="1" latinLnBrk="0" hangingPunct="1">
+      <a:defRPr sz="1200" kern="1200">
+        <a:solidFill>
+          <a:schemeClr val="tx1"/>
+        </a:solidFill>
+        <a:latin typeface="+mn-lt"/>
+        <a:ea typeface="+mn-ea"/>
+        <a:cs typeface="+mn-cs"/>
+      </a:defRPr>
+    </a:lvl4pPr>
+    <a:lvl5pPr marL="1828800" algn="l" defTabSz="914400" rtl="0" eaLnBrk="1" latinLnBrk="0" hangingPunct="1">
+      <a:defRPr sz="1200" kern="1200">
+        <a:solidFill>
+          <a:schemeClr val="tx1"/>
+        </a:solidFill>
+        <a:latin typeface="+mn-lt"/>
+        <a:ea typeface="+mn-ea"/>
+        <a:cs typeface="+mn-cs"/>
+      </a:defRPr>
+    </a:lvl5pPr>
+    <a:lvl6pPr marL="2286000" algn="l" defTabSz="914400" rtl="0" eaLnBrk="1" latinLnBrk="0" hangingPunct="1">
+      <a:defRPr sz="1200" kern="1200">
+        <a:solidFill>
+          <a:schemeClr val="tx1"/>
+        </a:solidFill>
+        <a:latin typeface="+mn-lt"/>
+        <a:ea typeface="+mn-ea"/>
+        <a:cs typeface="+mn-cs"/>
+      </a:defRPr>
+    </a:lvl6pPr>
+    <a:lvl7pPr marL="2743200" algn="l" defTabSz="914400" rtl="0" eaLnBrk="1" latinLnBrk="0" hangingPunct="1">
+      <a:defRPr sz="1200" kern="1200">
+        <a:solidFill>
+          <a:schemeClr val="tx1"/>
+        </a:solidFill>
+        <a:latin typeface="+mn-lt"/>
+        <a:ea typeface="+mn-ea"/>
+        <a:cs typeface="+mn-cs"/>
+      </a:defRPr>
+    </a:lvl7pPr>
+    <a:lvl8pPr marL="3200400" algn="l" defTabSz="914400" rtl="0" eaLnBrk="1" latinLnBrk="0" hangingPunct="1">
+      <a:defRPr sz="1200" kern="1200">
+        <a:solidFill>
+          <a:schemeClr val="tx1"/>
+        </a:solidFill>
+        <a:latin typeface="+mn-lt"/>
+        <a:ea typeface="+mn-ea"/>
+        <a:cs typeface="+mn-cs"/>
+      </a:defRPr>
+    </a:lvl8pPr>
+    <a:lvl9pPr marL="3657600" algn="l" defTabSz="914400" rtl="0" eaLnBrk="1" latinLnBrk="0" hangingPunct="1">
+      <a:defRPr sz="1200" kern="1200">
+        <a:solidFill>
+          <a:schemeClr val="tx1"/>
+        </a:solidFill>
+        <a:latin typeface="+mn-lt"/>
+        <a:ea typeface="+mn-ea"/>
+        <a:cs typeface="+mn-cs"/>
+      </a:defRPr>
+    </a:lvl9pPr>
+  </p:notesStyle>
+</p:notesMaster>
+</file>
+
+<file path=ppt/notesSlides/notesSlide1.xml><?xml version="1.0" encoding="utf-8"?>
+<p:notes xmlns:a="http://schemas.openxmlformats.org/drawingml/2006/main" xmlns:r="http://schemas.openxmlformats.org/officeDocument/2006/relationships" xmlns:p="http://schemas.openxmlformats.org/presentationml/2006/main">
+  <p:cSld>
+    <p:spTree>
+      <p:nvGrpSpPr>
+        <p:cNvPr id="1" name=""/>
+        <p:cNvGrpSpPr/>
+        <p:nvPr/>
+      </p:nvGrpSpPr>
+      <p:grpSpPr>
+        <a:xfrm>
+          <a:off x="0" y="0"/>
+          <a:ext cx="0" cy="0"/>
+          <a:chOff x="0" y="0"/>
+          <a:chExt cx="0" cy="0"/>
+        </a:xfrm>
+      </p:grpSpPr>
+      <p:sp>
+        <p:nvSpPr>
+          <p:cNvPr id="2" name="Slide Image Placeholder 1"/>
+          <p:cNvSpPr>
+            <a:spLocks noGrp="1" noRot="1" noChangeAspect="1"/>
+          </p:cNvSpPr>
+          <p:nvPr>
+            <p:ph type="sldImg"/>
+          </p:nvPr>
+        </p:nvSpPr>
+        <p:spPr/>
+      </p:sp>
+      <p:sp>
+        <p:nvSpPr>
+          <p:cNvPr id="3" name="Notes Placeholder 2"/>
+          <p:cNvSpPr>
+            <a:spLocks noGrp="1"/>
+          </p:cNvSpPr>
+          <p:nvPr>
+            <p:ph type="body" idx="1"/>
+          </p:nvPr>
+        </p:nvSpPr>
+        <p:spPr/>
+        <p:txBody>
+          <a:bodyPr/>
+          <a:lstStyle/>
+          <a:p>
+            <a:r>
+              <a:rPr lang="en-US" dirty="0" smtClean="0"/>
+              <a:t>Malcolm</a:t>
+            </a:r>
+            <a:endParaRPr lang="en-US" dirty="0"/>
+          </a:p>
+        </p:txBody>
+      </p:sp>
+      <p:sp>
+        <p:nvSpPr>
+          <p:cNvPr id="4" name="Slide Number Placeholder 3"/>
+          <p:cNvSpPr>
+            <a:spLocks noGrp="1"/>
+          </p:cNvSpPr>
+          <p:nvPr>
+            <p:ph type="sldNum" sz="quarter" idx="10"/>
+          </p:nvPr>
+        </p:nvSpPr>
+        <p:spPr/>
+        <p:txBody>
+          <a:bodyPr/>
+          <a:lstStyle/>
+          <a:p>
+            <a:fld id="{25CD9EE9-D882-4AAB-BFB2-64B63B35C2D3}" type="slidenum">
+              <a:rPr lang="en-US" smtClean="0"/>
+              <a:t>1</a:t>
+            </a:fld>
+            <a:endParaRPr lang="en-US"/>
+          </a:p>
+        </p:txBody>
+      </p:sp>
+    </p:spTree>
+    <p:extLst>
+      <p:ext uri="{BB962C8B-B14F-4D97-AF65-F5344CB8AC3E}">
+        <p14:creationId xmlns:p14="http://schemas.microsoft.com/office/powerpoint/2010/main" val="3099467322"/>
+      </p:ext>
+    </p:extLst>
+  </p:cSld>
+  <p:clrMapOvr>
+    <a:masterClrMapping/>
+  </p:clrMapOvr>
+</p:notes>
+</file>
+
+<file path=ppt/notesSlides/notesSlide10.xml><?xml version="1.0" encoding="utf-8"?>
+<p:notes xmlns:a="http://schemas.openxmlformats.org/drawingml/2006/main" xmlns:r="http://schemas.openxmlformats.org/officeDocument/2006/relationships" xmlns:p="http://schemas.openxmlformats.org/presentationml/2006/main">
+  <p:cSld>
+    <p:spTree>
+      <p:nvGrpSpPr>
+        <p:cNvPr id="1" name=""/>
+        <p:cNvGrpSpPr/>
+        <p:nvPr/>
+      </p:nvGrpSpPr>
+      <p:grpSpPr>
+        <a:xfrm>
+          <a:off x="0" y="0"/>
+          <a:ext cx="0" cy="0"/>
+          <a:chOff x="0" y="0"/>
+          <a:chExt cx="0" cy="0"/>
+        </a:xfrm>
+      </p:grpSpPr>
+      <p:sp>
+        <p:nvSpPr>
+          <p:cNvPr id="2" name="Slide Image Placeholder 1"/>
+          <p:cNvSpPr>
+            <a:spLocks noGrp="1" noRot="1" noChangeAspect="1"/>
+          </p:cNvSpPr>
+          <p:nvPr>
+            <p:ph type="sldImg"/>
+          </p:nvPr>
+        </p:nvSpPr>
+        <p:spPr/>
+      </p:sp>
+      <p:sp>
+        <p:nvSpPr>
+          <p:cNvPr id="3" name="Notes Placeholder 2"/>
+          <p:cNvSpPr>
+            <a:spLocks noGrp="1"/>
+          </p:cNvSpPr>
+          <p:nvPr>
+            <p:ph type="body" idx="1"/>
+          </p:nvPr>
+        </p:nvSpPr>
+        <p:spPr/>
+        <p:txBody>
+          <a:bodyPr/>
+          <a:lstStyle/>
+          <a:p>
+            <a:r>
+              <a:rPr lang="en-US" dirty="0" smtClean="0"/>
+              <a:t>Saeed</a:t>
+            </a:r>
+            <a:endParaRPr lang="en-US" dirty="0"/>
+          </a:p>
+        </p:txBody>
+      </p:sp>
+      <p:sp>
+        <p:nvSpPr>
+          <p:cNvPr id="4" name="Slide Number Placeholder 3"/>
+          <p:cNvSpPr>
+            <a:spLocks noGrp="1"/>
+          </p:cNvSpPr>
+          <p:nvPr>
+            <p:ph type="sldNum" sz="quarter" idx="10"/>
+          </p:nvPr>
+        </p:nvSpPr>
+        <p:spPr/>
+        <p:txBody>
+          <a:bodyPr/>
+          <a:lstStyle/>
+          <a:p>
+            <a:fld id="{25CD9EE9-D882-4AAB-BFB2-64B63B35C2D3}" type="slidenum">
+              <a:rPr lang="en-US" smtClean="0"/>
+              <a:t>10</a:t>
+            </a:fld>
+            <a:endParaRPr lang="en-US"/>
+          </a:p>
+        </p:txBody>
+      </p:sp>
+    </p:spTree>
+    <p:extLst>
+      <p:ext uri="{BB962C8B-B14F-4D97-AF65-F5344CB8AC3E}">
+        <p14:creationId xmlns:p14="http://schemas.microsoft.com/office/powerpoint/2010/main" val="3625802736"/>
+      </p:ext>
+    </p:extLst>
+  </p:cSld>
+  <p:clrMapOvr>
+    <a:masterClrMapping/>
+  </p:clrMapOvr>
+</p:notes>
+</file>
+
+<file path=ppt/notesSlides/notesSlide11.xml><?xml version="1.0" encoding="utf-8"?>
+<p:notes xmlns:a="http://schemas.openxmlformats.org/drawingml/2006/main" xmlns:r="http://schemas.openxmlformats.org/officeDocument/2006/relationships" xmlns:p="http://schemas.openxmlformats.org/presentationml/2006/main">
+  <p:cSld>
+    <p:spTree>
+      <p:nvGrpSpPr>
+        <p:cNvPr id="1" name=""/>
+        <p:cNvGrpSpPr/>
+        <p:nvPr/>
+      </p:nvGrpSpPr>
+      <p:grpSpPr>
+        <a:xfrm>
+          <a:off x="0" y="0"/>
+          <a:ext cx="0" cy="0"/>
+          <a:chOff x="0" y="0"/>
+          <a:chExt cx="0" cy="0"/>
+        </a:xfrm>
+      </p:grpSpPr>
+      <p:sp>
+        <p:nvSpPr>
+          <p:cNvPr id="2" name="Slide Image Placeholder 1"/>
+          <p:cNvSpPr>
+            <a:spLocks noGrp="1" noRot="1" noChangeAspect="1"/>
+          </p:cNvSpPr>
+          <p:nvPr>
+            <p:ph type="sldImg"/>
+          </p:nvPr>
+        </p:nvSpPr>
+        <p:spPr/>
+      </p:sp>
+      <p:sp>
+        <p:nvSpPr>
+          <p:cNvPr id="3" name="Notes Placeholder 2"/>
+          <p:cNvSpPr>
+            <a:spLocks noGrp="1"/>
+          </p:cNvSpPr>
+          <p:nvPr>
+            <p:ph type="body" idx="1"/>
+          </p:nvPr>
+        </p:nvSpPr>
+        <p:spPr/>
+        <p:txBody>
+          <a:bodyPr/>
+          <a:lstStyle/>
+          <a:p>
+            <a:r>
+              <a:rPr lang="en-US" dirty="0" smtClean="0"/>
+              <a:t>Nathan</a:t>
+            </a:r>
+            <a:endParaRPr lang="en-US" dirty="0"/>
+          </a:p>
+        </p:txBody>
+      </p:sp>
+      <p:sp>
+        <p:nvSpPr>
+          <p:cNvPr id="4" name="Slide Number Placeholder 3"/>
+          <p:cNvSpPr>
+            <a:spLocks noGrp="1"/>
+          </p:cNvSpPr>
+          <p:nvPr>
+            <p:ph type="sldNum" sz="quarter" idx="10"/>
+          </p:nvPr>
+        </p:nvSpPr>
+        <p:spPr/>
+        <p:txBody>
+          <a:bodyPr/>
+          <a:lstStyle/>
+          <a:p>
+            <a:fld id="{25CD9EE9-D882-4AAB-BFB2-64B63B35C2D3}" type="slidenum">
+              <a:rPr lang="en-US" smtClean="0"/>
+              <a:t>11</a:t>
+            </a:fld>
+            <a:endParaRPr lang="en-US"/>
+          </a:p>
+        </p:txBody>
+      </p:sp>
+    </p:spTree>
+    <p:extLst>
+      <p:ext uri="{BB962C8B-B14F-4D97-AF65-F5344CB8AC3E}">
+        <p14:creationId xmlns:p14="http://schemas.microsoft.com/office/powerpoint/2010/main" val="4231223660"/>
+      </p:ext>
+    </p:extLst>
+  </p:cSld>
+  <p:clrMapOvr>
+    <a:masterClrMapping/>
+  </p:clrMapOvr>
+</p:notes>
+</file>
+
+<file path=ppt/notesSlides/notesSlide12.xml><?xml version="1.0" encoding="utf-8"?>
+<p:notes xmlns:a="http://schemas.openxmlformats.org/drawingml/2006/main" xmlns:r="http://schemas.openxmlformats.org/officeDocument/2006/relationships" xmlns:p="http://schemas.openxmlformats.org/presentationml/2006/main">
+  <p:cSld>
+    <p:spTree>
+      <p:nvGrpSpPr>
+        <p:cNvPr id="1" name=""/>
+        <p:cNvGrpSpPr/>
+        <p:nvPr/>
+      </p:nvGrpSpPr>
+      <p:grpSpPr>
+        <a:xfrm>
+          <a:off x="0" y="0"/>
+          <a:ext cx="0" cy="0"/>
+          <a:chOff x="0" y="0"/>
+          <a:chExt cx="0" cy="0"/>
+        </a:xfrm>
+      </p:grpSpPr>
+      <p:sp>
+        <p:nvSpPr>
+          <p:cNvPr id="2" name="Slide Image Placeholder 1"/>
+          <p:cNvSpPr>
+            <a:spLocks noGrp="1" noRot="1" noChangeAspect="1"/>
+          </p:cNvSpPr>
+          <p:nvPr>
+            <p:ph type="sldImg"/>
+          </p:nvPr>
+        </p:nvSpPr>
+        <p:spPr/>
+      </p:sp>
+      <p:sp>
+        <p:nvSpPr>
+          <p:cNvPr id="3" name="Notes Placeholder 2"/>
+          <p:cNvSpPr>
+            <a:spLocks noGrp="1"/>
+          </p:cNvSpPr>
+          <p:nvPr>
+            <p:ph type="body" idx="1"/>
+          </p:nvPr>
+        </p:nvSpPr>
+        <p:spPr/>
+        <p:txBody>
+          <a:bodyPr/>
+          <a:lstStyle/>
+          <a:p>
+            <a:r>
+              <a:rPr lang="en-US" dirty="0" smtClean="0"/>
+              <a:t>Nathan</a:t>
+            </a:r>
+          </a:p>
+        </p:txBody>
+      </p:sp>
+      <p:sp>
+        <p:nvSpPr>
+          <p:cNvPr id="4" name="Slide Number Placeholder 3"/>
+          <p:cNvSpPr>
+            <a:spLocks noGrp="1"/>
+          </p:cNvSpPr>
+          <p:nvPr>
+            <p:ph type="sldNum" sz="quarter" idx="10"/>
+          </p:nvPr>
+        </p:nvSpPr>
+        <p:spPr/>
+        <p:txBody>
+          <a:bodyPr/>
+          <a:lstStyle/>
+          <a:p>
+            <a:fld id="{25CD9EE9-D882-4AAB-BFB2-64B63B35C2D3}" type="slidenum">
+              <a:rPr lang="en-US" smtClean="0"/>
+              <a:t>12</a:t>
+            </a:fld>
+            <a:endParaRPr lang="en-US"/>
+          </a:p>
+        </p:txBody>
+      </p:sp>
+    </p:spTree>
+    <p:extLst>
+      <p:ext uri="{BB962C8B-B14F-4D97-AF65-F5344CB8AC3E}">
+        <p14:creationId xmlns:p14="http://schemas.microsoft.com/office/powerpoint/2010/main" val="1569759707"/>
+      </p:ext>
+    </p:extLst>
+  </p:cSld>
+  <p:clrMapOvr>
+    <a:masterClrMapping/>
+  </p:clrMapOvr>
+</p:notes>
+</file>
+
+<file path=ppt/notesSlides/notesSlide2.xml><?xml version="1.0" encoding="utf-8"?>
+<p:notes xmlns:a="http://schemas.openxmlformats.org/drawingml/2006/main" xmlns:r="http://schemas.openxmlformats.org/officeDocument/2006/relationships" xmlns:p="http://schemas.openxmlformats.org/presentationml/2006/main">
+  <p:cSld>
+    <p:spTree>
+      <p:nvGrpSpPr>
+        <p:cNvPr id="1" name=""/>
+        <p:cNvGrpSpPr/>
+        <p:nvPr/>
+      </p:nvGrpSpPr>
+      <p:grpSpPr>
+        <a:xfrm>
+          <a:off x="0" y="0"/>
+          <a:ext cx="0" cy="0"/>
+          <a:chOff x="0" y="0"/>
+          <a:chExt cx="0" cy="0"/>
+        </a:xfrm>
+      </p:grpSpPr>
+      <p:sp>
+        <p:nvSpPr>
+          <p:cNvPr id="2" name="Slide Image Placeholder 1"/>
+          <p:cNvSpPr>
+            <a:spLocks noGrp="1" noRot="1" noChangeAspect="1"/>
+          </p:cNvSpPr>
+          <p:nvPr>
+            <p:ph type="sldImg"/>
+          </p:nvPr>
+        </p:nvSpPr>
+        <p:spPr/>
+      </p:sp>
+      <p:sp>
+        <p:nvSpPr>
+          <p:cNvPr id="3" name="Notes Placeholder 2"/>
+          <p:cNvSpPr>
+            <a:spLocks noGrp="1"/>
+          </p:cNvSpPr>
+          <p:nvPr>
+            <p:ph type="body" idx="1"/>
+          </p:nvPr>
+        </p:nvSpPr>
+        <p:spPr/>
+        <p:txBody>
+          <a:bodyPr/>
+          <a:lstStyle/>
+          <a:p>
+            <a:r>
+              <a:rPr lang="en-US" dirty="0" smtClean="0"/>
+              <a:t>Malcolm</a:t>
+            </a:r>
+            <a:endParaRPr lang="en-US" dirty="0"/>
+          </a:p>
+        </p:txBody>
+      </p:sp>
+      <p:sp>
+        <p:nvSpPr>
+          <p:cNvPr id="4" name="Slide Number Placeholder 3"/>
+          <p:cNvSpPr>
+            <a:spLocks noGrp="1"/>
+          </p:cNvSpPr>
+          <p:nvPr>
+            <p:ph type="sldNum" sz="quarter" idx="10"/>
+          </p:nvPr>
+        </p:nvSpPr>
+        <p:spPr/>
+        <p:txBody>
+          <a:bodyPr/>
+          <a:lstStyle/>
+          <a:p>
+            <a:fld id="{25CD9EE9-D882-4AAB-BFB2-64B63B35C2D3}" type="slidenum">
+              <a:rPr lang="en-US" smtClean="0"/>
+              <a:t>2</a:t>
+            </a:fld>
+            <a:endParaRPr lang="en-US"/>
+          </a:p>
+        </p:txBody>
+      </p:sp>
+    </p:spTree>
+    <p:extLst>
+      <p:ext uri="{BB962C8B-B14F-4D97-AF65-F5344CB8AC3E}">
+        <p14:creationId xmlns:p14="http://schemas.microsoft.com/office/powerpoint/2010/main" val="1175975010"/>
+      </p:ext>
+    </p:extLst>
+  </p:cSld>
+  <p:clrMapOvr>
+    <a:masterClrMapping/>
+  </p:clrMapOvr>
+</p:notes>
+</file>
+
+<file path=ppt/notesSlides/notesSlide3.xml><?xml version="1.0" encoding="utf-8"?>
+<p:notes xmlns:a="http://schemas.openxmlformats.org/drawingml/2006/main" xmlns:r="http://schemas.openxmlformats.org/officeDocument/2006/relationships" xmlns:p="http://schemas.openxmlformats.org/presentationml/2006/main">
+  <p:cSld>
+    <p:spTree>
+      <p:nvGrpSpPr>
+        <p:cNvPr id="1" name=""/>
+        <p:cNvGrpSpPr/>
+        <p:nvPr/>
+      </p:nvGrpSpPr>
+      <p:grpSpPr>
+        <a:xfrm>
+          <a:off x="0" y="0"/>
+          <a:ext cx="0" cy="0"/>
+          <a:chOff x="0" y="0"/>
+          <a:chExt cx="0" cy="0"/>
+        </a:xfrm>
+      </p:grpSpPr>
+      <p:sp>
+        <p:nvSpPr>
+          <p:cNvPr id="2" name="Slide Image Placeholder 1"/>
+          <p:cNvSpPr>
+            <a:spLocks noGrp="1" noRot="1" noChangeAspect="1"/>
+          </p:cNvSpPr>
+          <p:nvPr>
+            <p:ph type="sldImg"/>
+          </p:nvPr>
+        </p:nvSpPr>
+        <p:spPr/>
+      </p:sp>
+      <p:sp>
+        <p:nvSpPr>
+          <p:cNvPr id="3" name="Notes Placeholder 2"/>
+          <p:cNvSpPr>
+            <a:spLocks noGrp="1"/>
+          </p:cNvSpPr>
+          <p:nvPr>
+            <p:ph type="body" idx="1"/>
+          </p:nvPr>
+        </p:nvSpPr>
+        <p:spPr/>
+        <p:txBody>
+          <a:bodyPr/>
+          <a:lstStyle/>
+          <a:p>
+            <a:r>
+              <a:rPr lang="en-US" dirty="0" smtClean="0"/>
+              <a:t>Malcolm</a:t>
+            </a:r>
+            <a:endParaRPr lang="en-US" dirty="0"/>
+          </a:p>
+        </p:txBody>
+      </p:sp>
+      <p:sp>
+        <p:nvSpPr>
+          <p:cNvPr id="4" name="Slide Number Placeholder 3"/>
+          <p:cNvSpPr>
+            <a:spLocks noGrp="1"/>
+          </p:cNvSpPr>
+          <p:nvPr>
+            <p:ph type="sldNum" sz="quarter" idx="10"/>
+          </p:nvPr>
+        </p:nvSpPr>
+        <p:spPr/>
+        <p:txBody>
+          <a:bodyPr/>
+          <a:lstStyle/>
+          <a:p>
+            <a:fld id="{25CD9EE9-D882-4AAB-BFB2-64B63B35C2D3}" type="slidenum">
+              <a:rPr lang="en-US" smtClean="0"/>
+              <a:t>3</a:t>
+            </a:fld>
+            <a:endParaRPr lang="en-US"/>
+          </a:p>
+        </p:txBody>
+      </p:sp>
+    </p:spTree>
+    <p:extLst>
+      <p:ext uri="{BB962C8B-B14F-4D97-AF65-F5344CB8AC3E}">
+        <p14:creationId xmlns:p14="http://schemas.microsoft.com/office/powerpoint/2010/main" val="2367133271"/>
+      </p:ext>
+    </p:extLst>
+  </p:cSld>
+  <p:clrMapOvr>
+    <a:masterClrMapping/>
+  </p:clrMapOvr>
+</p:notes>
+</file>
+
+<file path=ppt/notesSlides/notesSlide4.xml><?xml version="1.0" encoding="utf-8"?>
+<p:notes xmlns:a="http://schemas.openxmlformats.org/drawingml/2006/main" xmlns:r="http://schemas.openxmlformats.org/officeDocument/2006/relationships" xmlns:p="http://schemas.openxmlformats.org/presentationml/2006/main">
+  <p:cSld>
+    <p:spTree>
+      <p:nvGrpSpPr>
+        <p:cNvPr id="1" name=""/>
+        <p:cNvGrpSpPr/>
+        <p:nvPr/>
+      </p:nvGrpSpPr>
+      <p:grpSpPr>
+        <a:xfrm>
+          <a:off x="0" y="0"/>
+          <a:ext cx="0" cy="0"/>
+          <a:chOff x="0" y="0"/>
+          <a:chExt cx="0" cy="0"/>
+        </a:xfrm>
+      </p:grpSpPr>
+      <p:sp>
+        <p:nvSpPr>
+          <p:cNvPr id="2" name="Slide Image Placeholder 1"/>
+          <p:cNvSpPr>
+            <a:spLocks noGrp="1" noRot="1" noChangeAspect="1"/>
+          </p:cNvSpPr>
+          <p:nvPr>
+            <p:ph type="sldImg"/>
+          </p:nvPr>
+        </p:nvSpPr>
+        <p:spPr/>
+      </p:sp>
+      <p:sp>
+        <p:nvSpPr>
+          <p:cNvPr id="3" name="Notes Placeholder 2"/>
+          <p:cNvSpPr>
+            <a:spLocks noGrp="1"/>
+          </p:cNvSpPr>
+          <p:nvPr>
+            <p:ph type="body" idx="1"/>
+          </p:nvPr>
+        </p:nvSpPr>
+        <p:spPr/>
+        <p:txBody>
+          <a:bodyPr/>
+          <a:lstStyle/>
+          <a:p>
+            <a:r>
+              <a:rPr lang="en-US" dirty="0" smtClean="0"/>
+              <a:t>Malcolm</a:t>
+            </a:r>
+            <a:endParaRPr lang="en-US" dirty="0"/>
+          </a:p>
+        </p:txBody>
+      </p:sp>
+      <p:sp>
+        <p:nvSpPr>
+          <p:cNvPr id="4" name="Slide Number Placeholder 3"/>
+          <p:cNvSpPr>
+            <a:spLocks noGrp="1"/>
+          </p:cNvSpPr>
+          <p:nvPr>
+            <p:ph type="sldNum" sz="quarter" idx="10"/>
+          </p:nvPr>
+        </p:nvSpPr>
+        <p:spPr/>
+        <p:txBody>
+          <a:bodyPr/>
+          <a:lstStyle/>
+          <a:p>
+            <a:fld id="{25CD9EE9-D882-4AAB-BFB2-64B63B35C2D3}" type="slidenum">
+              <a:rPr lang="en-US" smtClean="0"/>
+              <a:t>4</a:t>
+            </a:fld>
+            <a:endParaRPr lang="en-US"/>
+          </a:p>
+        </p:txBody>
+      </p:sp>
+    </p:spTree>
+    <p:extLst>
+      <p:ext uri="{BB962C8B-B14F-4D97-AF65-F5344CB8AC3E}">
+        <p14:creationId xmlns:p14="http://schemas.microsoft.com/office/powerpoint/2010/main" val="3387076406"/>
+      </p:ext>
+    </p:extLst>
+  </p:cSld>
+  <p:clrMapOvr>
+    <a:masterClrMapping/>
+  </p:clrMapOvr>
+</p:notes>
+</file>
+
+<file path=ppt/notesSlides/notesSlide5.xml><?xml version="1.0" encoding="utf-8"?>
+<p:notes xmlns:a="http://schemas.openxmlformats.org/drawingml/2006/main" xmlns:r="http://schemas.openxmlformats.org/officeDocument/2006/relationships" xmlns:p="http://schemas.openxmlformats.org/presentationml/2006/main">
+  <p:cSld>
+    <p:spTree>
+      <p:nvGrpSpPr>
+        <p:cNvPr id="1" name=""/>
+        <p:cNvGrpSpPr/>
+        <p:nvPr/>
+      </p:nvGrpSpPr>
+      <p:grpSpPr>
+        <a:xfrm>
+          <a:off x="0" y="0"/>
+          <a:ext cx="0" cy="0"/>
+          <a:chOff x="0" y="0"/>
+          <a:chExt cx="0" cy="0"/>
+        </a:xfrm>
+      </p:grpSpPr>
+      <p:sp>
+        <p:nvSpPr>
+          <p:cNvPr id="2" name="Slide Image Placeholder 1"/>
+          <p:cNvSpPr>
+            <a:spLocks noGrp="1" noRot="1" noChangeAspect="1"/>
+          </p:cNvSpPr>
+          <p:nvPr>
+            <p:ph type="sldImg"/>
+          </p:nvPr>
+        </p:nvSpPr>
+        <p:spPr/>
+      </p:sp>
+      <p:sp>
+        <p:nvSpPr>
+          <p:cNvPr id="3" name="Notes Placeholder 2"/>
+          <p:cNvSpPr>
+            <a:spLocks noGrp="1"/>
+          </p:cNvSpPr>
+          <p:nvPr>
+            <p:ph type="body" idx="1"/>
+          </p:nvPr>
+        </p:nvSpPr>
+        <p:spPr/>
+        <p:txBody>
+          <a:bodyPr/>
+          <a:lstStyle/>
+          <a:p>
+            <a:r>
+              <a:rPr lang="en-US" dirty="0" smtClean="0"/>
+              <a:t>Malcolm</a:t>
+            </a:r>
+            <a:endParaRPr lang="en-US" dirty="0"/>
+          </a:p>
+        </p:txBody>
+      </p:sp>
+      <p:sp>
+        <p:nvSpPr>
+          <p:cNvPr id="4" name="Slide Number Placeholder 3"/>
+          <p:cNvSpPr>
+            <a:spLocks noGrp="1"/>
+          </p:cNvSpPr>
+          <p:nvPr>
+            <p:ph type="sldNum" sz="quarter" idx="10"/>
+          </p:nvPr>
+        </p:nvSpPr>
+        <p:spPr/>
+        <p:txBody>
+          <a:bodyPr/>
+          <a:lstStyle/>
+          <a:p>
+            <a:fld id="{25CD9EE9-D882-4AAB-BFB2-64B63B35C2D3}" type="slidenum">
+              <a:rPr lang="en-US" smtClean="0"/>
+              <a:t>5</a:t>
+            </a:fld>
+            <a:endParaRPr lang="en-US"/>
+          </a:p>
+        </p:txBody>
+      </p:sp>
+    </p:spTree>
+    <p:extLst>
+      <p:ext uri="{BB962C8B-B14F-4D97-AF65-F5344CB8AC3E}">
+        <p14:creationId xmlns:p14="http://schemas.microsoft.com/office/powerpoint/2010/main" val="1539692870"/>
+      </p:ext>
+    </p:extLst>
+  </p:cSld>
+  <p:clrMapOvr>
+    <a:masterClrMapping/>
+  </p:clrMapOvr>
+</p:notes>
+</file>
+
+<file path=ppt/notesSlides/notesSlide6.xml><?xml version="1.0" encoding="utf-8"?>
+<p:notes xmlns:a="http://schemas.openxmlformats.org/drawingml/2006/main" xmlns:r="http://schemas.openxmlformats.org/officeDocument/2006/relationships" xmlns:p="http://schemas.openxmlformats.org/presentationml/2006/main">
+  <p:cSld>
+    <p:spTree>
+      <p:nvGrpSpPr>
+        <p:cNvPr id="1" name=""/>
+        <p:cNvGrpSpPr/>
+        <p:nvPr/>
+      </p:nvGrpSpPr>
+      <p:grpSpPr>
+        <a:xfrm>
+          <a:off x="0" y="0"/>
+          <a:ext cx="0" cy="0"/>
+          <a:chOff x="0" y="0"/>
+          <a:chExt cx="0" cy="0"/>
+        </a:xfrm>
+      </p:grpSpPr>
+      <p:sp>
+        <p:nvSpPr>
+          <p:cNvPr id="2" name="Slide Image Placeholder 1"/>
+          <p:cNvSpPr>
+            <a:spLocks noGrp="1" noRot="1" noChangeAspect="1"/>
+          </p:cNvSpPr>
+          <p:nvPr>
+            <p:ph type="sldImg"/>
+          </p:nvPr>
+        </p:nvSpPr>
+        <p:spPr/>
+      </p:sp>
+      <p:sp>
+        <p:nvSpPr>
+          <p:cNvPr id="3" name="Notes Placeholder 2"/>
+          <p:cNvSpPr>
+            <a:spLocks noGrp="1"/>
+          </p:cNvSpPr>
+          <p:nvPr>
+            <p:ph type="body" idx="1"/>
+          </p:nvPr>
+        </p:nvSpPr>
+        <p:spPr/>
+        <p:txBody>
+          <a:bodyPr/>
+          <a:lstStyle/>
+          <a:p>
+            <a:r>
+              <a:rPr lang="en-US" dirty="0" smtClean="0"/>
+              <a:t>Malcolm</a:t>
+            </a:r>
+            <a:endParaRPr lang="en-US" dirty="0"/>
+          </a:p>
+        </p:txBody>
+      </p:sp>
+      <p:sp>
+        <p:nvSpPr>
+          <p:cNvPr id="4" name="Slide Number Placeholder 3"/>
+          <p:cNvSpPr>
+            <a:spLocks noGrp="1"/>
+          </p:cNvSpPr>
+          <p:nvPr>
+            <p:ph type="sldNum" sz="quarter" idx="10"/>
+          </p:nvPr>
+        </p:nvSpPr>
+        <p:spPr/>
+        <p:txBody>
+          <a:bodyPr/>
+          <a:lstStyle/>
+          <a:p>
+            <a:fld id="{25CD9EE9-D882-4AAB-BFB2-64B63B35C2D3}" type="slidenum">
+              <a:rPr lang="en-US" smtClean="0"/>
+              <a:t>6</a:t>
+            </a:fld>
+            <a:endParaRPr lang="en-US"/>
+          </a:p>
+        </p:txBody>
+      </p:sp>
+    </p:spTree>
+    <p:extLst>
+      <p:ext uri="{BB962C8B-B14F-4D97-AF65-F5344CB8AC3E}">
+        <p14:creationId xmlns:p14="http://schemas.microsoft.com/office/powerpoint/2010/main" val="1910131701"/>
+      </p:ext>
+    </p:extLst>
+  </p:cSld>
+  <p:clrMapOvr>
+    <a:masterClrMapping/>
+  </p:clrMapOvr>
+</p:notes>
+</file>
+
+<file path=ppt/notesSlides/notesSlide7.xml><?xml version="1.0" encoding="utf-8"?>
+<p:notes xmlns:a="http://schemas.openxmlformats.org/drawingml/2006/main" xmlns:r="http://schemas.openxmlformats.org/officeDocument/2006/relationships" xmlns:p="http://schemas.openxmlformats.org/presentationml/2006/main">
+  <p:cSld>
+    <p:spTree>
+      <p:nvGrpSpPr>
+        <p:cNvPr id="1" name=""/>
+        <p:cNvGrpSpPr/>
+        <p:nvPr/>
+      </p:nvGrpSpPr>
+      <p:grpSpPr>
+        <a:xfrm>
+          <a:off x="0" y="0"/>
+          <a:ext cx="0" cy="0"/>
+          <a:chOff x="0" y="0"/>
+          <a:chExt cx="0" cy="0"/>
+        </a:xfrm>
+      </p:grpSpPr>
+      <p:sp>
+        <p:nvSpPr>
+          <p:cNvPr id="2" name="Slide Image Placeholder 1"/>
+          <p:cNvSpPr>
+            <a:spLocks noGrp="1" noRot="1" noChangeAspect="1"/>
+          </p:cNvSpPr>
+          <p:nvPr>
+            <p:ph type="sldImg"/>
+          </p:nvPr>
+        </p:nvSpPr>
+        <p:spPr/>
+      </p:sp>
+      <p:sp>
+        <p:nvSpPr>
+          <p:cNvPr id="3" name="Notes Placeholder 2"/>
+          <p:cNvSpPr>
+            <a:spLocks noGrp="1"/>
+          </p:cNvSpPr>
+          <p:nvPr>
+            <p:ph type="body" idx="1"/>
+          </p:nvPr>
+        </p:nvSpPr>
+        <p:spPr/>
+        <p:txBody>
+          <a:bodyPr/>
+          <a:lstStyle/>
+          <a:p>
+            <a:r>
+              <a:rPr lang="en-US" dirty="0" smtClean="0"/>
+              <a:t>Saeed</a:t>
+            </a:r>
+            <a:endParaRPr lang="en-US" dirty="0"/>
+          </a:p>
+        </p:txBody>
+      </p:sp>
+      <p:sp>
+        <p:nvSpPr>
+          <p:cNvPr id="4" name="Slide Number Placeholder 3"/>
+          <p:cNvSpPr>
+            <a:spLocks noGrp="1"/>
+          </p:cNvSpPr>
+          <p:nvPr>
+            <p:ph type="sldNum" sz="quarter" idx="10"/>
+          </p:nvPr>
+        </p:nvSpPr>
+        <p:spPr/>
+        <p:txBody>
+          <a:bodyPr/>
+          <a:lstStyle/>
+          <a:p>
+            <a:fld id="{25CD9EE9-D882-4AAB-BFB2-64B63B35C2D3}" type="slidenum">
+              <a:rPr lang="en-US" smtClean="0"/>
+              <a:t>7</a:t>
+            </a:fld>
+            <a:endParaRPr lang="en-US"/>
+          </a:p>
+        </p:txBody>
+      </p:sp>
+    </p:spTree>
+    <p:extLst>
+      <p:ext uri="{BB962C8B-B14F-4D97-AF65-F5344CB8AC3E}">
+        <p14:creationId xmlns:p14="http://schemas.microsoft.com/office/powerpoint/2010/main" val="3507022277"/>
+      </p:ext>
+    </p:extLst>
+  </p:cSld>
+  <p:clrMapOvr>
+    <a:masterClrMapping/>
+  </p:clrMapOvr>
+</p:notes>
+</file>
+
+<file path=ppt/notesSlides/notesSlide8.xml><?xml version="1.0" encoding="utf-8"?>
+<p:notes xmlns:a="http://schemas.openxmlformats.org/drawingml/2006/main" xmlns:r="http://schemas.openxmlformats.org/officeDocument/2006/relationships" xmlns:p="http://schemas.openxmlformats.org/presentationml/2006/main">
+  <p:cSld>
+    <p:spTree>
+      <p:nvGrpSpPr>
+        <p:cNvPr id="1" name=""/>
+        <p:cNvGrpSpPr/>
+        <p:nvPr/>
+      </p:nvGrpSpPr>
+      <p:grpSpPr>
+        <a:xfrm>
+          <a:off x="0" y="0"/>
+          <a:ext cx="0" cy="0"/>
+          <a:chOff x="0" y="0"/>
+          <a:chExt cx="0" cy="0"/>
+        </a:xfrm>
+      </p:grpSpPr>
+      <p:sp>
+        <p:nvSpPr>
+          <p:cNvPr id="2" name="Slide Image Placeholder 1"/>
+          <p:cNvSpPr>
+            <a:spLocks noGrp="1" noRot="1" noChangeAspect="1"/>
+          </p:cNvSpPr>
+          <p:nvPr>
+            <p:ph type="sldImg"/>
+          </p:nvPr>
+        </p:nvSpPr>
+        <p:spPr/>
+      </p:sp>
+      <p:sp>
+        <p:nvSpPr>
+          <p:cNvPr id="3" name="Notes Placeholder 2"/>
+          <p:cNvSpPr>
+            <a:spLocks noGrp="1"/>
+          </p:cNvSpPr>
+          <p:nvPr>
+            <p:ph type="body" idx="1"/>
+          </p:nvPr>
+        </p:nvSpPr>
+        <p:spPr/>
+        <p:txBody>
+          <a:bodyPr/>
+          <a:lstStyle/>
+          <a:p>
+            <a:r>
+              <a:rPr lang="en-US" dirty="0" smtClean="0"/>
+              <a:t>Saeed</a:t>
+            </a:r>
+            <a:endParaRPr lang="en-US" dirty="0"/>
+          </a:p>
+        </p:txBody>
+      </p:sp>
+      <p:sp>
+        <p:nvSpPr>
+          <p:cNvPr id="4" name="Slide Number Placeholder 3"/>
+          <p:cNvSpPr>
+            <a:spLocks noGrp="1"/>
+          </p:cNvSpPr>
+          <p:nvPr>
+            <p:ph type="sldNum" sz="quarter" idx="10"/>
+          </p:nvPr>
+        </p:nvSpPr>
+        <p:spPr/>
+        <p:txBody>
+          <a:bodyPr/>
+          <a:lstStyle/>
+          <a:p>
+            <a:fld id="{25CD9EE9-D882-4AAB-BFB2-64B63B35C2D3}" type="slidenum">
+              <a:rPr lang="en-US" smtClean="0"/>
+              <a:t>8</a:t>
+            </a:fld>
+            <a:endParaRPr lang="en-US"/>
+          </a:p>
+        </p:txBody>
+      </p:sp>
+    </p:spTree>
+    <p:extLst>
+      <p:ext uri="{BB962C8B-B14F-4D97-AF65-F5344CB8AC3E}">
+        <p14:creationId xmlns:p14="http://schemas.microsoft.com/office/powerpoint/2010/main" val="1372588507"/>
+      </p:ext>
+    </p:extLst>
+  </p:cSld>
+  <p:clrMapOvr>
+    <a:masterClrMapping/>
+  </p:clrMapOvr>
+</p:notes>
+</file>
+
+<file path=ppt/notesSlides/notesSlide9.xml><?xml version="1.0" encoding="utf-8"?>
+<p:notes xmlns:a="http://schemas.openxmlformats.org/drawingml/2006/main" xmlns:r="http://schemas.openxmlformats.org/officeDocument/2006/relationships" xmlns:p="http://schemas.openxmlformats.org/presentationml/2006/main">
+  <p:cSld>
+    <p:spTree>
+      <p:nvGrpSpPr>
+        <p:cNvPr id="1" name=""/>
+        <p:cNvGrpSpPr/>
+        <p:nvPr/>
+      </p:nvGrpSpPr>
+      <p:grpSpPr>
+        <a:xfrm>
+          <a:off x="0" y="0"/>
+          <a:ext cx="0" cy="0"/>
+          <a:chOff x="0" y="0"/>
+          <a:chExt cx="0" cy="0"/>
+        </a:xfrm>
+      </p:grpSpPr>
+      <p:sp>
+        <p:nvSpPr>
+          <p:cNvPr id="2" name="Slide Image Placeholder 1"/>
+          <p:cNvSpPr>
+            <a:spLocks noGrp="1" noRot="1" noChangeAspect="1"/>
+          </p:cNvSpPr>
+          <p:nvPr>
+            <p:ph type="sldImg"/>
+          </p:nvPr>
+        </p:nvSpPr>
+        <p:spPr/>
+      </p:sp>
+      <p:sp>
+        <p:nvSpPr>
+          <p:cNvPr id="3" name="Notes Placeholder 2"/>
+          <p:cNvSpPr>
+            <a:spLocks noGrp="1"/>
+          </p:cNvSpPr>
+          <p:nvPr>
+            <p:ph type="body" idx="1"/>
+          </p:nvPr>
+        </p:nvSpPr>
+        <p:spPr/>
+        <p:txBody>
+          <a:bodyPr/>
+          <a:lstStyle/>
+          <a:p>
+            <a:r>
+              <a:rPr lang="en-US" dirty="0" smtClean="0"/>
+              <a:t>Saeed</a:t>
+            </a:r>
+            <a:endParaRPr lang="en-US" dirty="0"/>
+          </a:p>
+        </p:txBody>
+      </p:sp>
+      <p:sp>
+        <p:nvSpPr>
+          <p:cNvPr id="4" name="Slide Number Placeholder 3"/>
+          <p:cNvSpPr>
+            <a:spLocks noGrp="1"/>
+          </p:cNvSpPr>
+          <p:nvPr>
+            <p:ph type="sldNum" sz="quarter" idx="10"/>
+          </p:nvPr>
+        </p:nvSpPr>
+        <p:spPr/>
+        <p:txBody>
+          <a:bodyPr/>
+          <a:lstStyle/>
+          <a:p>
+            <a:fld id="{25CD9EE9-D882-4AAB-BFB2-64B63B35C2D3}" type="slidenum">
+              <a:rPr lang="en-US" smtClean="0"/>
+              <a:t>9</a:t>
+            </a:fld>
+            <a:endParaRPr lang="en-US"/>
+          </a:p>
+        </p:txBody>
+      </p:sp>
+    </p:spTree>
+    <p:extLst>
+      <p:ext uri="{BB962C8B-B14F-4D97-AF65-F5344CB8AC3E}">
+        <p14:creationId xmlns:p14="http://schemas.microsoft.com/office/powerpoint/2010/main" val="3718080984"/>
+      </p:ext>
+    </p:extLst>
+  </p:cSld>
+  <p:clrMapOvr>
+    <a:masterClrMapping/>
+  </p:clrMapOvr>
+</p:notes>
+</file>
+
 <file path=ppt/slideLayouts/slideLayout1.xml><?xml version="1.0" encoding="utf-8"?>
 <p:sldLayout xmlns:a="http://schemas.openxmlformats.org/drawingml/2006/main" xmlns:r="http://schemas.openxmlformats.org/officeDocument/2006/relationships" xmlns:p="http://schemas.openxmlformats.org/presentationml/2006/main" type="title" preserve="1">
   <p:cSld name="Title Slide">
@@ -3764,7 +5201,7 @@
           <a:bodyPr/>
           <a:lstStyle/>
           <a:p>
-            <a:fld id="{C505D627-9BF0-46E9-8A64-3511186B2A1E}" type="datetimeFigureOut">
+            <a:fld id="{B2FFD341-8149-4AD4-87F3-AEC054F0F59C}" type="datetime1">
               <a:rPr lang="en-US" smtClean="0"/>
               <a:t>10/04/2018</a:t>
             </a:fld>
@@ -3934,7 +5371,7 @@
           <a:bodyPr/>
           <a:lstStyle/>
           <a:p>
-            <a:fld id="{C505D627-9BF0-46E9-8A64-3511186B2A1E}" type="datetimeFigureOut">
+            <a:fld id="{35BF5644-C4CF-4457-B8F6-80F8DE2B3631}" type="datetime1">
               <a:rPr lang="en-US" smtClean="0"/>
               <a:t>10/04/2018</a:t>
             </a:fld>
@@ -4114,7 +5551,7 @@
           <a:bodyPr/>
           <a:lstStyle/>
           <a:p>
-            <a:fld id="{C505D627-9BF0-46E9-8A64-3511186B2A1E}" type="datetimeFigureOut">
+            <a:fld id="{C5F5701A-7247-4BB3-9857-4874B0EE95CC}" type="datetime1">
               <a:rPr lang="en-US" smtClean="0"/>
               <a:t>10/04/2018</a:t>
             </a:fld>
@@ -4284,7 +5721,7 @@
           <a:bodyPr/>
           <a:lstStyle/>
           <a:p>
-            <a:fld id="{C505D627-9BF0-46E9-8A64-3511186B2A1E}" type="datetimeFigureOut">
+            <a:fld id="{E0C6374D-BF12-4096-87A0-807717C03C3A}" type="datetime1">
               <a:rPr lang="en-US" smtClean="0"/>
               <a:t>10/04/2018</a:t>
             </a:fld>
@@ -4530,7 +5967,7 @@
           <a:bodyPr/>
           <a:lstStyle/>
           <a:p>
-            <a:fld id="{C505D627-9BF0-46E9-8A64-3511186B2A1E}" type="datetimeFigureOut">
+            <a:fld id="{10EE01A5-6BAC-4216-A3C1-D43C9A2EC80E}" type="datetime1">
               <a:rPr lang="en-US" smtClean="0"/>
               <a:t>10/04/2018</a:t>
             </a:fld>
@@ -4818,7 +6255,7 @@
           <a:bodyPr/>
           <a:lstStyle/>
           <a:p>
-            <a:fld id="{C505D627-9BF0-46E9-8A64-3511186B2A1E}" type="datetimeFigureOut">
+            <a:fld id="{8AA9849E-5DEC-4E07-BF18-7D0B479A97D2}" type="datetime1">
               <a:rPr lang="en-US" smtClean="0"/>
               <a:t>10/04/2018</a:t>
             </a:fld>
@@ -5240,7 +6677,7 @@
           <a:bodyPr/>
           <a:lstStyle/>
           <a:p>
-            <a:fld id="{C505D627-9BF0-46E9-8A64-3511186B2A1E}" type="datetimeFigureOut">
+            <a:fld id="{F79C108E-7010-4C3B-BA6A-9614441F7151}" type="datetime1">
               <a:rPr lang="en-US" smtClean="0"/>
               <a:t>10/04/2018</a:t>
             </a:fld>
@@ -5358,7 +6795,7 @@
           <a:bodyPr/>
           <a:lstStyle/>
           <a:p>
-            <a:fld id="{C505D627-9BF0-46E9-8A64-3511186B2A1E}" type="datetimeFigureOut">
+            <a:fld id="{13DC3AC4-8878-407A-B790-4FCD41475D37}" type="datetime1">
               <a:rPr lang="en-US" smtClean="0"/>
               <a:t>10/04/2018</a:t>
             </a:fld>
@@ -5453,7 +6890,7 @@
           <a:bodyPr/>
           <a:lstStyle/>
           <a:p>
-            <a:fld id="{C505D627-9BF0-46E9-8A64-3511186B2A1E}" type="datetimeFigureOut">
+            <a:fld id="{554E297D-E0E0-4553-AEAE-30AFEB1DD1B5}" type="datetime1">
               <a:rPr lang="en-US" smtClean="0"/>
               <a:t>10/04/2018</a:t>
             </a:fld>
@@ -5730,7 +7167,7 @@
           <a:bodyPr/>
           <a:lstStyle/>
           <a:p>
-            <a:fld id="{C505D627-9BF0-46E9-8A64-3511186B2A1E}" type="datetimeFigureOut">
+            <a:fld id="{BD274C2E-B22F-43F1-9703-96990825B5DD}" type="datetime1">
               <a:rPr lang="en-US" smtClean="0"/>
               <a:t>10/04/2018</a:t>
             </a:fld>
@@ -5983,7 +7420,7 @@
           <a:bodyPr/>
           <a:lstStyle/>
           <a:p>
-            <a:fld id="{C505D627-9BF0-46E9-8A64-3511186B2A1E}" type="datetimeFigureOut">
+            <a:fld id="{20B8AA96-18A4-42B8-BE13-E473D0F459F8}" type="datetime1">
               <a:rPr lang="en-US" smtClean="0"/>
               <a:t>10/04/2018</a:t>
             </a:fld>
@@ -6196,7 +7633,7 @@
             </a:lvl1pPr>
           </a:lstStyle>
           <a:p>
-            <a:fld id="{C505D627-9BF0-46E9-8A64-3511186B2A1E}" type="datetimeFigureOut">
+            <a:fld id="{40DA1FD4-43F9-4E19-B925-BCCD6E240E7E}" type="datetime1">
               <a:rPr lang="en-US" smtClean="0"/>
               <a:t>10/04/2018</a:t>
             </a:fld>
@@ -6303,6 +7740,7 @@
     <p:sldLayoutId id="2147483658" r:id="rId10"/>
     <p:sldLayoutId id="2147483659" r:id="rId11"/>
   </p:sldLayoutIdLst>
+  <p:hf hdr="0" ftr="0" dt="0"/>
   <p:txStyles>
     <p:titleStyle>
       <a:lvl1pPr algn="ctr" defTabSz="914400" rtl="0" eaLnBrk="1" latinLnBrk="0" hangingPunct="1">
@@ -6635,7 +8073,11 @@
           <a:p>
             <a:r>
               <a:rPr lang="en-US" dirty="0" smtClean="0"/>
-              <a:t>Nathan House</a:t>
+              <a:t>Nathaniel </a:t>
+            </a:r>
+            <a:r>
+              <a:rPr lang="en-US" dirty="0" smtClean="0"/>
+              <a:t>House</a:t>
             </a:r>
           </a:p>
           <a:p>
@@ -6644,6 +8086,70 @@
               <a:t>Malcolm Townes</a:t>
             </a:r>
             <a:endParaRPr lang="en-US" dirty="0"/>
+          </a:p>
+        </p:txBody>
+      </p:sp>
+      <p:pic>
+        <p:nvPicPr>
+          <p:cNvPr id="5122" name="Picture 2" descr="https://www.slu.edu/marcom/tools-downloads/imgs/logo/center-aligned/logohorizontal_rgb.jpg"/>
+          <p:cNvPicPr>
+            <a:picLocks noChangeAspect="1" noChangeArrowheads="1"/>
+          </p:cNvPicPr>
+          <p:nvPr/>
+        </p:nvPicPr>
+        <p:blipFill>
+          <a:blip r:embed="rId3" cstate="print">
+            <a:extLst>
+              <a:ext uri="{28A0092B-C50C-407E-A947-70E740481C1C}">
+                <a14:useLocalDpi xmlns:a14="http://schemas.microsoft.com/office/drawing/2010/main" val="0"/>
+              </a:ext>
+            </a:extLst>
+          </a:blip>
+          <a:srcRect/>
+          <a:stretch>
+            <a:fillRect/>
+          </a:stretch>
+        </p:blipFill>
+        <p:spPr bwMode="auto">
+          <a:xfrm>
+            <a:off x="2286000" y="324995"/>
+            <a:ext cx="4572000" cy="1144675"/>
+          </a:xfrm>
+          <a:prstGeom prst="rect">
+            <a:avLst/>
+          </a:prstGeom>
+          <a:noFill/>
+          <a:extLst>
+            <a:ext uri="{909E8E84-426E-40DD-AFC4-6F175D3DCCD1}">
+              <a14:hiddenFill xmlns:a14="http://schemas.microsoft.com/office/drawing/2010/main">
+                <a:solidFill>
+                  <a:srgbClr val="FFFFFF"/>
+                </a:solidFill>
+              </a14:hiddenFill>
+            </a:ext>
+          </a:extLst>
+        </p:spPr>
+      </p:pic>
+      <p:sp>
+        <p:nvSpPr>
+          <p:cNvPr id="4" name="Slide Number Placeholder 3"/>
+          <p:cNvSpPr>
+            <a:spLocks noGrp="1"/>
+          </p:cNvSpPr>
+          <p:nvPr>
+            <p:ph type="sldNum" sz="quarter" idx="12"/>
+          </p:nvPr>
+        </p:nvSpPr>
+        <p:spPr/>
+        <p:txBody>
+          <a:bodyPr/>
+          <a:lstStyle/>
+          <a:p>
+            <a:fld id="{C3F44E33-38A6-49FF-B286-CF655111B6FC}" type="slidenum">
+              <a:rPr lang="en-US" smtClean="0"/>
+              <a:t>1</a:t>
+            </a:fld>
+            <a:endParaRPr lang="en-US"/>
           </a:p>
         </p:txBody>
       </p:sp>
@@ -6657,6 +8163,2285 @@
   <p:clrMapOvr>
     <a:masterClrMapping/>
   </p:clrMapOvr>
+</p:sld>
+</file>
+
+<file path=ppt/slides/slide10.xml><?xml version="1.0" encoding="utf-8"?>
+<p:sld xmlns:a="http://schemas.openxmlformats.org/drawingml/2006/main" xmlns:r="http://schemas.openxmlformats.org/officeDocument/2006/relationships" xmlns:p="http://schemas.openxmlformats.org/presentationml/2006/main">
+  <p:cSld>
+    <p:spTree>
+      <p:nvGrpSpPr>
+        <p:cNvPr id="1" name=""/>
+        <p:cNvGrpSpPr/>
+        <p:nvPr/>
+      </p:nvGrpSpPr>
+      <p:grpSpPr>
+        <a:xfrm>
+          <a:off x="0" y="0"/>
+          <a:ext cx="0" cy="0"/>
+          <a:chOff x="0" y="0"/>
+          <a:chExt cx="0" cy="0"/>
+        </a:xfrm>
+      </p:grpSpPr>
+      <p:pic>
+        <p:nvPicPr>
+          <p:cNvPr id="1026" name="Picture 2"/>
+          <p:cNvPicPr>
+            <a:picLocks noChangeAspect="1" noChangeArrowheads="1"/>
+          </p:cNvPicPr>
+          <p:nvPr/>
+        </p:nvPicPr>
+        <p:blipFill rotWithShape="1">
+          <a:blip r:embed="rId3">
+            <a:extLst>
+              <a:ext uri="{28A0092B-C50C-407E-A947-70E740481C1C}">
+                <a14:useLocalDpi xmlns:a14="http://schemas.microsoft.com/office/drawing/2010/main" val="0"/>
+              </a:ext>
+            </a:extLst>
+          </a:blip>
+          <a:srcRect l="23587" t="7083" r="24642" b="7918"/>
+          <a:stretch/>
+        </p:blipFill>
+        <p:spPr bwMode="auto">
+          <a:xfrm rot="5400000">
+            <a:off x="2971800" y="-923668"/>
+            <a:ext cx="3200400" cy="7562337"/>
+          </a:xfrm>
+          <a:prstGeom prst="rect">
+            <a:avLst/>
+          </a:prstGeom>
+          <a:noFill/>
+          <a:ln>
+            <a:noFill/>
+          </a:ln>
+          <a:extLst>
+            <a:ext uri="{909E8E84-426E-40DD-AFC4-6F175D3DCCD1}">
+              <a14:hiddenFill xmlns:a14="http://schemas.microsoft.com/office/drawing/2010/main">
+                <a:solidFill>
+                  <a:schemeClr val="accent1"/>
+                </a:solidFill>
+              </a14:hiddenFill>
+            </a:ext>
+            <a:ext uri="{91240B29-F687-4F45-9708-019B960494DF}">
+              <a14:hiddenLine xmlns:a14="http://schemas.microsoft.com/office/drawing/2010/main" w="9525">
+                <a:solidFill>
+                  <a:schemeClr val="tx1"/>
+                </a:solidFill>
+                <a:miter lim="800000"/>
+                <a:headEnd/>
+                <a:tailEnd/>
+              </a14:hiddenLine>
+            </a:ext>
+          </a:extLst>
+        </p:spPr>
+      </p:pic>
+      <p:sp>
+        <p:nvSpPr>
+          <p:cNvPr id="2" name="Slide Number Placeholder 1"/>
+          <p:cNvSpPr>
+            <a:spLocks noGrp="1"/>
+          </p:cNvSpPr>
+          <p:nvPr>
+            <p:ph type="sldNum" sz="quarter" idx="12"/>
+          </p:nvPr>
+        </p:nvSpPr>
+        <p:spPr/>
+        <p:txBody>
+          <a:bodyPr/>
+          <a:lstStyle/>
+          <a:p>
+            <a:fld id="{C3F44E33-38A6-49FF-B286-CF655111B6FC}" type="slidenum">
+              <a:rPr lang="en-US" smtClean="0"/>
+              <a:t>10</a:t>
+            </a:fld>
+            <a:endParaRPr lang="en-US"/>
+          </a:p>
+        </p:txBody>
+      </p:sp>
+    </p:spTree>
+    <p:extLst>
+      <p:ext uri="{BB962C8B-B14F-4D97-AF65-F5344CB8AC3E}">
+        <p14:creationId xmlns:p14="http://schemas.microsoft.com/office/powerpoint/2010/main" val="353642689"/>
+      </p:ext>
+    </p:extLst>
+  </p:cSld>
+  <p:clrMapOvr>
+    <a:masterClrMapping/>
+  </p:clrMapOvr>
+  <p:timing>
+    <p:tnLst>
+      <p:par>
+        <p:cTn id="1" dur="indefinite" restart="never" nodeType="tmRoot"/>
+      </p:par>
+    </p:tnLst>
+  </p:timing>
+</p:sld>
+</file>
+
+<file path=ppt/slides/slide11.xml><?xml version="1.0" encoding="utf-8"?>
+<p:sld xmlns:a="http://schemas.openxmlformats.org/drawingml/2006/main" xmlns:r="http://schemas.openxmlformats.org/officeDocument/2006/relationships" xmlns:p="http://schemas.openxmlformats.org/presentationml/2006/main">
+  <p:cSld>
+    <p:spTree>
+      <p:nvGrpSpPr>
+        <p:cNvPr id="1" name=""/>
+        <p:cNvGrpSpPr/>
+        <p:nvPr/>
+      </p:nvGrpSpPr>
+      <p:grpSpPr>
+        <a:xfrm>
+          <a:off x="0" y="0"/>
+          <a:ext cx="0" cy="0"/>
+          <a:chOff x="0" y="0"/>
+          <a:chExt cx="0" cy="0"/>
+        </a:xfrm>
+      </p:grpSpPr>
+      <p:sp>
+        <p:nvSpPr>
+          <p:cNvPr id="2" name="TextBox 1"/>
+          <p:cNvSpPr txBox="1"/>
+          <p:nvPr/>
+        </p:nvSpPr>
+        <p:spPr>
+          <a:xfrm>
+            <a:off x="0" y="697230"/>
+            <a:ext cx="9144000" cy="369332"/>
+          </a:xfrm>
+          <a:prstGeom prst="rect">
+            <a:avLst/>
+          </a:prstGeom>
+          <a:noFill/>
+        </p:spPr>
+        <p:txBody>
+          <a:bodyPr wrap="square" rtlCol="0">
+            <a:spAutoFit/>
+          </a:bodyPr>
+          <a:lstStyle/>
+          <a:p>
+            <a:r>
+              <a:rPr lang="en-US" dirty="0"/>
+              <a:t>l</a:t>
+            </a:r>
+            <a:r>
+              <a:rPr lang="en-US" dirty="0" smtClean="0"/>
+              <a:t>og (</a:t>
+            </a:r>
+            <a:r>
+              <a:rPr lang="en-US" dirty="0" err="1" smtClean="0"/>
+              <a:t>licRev</a:t>
+            </a:r>
+            <a:r>
+              <a:rPr lang="en-US" dirty="0" smtClean="0"/>
+              <a:t>) = </a:t>
+            </a:r>
+            <a:r>
+              <a:rPr lang="el-GR" dirty="0" smtClean="0">
+                <a:latin typeface="Times New Roman"/>
+                <a:cs typeface="Times New Roman"/>
+              </a:rPr>
+              <a:t>β</a:t>
+            </a:r>
+            <a:r>
+              <a:rPr lang="en-US" baseline="-25000" dirty="0" smtClean="0">
+                <a:latin typeface="Times New Roman"/>
+                <a:cs typeface="Times New Roman"/>
+              </a:rPr>
+              <a:t>0</a:t>
+            </a:r>
+            <a:r>
+              <a:rPr lang="en-US" dirty="0" smtClean="0">
+                <a:latin typeface="Times New Roman"/>
+                <a:cs typeface="Times New Roman"/>
+              </a:rPr>
+              <a:t> + </a:t>
+            </a:r>
+            <a:r>
+              <a:rPr lang="el-GR" dirty="0" smtClean="0">
+                <a:latin typeface="Times New Roman"/>
+                <a:cs typeface="Times New Roman"/>
+              </a:rPr>
+              <a:t>β</a:t>
+            </a:r>
+            <a:r>
+              <a:rPr lang="en-US" baseline="-25000" dirty="0" smtClean="0">
+                <a:latin typeface="Times New Roman"/>
+                <a:cs typeface="Times New Roman"/>
+              </a:rPr>
+              <a:t>1</a:t>
+            </a:r>
+            <a:r>
+              <a:rPr lang="en-US" dirty="0" smtClean="0">
+                <a:latin typeface="Times New Roman"/>
+                <a:cs typeface="Times New Roman"/>
+              </a:rPr>
+              <a:t>(</a:t>
+            </a:r>
+            <a:r>
+              <a:rPr lang="en-US" dirty="0" err="1" smtClean="0">
+                <a:latin typeface="Times New Roman"/>
+                <a:cs typeface="Times New Roman"/>
+              </a:rPr>
+              <a:t>ageTLO</a:t>
+            </a:r>
+            <a:r>
+              <a:rPr lang="en-US" dirty="0" smtClean="0">
+                <a:latin typeface="Times New Roman"/>
+                <a:cs typeface="Times New Roman"/>
+              </a:rPr>
+              <a:t>) + </a:t>
+            </a:r>
+            <a:r>
+              <a:rPr lang="el-GR" dirty="0" smtClean="0">
+                <a:latin typeface="Times New Roman"/>
+                <a:cs typeface="Times New Roman"/>
+              </a:rPr>
+              <a:t>β</a:t>
+            </a:r>
+            <a:r>
+              <a:rPr lang="en-US" baseline="-25000" dirty="0" smtClean="0">
+                <a:latin typeface="Times New Roman"/>
+                <a:cs typeface="Times New Roman"/>
+              </a:rPr>
+              <a:t>2</a:t>
+            </a:r>
+            <a:r>
+              <a:rPr lang="en-US" dirty="0" smtClean="0">
+                <a:latin typeface="Times New Roman"/>
+                <a:cs typeface="Times New Roman"/>
+              </a:rPr>
+              <a:t>(</a:t>
+            </a:r>
+            <a:r>
+              <a:rPr lang="en-US" dirty="0" err="1" smtClean="0">
+                <a:latin typeface="Times New Roman"/>
+                <a:cs typeface="Times New Roman"/>
+              </a:rPr>
+              <a:t>sizeTLO</a:t>
+            </a:r>
+            <a:r>
+              <a:rPr lang="en-US" dirty="0" smtClean="0">
+                <a:latin typeface="Times New Roman"/>
+                <a:cs typeface="Times New Roman"/>
+              </a:rPr>
+              <a:t>) + </a:t>
+            </a:r>
+            <a:r>
+              <a:rPr lang="el-GR" dirty="0" smtClean="0">
+                <a:latin typeface="Times New Roman"/>
+                <a:cs typeface="Times New Roman"/>
+              </a:rPr>
+              <a:t>β</a:t>
+            </a:r>
+            <a:r>
+              <a:rPr lang="en-US" baseline="-25000" dirty="0" smtClean="0">
+                <a:latin typeface="Times New Roman"/>
+                <a:cs typeface="Times New Roman"/>
+              </a:rPr>
+              <a:t>3</a:t>
+            </a:r>
+            <a:r>
+              <a:rPr lang="en-US" dirty="0" smtClean="0">
+                <a:latin typeface="Times New Roman"/>
+                <a:cs typeface="Times New Roman"/>
+              </a:rPr>
+              <a:t>(</a:t>
+            </a:r>
+            <a:r>
+              <a:rPr lang="en-US" dirty="0" err="1" smtClean="0">
+                <a:latin typeface="Times New Roman"/>
+                <a:cs typeface="Times New Roman"/>
+              </a:rPr>
+              <a:t>pubPriv</a:t>
+            </a:r>
+            <a:r>
+              <a:rPr lang="en-US" dirty="0" smtClean="0">
+                <a:latin typeface="Times New Roman"/>
+                <a:cs typeface="Times New Roman"/>
+              </a:rPr>
+              <a:t>) + </a:t>
+            </a:r>
+            <a:r>
+              <a:rPr lang="el-GR" dirty="0" smtClean="0">
+                <a:latin typeface="Times New Roman"/>
+                <a:cs typeface="Times New Roman"/>
+              </a:rPr>
+              <a:t>β</a:t>
+            </a:r>
+            <a:r>
+              <a:rPr lang="en-US" baseline="-25000" dirty="0" smtClean="0">
+                <a:latin typeface="Times New Roman"/>
+                <a:cs typeface="Times New Roman"/>
+              </a:rPr>
+              <a:t>4</a:t>
+            </a:r>
+            <a:r>
+              <a:rPr lang="en-US" dirty="0" smtClean="0">
+                <a:latin typeface="Times New Roman"/>
+                <a:cs typeface="Times New Roman"/>
+              </a:rPr>
+              <a:t>(</a:t>
+            </a:r>
+            <a:r>
+              <a:rPr lang="en-US" dirty="0" err="1" smtClean="0">
+                <a:latin typeface="Times New Roman"/>
+                <a:cs typeface="Times New Roman"/>
+              </a:rPr>
+              <a:t>facQual</a:t>
+            </a:r>
+            <a:r>
+              <a:rPr lang="en-US" dirty="0" smtClean="0">
+                <a:latin typeface="Times New Roman"/>
+                <a:cs typeface="Times New Roman"/>
+              </a:rPr>
+              <a:t>) + </a:t>
+            </a:r>
+            <a:r>
+              <a:rPr lang="el-GR" dirty="0" smtClean="0">
+                <a:latin typeface="Times New Roman"/>
+                <a:cs typeface="Times New Roman"/>
+              </a:rPr>
+              <a:t>β</a:t>
+            </a:r>
+            <a:r>
+              <a:rPr lang="en-US" baseline="-25000" dirty="0" smtClean="0">
+                <a:latin typeface="Times New Roman"/>
+                <a:cs typeface="Times New Roman"/>
+              </a:rPr>
+              <a:t>5</a:t>
+            </a:r>
+            <a:r>
+              <a:rPr lang="en-US" dirty="0" smtClean="0">
+                <a:latin typeface="Times New Roman"/>
+                <a:cs typeface="Times New Roman"/>
+              </a:rPr>
+              <a:t>(</a:t>
+            </a:r>
+            <a:r>
+              <a:rPr lang="en-US" dirty="0" err="1" smtClean="0">
+                <a:latin typeface="Times New Roman"/>
+                <a:cs typeface="Times New Roman"/>
+              </a:rPr>
+              <a:t>incub</a:t>
+            </a:r>
+            <a:r>
+              <a:rPr lang="en-US" dirty="0" smtClean="0">
+                <a:latin typeface="Times New Roman"/>
+                <a:cs typeface="Times New Roman"/>
+              </a:rPr>
+              <a:t>) + E</a:t>
+            </a:r>
+            <a:endParaRPr lang="en-US" baseline="-25000" dirty="0">
+              <a:latin typeface="Times New Roman"/>
+              <a:cs typeface="Times New Roman"/>
+            </a:endParaRPr>
+          </a:p>
+        </p:txBody>
+      </p:sp>
+      <p:sp>
+        <p:nvSpPr>
+          <p:cNvPr id="3" name="TextBox 2"/>
+          <p:cNvSpPr txBox="1"/>
+          <p:nvPr/>
+        </p:nvSpPr>
+        <p:spPr>
+          <a:xfrm>
+            <a:off x="0" y="3467100"/>
+            <a:ext cx="9144000" cy="369332"/>
+          </a:xfrm>
+          <a:prstGeom prst="rect">
+            <a:avLst/>
+          </a:prstGeom>
+          <a:noFill/>
+        </p:spPr>
+        <p:txBody>
+          <a:bodyPr wrap="square" rtlCol="0">
+            <a:spAutoFit/>
+          </a:bodyPr>
+          <a:lstStyle/>
+          <a:p>
+            <a:r>
+              <a:rPr lang="en-US" dirty="0"/>
+              <a:t>l</a:t>
+            </a:r>
+            <a:r>
+              <a:rPr lang="en-US" dirty="0" smtClean="0"/>
+              <a:t>og (</a:t>
+            </a:r>
+            <a:r>
+              <a:rPr lang="en-US" dirty="0" err="1" smtClean="0"/>
+              <a:t>firmCreation</a:t>
+            </a:r>
+            <a:r>
+              <a:rPr lang="en-US" dirty="0" smtClean="0"/>
+              <a:t>) = </a:t>
+            </a:r>
+            <a:r>
+              <a:rPr lang="el-GR" dirty="0" smtClean="0">
+                <a:latin typeface="Times New Roman"/>
+                <a:cs typeface="Times New Roman"/>
+              </a:rPr>
+              <a:t>β</a:t>
+            </a:r>
+            <a:r>
+              <a:rPr lang="en-US" baseline="-25000" dirty="0" smtClean="0">
+                <a:latin typeface="Times New Roman"/>
+                <a:cs typeface="Times New Roman"/>
+              </a:rPr>
+              <a:t>0</a:t>
+            </a:r>
+            <a:r>
+              <a:rPr lang="en-US" dirty="0" smtClean="0">
+                <a:latin typeface="Times New Roman"/>
+                <a:cs typeface="Times New Roman"/>
+              </a:rPr>
+              <a:t> + </a:t>
+            </a:r>
+            <a:r>
+              <a:rPr lang="el-GR" dirty="0" smtClean="0">
+                <a:latin typeface="Times New Roman"/>
+                <a:cs typeface="Times New Roman"/>
+              </a:rPr>
+              <a:t>β</a:t>
+            </a:r>
+            <a:r>
+              <a:rPr lang="en-US" baseline="-25000" dirty="0" smtClean="0">
+                <a:latin typeface="Times New Roman"/>
+                <a:cs typeface="Times New Roman"/>
+              </a:rPr>
+              <a:t>1</a:t>
+            </a:r>
+            <a:r>
+              <a:rPr lang="en-US" dirty="0" smtClean="0">
+                <a:latin typeface="Times New Roman"/>
+                <a:cs typeface="Times New Roman"/>
+              </a:rPr>
+              <a:t>(</a:t>
+            </a:r>
+            <a:r>
+              <a:rPr lang="en-US" dirty="0" err="1" smtClean="0">
+                <a:latin typeface="Times New Roman"/>
+                <a:cs typeface="Times New Roman"/>
+              </a:rPr>
+              <a:t>ageTLO</a:t>
+            </a:r>
+            <a:r>
+              <a:rPr lang="en-US" dirty="0" smtClean="0">
+                <a:latin typeface="Times New Roman"/>
+                <a:cs typeface="Times New Roman"/>
+              </a:rPr>
+              <a:t>) + </a:t>
+            </a:r>
+            <a:r>
+              <a:rPr lang="el-GR" dirty="0" smtClean="0">
+                <a:latin typeface="Times New Roman"/>
+                <a:cs typeface="Times New Roman"/>
+              </a:rPr>
+              <a:t>β</a:t>
+            </a:r>
+            <a:r>
+              <a:rPr lang="en-US" baseline="-25000" dirty="0" smtClean="0">
+                <a:latin typeface="Times New Roman"/>
+                <a:cs typeface="Times New Roman"/>
+              </a:rPr>
+              <a:t>2</a:t>
+            </a:r>
+            <a:r>
+              <a:rPr lang="en-US" dirty="0" smtClean="0">
+                <a:latin typeface="Times New Roman"/>
+                <a:cs typeface="Times New Roman"/>
+              </a:rPr>
+              <a:t>(</a:t>
+            </a:r>
+            <a:r>
+              <a:rPr lang="en-US" dirty="0" err="1" smtClean="0">
+                <a:latin typeface="Times New Roman"/>
+                <a:cs typeface="Times New Roman"/>
+              </a:rPr>
+              <a:t>sizeTLO</a:t>
+            </a:r>
+            <a:r>
+              <a:rPr lang="en-US" dirty="0" smtClean="0">
+                <a:latin typeface="Times New Roman"/>
+                <a:cs typeface="Times New Roman"/>
+              </a:rPr>
+              <a:t>) + </a:t>
+            </a:r>
+            <a:r>
+              <a:rPr lang="el-GR" dirty="0" smtClean="0">
+                <a:latin typeface="Times New Roman"/>
+                <a:cs typeface="Times New Roman"/>
+              </a:rPr>
+              <a:t>β</a:t>
+            </a:r>
+            <a:r>
+              <a:rPr lang="en-US" baseline="-25000" dirty="0" smtClean="0">
+                <a:latin typeface="Times New Roman"/>
+                <a:cs typeface="Times New Roman"/>
+              </a:rPr>
+              <a:t>3</a:t>
+            </a:r>
+            <a:r>
+              <a:rPr lang="en-US" dirty="0" smtClean="0">
+                <a:latin typeface="Times New Roman"/>
+                <a:cs typeface="Times New Roman"/>
+              </a:rPr>
+              <a:t>(</a:t>
+            </a:r>
+            <a:r>
+              <a:rPr lang="en-US" dirty="0" err="1" smtClean="0">
+                <a:latin typeface="Times New Roman"/>
+                <a:cs typeface="Times New Roman"/>
+              </a:rPr>
+              <a:t>pubPriv</a:t>
+            </a:r>
+            <a:r>
+              <a:rPr lang="en-US" dirty="0" smtClean="0">
+                <a:latin typeface="Times New Roman"/>
+                <a:cs typeface="Times New Roman"/>
+              </a:rPr>
+              <a:t>) + </a:t>
+            </a:r>
+            <a:r>
+              <a:rPr lang="el-GR" dirty="0" smtClean="0">
+                <a:latin typeface="Times New Roman"/>
+                <a:cs typeface="Times New Roman"/>
+              </a:rPr>
+              <a:t>β</a:t>
+            </a:r>
+            <a:r>
+              <a:rPr lang="en-US" baseline="-25000" dirty="0" smtClean="0">
+                <a:latin typeface="Times New Roman"/>
+                <a:cs typeface="Times New Roman"/>
+              </a:rPr>
+              <a:t>4</a:t>
+            </a:r>
+            <a:r>
+              <a:rPr lang="en-US" dirty="0" smtClean="0">
+                <a:latin typeface="Times New Roman"/>
+                <a:cs typeface="Times New Roman"/>
+              </a:rPr>
+              <a:t>(</a:t>
+            </a:r>
+            <a:r>
+              <a:rPr lang="en-US" dirty="0" err="1" smtClean="0">
+                <a:latin typeface="Times New Roman"/>
+                <a:cs typeface="Times New Roman"/>
+              </a:rPr>
+              <a:t>facQual</a:t>
+            </a:r>
+            <a:r>
+              <a:rPr lang="en-US" dirty="0" smtClean="0">
+                <a:latin typeface="Times New Roman"/>
+                <a:cs typeface="Times New Roman"/>
+              </a:rPr>
+              <a:t>) + </a:t>
+            </a:r>
+            <a:r>
+              <a:rPr lang="el-GR" dirty="0" smtClean="0">
+                <a:latin typeface="Times New Roman"/>
+                <a:cs typeface="Times New Roman"/>
+              </a:rPr>
+              <a:t>β</a:t>
+            </a:r>
+            <a:r>
+              <a:rPr lang="en-US" baseline="-25000" dirty="0" smtClean="0">
+                <a:latin typeface="Times New Roman"/>
+                <a:cs typeface="Times New Roman"/>
+              </a:rPr>
+              <a:t>5</a:t>
+            </a:r>
+            <a:r>
+              <a:rPr lang="en-US" dirty="0" smtClean="0">
+                <a:latin typeface="Times New Roman"/>
+                <a:cs typeface="Times New Roman"/>
+              </a:rPr>
+              <a:t>(</a:t>
+            </a:r>
+            <a:r>
+              <a:rPr lang="en-US" dirty="0" err="1" smtClean="0">
+                <a:latin typeface="Times New Roman"/>
+                <a:cs typeface="Times New Roman"/>
+              </a:rPr>
+              <a:t>incub</a:t>
+            </a:r>
+            <a:r>
+              <a:rPr lang="en-US" dirty="0" smtClean="0">
+                <a:latin typeface="Times New Roman"/>
+                <a:cs typeface="Times New Roman"/>
+              </a:rPr>
+              <a:t>) + E</a:t>
+            </a:r>
+            <a:endParaRPr lang="en-US" baseline="-25000" dirty="0">
+              <a:latin typeface="Times New Roman"/>
+              <a:cs typeface="Times New Roman"/>
+            </a:endParaRPr>
+          </a:p>
+        </p:txBody>
+      </p:sp>
+      <p:sp>
+        <p:nvSpPr>
+          <p:cNvPr id="4" name="TextBox 3"/>
+          <p:cNvSpPr txBox="1"/>
+          <p:nvPr/>
+        </p:nvSpPr>
+        <p:spPr>
+          <a:xfrm>
+            <a:off x="0" y="1614785"/>
+            <a:ext cx="9144000" cy="923330"/>
+          </a:xfrm>
+          <a:prstGeom prst="rect">
+            <a:avLst/>
+          </a:prstGeom>
+          <a:noFill/>
+        </p:spPr>
+        <p:txBody>
+          <a:bodyPr wrap="square" rtlCol="0">
+            <a:spAutoFit/>
+          </a:bodyPr>
+          <a:lstStyle/>
+          <a:p>
+            <a:r>
+              <a:rPr lang="en-US" dirty="0"/>
+              <a:t>l</a:t>
+            </a:r>
+            <a:r>
+              <a:rPr lang="en-US" dirty="0" smtClean="0"/>
+              <a:t>og (</a:t>
+            </a:r>
+            <a:r>
+              <a:rPr lang="en-US" dirty="0" err="1" smtClean="0"/>
+              <a:t>licRev</a:t>
+            </a:r>
+            <a:r>
+              <a:rPr lang="en-US" dirty="0" smtClean="0"/>
+              <a:t>) = </a:t>
+            </a:r>
+            <a:r>
+              <a:rPr lang="el-GR" dirty="0" smtClean="0">
+                <a:latin typeface="Times New Roman"/>
+                <a:cs typeface="Times New Roman"/>
+              </a:rPr>
+              <a:t>β</a:t>
+            </a:r>
+            <a:r>
+              <a:rPr lang="en-US" baseline="-25000" dirty="0" smtClean="0">
+                <a:latin typeface="Times New Roman"/>
+                <a:cs typeface="Times New Roman"/>
+              </a:rPr>
+              <a:t>0</a:t>
+            </a:r>
+            <a:r>
+              <a:rPr lang="en-US" dirty="0" smtClean="0">
+                <a:latin typeface="Times New Roman"/>
+                <a:cs typeface="Times New Roman"/>
+              </a:rPr>
+              <a:t> + </a:t>
+            </a:r>
+            <a:r>
+              <a:rPr lang="el-GR" dirty="0" smtClean="0">
+                <a:latin typeface="Times New Roman"/>
+                <a:cs typeface="Times New Roman"/>
+              </a:rPr>
+              <a:t>β</a:t>
+            </a:r>
+            <a:r>
+              <a:rPr lang="en-US" baseline="-25000" dirty="0" smtClean="0">
+                <a:latin typeface="Times New Roman"/>
+                <a:cs typeface="Times New Roman"/>
+              </a:rPr>
+              <a:t>1</a:t>
+            </a:r>
+            <a:r>
+              <a:rPr lang="en-US" dirty="0" smtClean="0">
+                <a:latin typeface="Times New Roman"/>
+                <a:cs typeface="Times New Roman"/>
+              </a:rPr>
+              <a:t>(</a:t>
+            </a:r>
+            <a:r>
+              <a:rPr lang="en-US" dirty="0" err="1" smtClean="0">
+                <a:latin typeface="Times New Roman"/>
+                <a:cs typeface="Times New Roman"/>
+              </a:rPr>
+              <a:t>ageTLO</a:t>
+            </a:r>
+            <a:r>
+              <a:rPr lang="en-US" dirty="0" smtClean="0">
+                <a:latin typeface="Times New Roman"/>
+                <a:cs typeface="Times New Roman"/>
+              </a:rPr>
+              <a:t>) + </a:t>
+            </a:r>
+            <a:r>
+              <a:rPr lang="el-GR" dirty="0" smtClean="0">
+                <a:latin typeface="Times New Roman"/>
+                <a:cs typeface="Times New Roman"/>
+              </a:rPr>
+              <a:t>β</a:t>
+            </a:r>
+            <a:r>
+              <a:rPr lang="en-US" baseline="-25000" dirty="0" smtClean="0">
+                <a:latin typeface="Times New Roman"/>
+                <a:cs typeface="Times New Roman"/>
+              </a:rPr>
+              <a:t>2</a:t>
+            </a:r>
+            <a:r>
+              <a:rPr lang="en-US" dirty="0" smtClean="0">
+                <a:latin typeface="Times New Roman"/>
+                <a:cs typeface="Times New Roman"/>
+              </a:rPr>
+              <a:t>(</a:t>
+            </a:r>
+            <a:r>
+              <a:rPr lang="en-US" dirty="0" err="1" smtClean="0">
+                <a:latin typeface="Times New Roman"/>
+                <a:cs typeface="Times New Roman"/>
+              </a:rPr>
+              <a:t>sizeTLO</a:t>
+            </a:r>
+            <a:r>
+              <a:rPr lang="en-US" dirty="0" smtClean="0">
+                <a:latin typeface="Times New Roman"/>
+                <a:cs typeface="Times New Roman"/>
+              </a:rPr>
+              <a:t>) + </a:t>
+            </a:r>
+            <a:r>
+              <a:rPr lang="el-GR" dirty="0" smtClean="0">
+                <a:latin typeface="Times New Roman"/>
+                <a:cs typeface="Times New Roman"/>
+              </a:rPr>
+              <a:t>β</a:t>
+            </a:r>
+            <a:r>
+              <a:rPr lang="en-US" baseline="-25000" dirty="0" smtClean="0">
+                <a:latin typeface="Times New Roman"/>
+                <a:cs typeface="Times New Roman"/>
+              </a:rPr>
+              <a:t>3</a:t>
+            </a:r>
+            <a:r>
+              <a:rPr lang="en-US" dirty="0" smtClean="0">
+                <a:latin typeface="Times New Roman"/>
+                <a:cs typeface="Times New Roman"/>
+              </a:rPr>
+              <a:t>(</a:t>
+            </a:r>
+            <a:r>
+              <a:rPr lang="en-US" dirty="0" err="1" smtClean="0">
+                <a:latin typeface="Times New Roman"/>
+                <a:cs typeface="Times New Roman"/>
+              </a:rPr>
+              <a:t>pubPriv</a:t>
+            </a:r>
+            <a:r>
+              <a:rPr lang="en-US" dirty="0" smtClean="0">
+                <a:latin typeface="Times New Roman"/>
+                <a:cs typeface="Times New Roman"/>
+              </a:rPr>
+              <a:t>) + </a:t>
+            </a:r>
+            <a:r>
+              <a:rPr lang="el-GR" dirty="0" smtClean="0">
+                <a:latin typeface="Times New Roman"/>
+                <a:cs typeface="Times New Roman"/>
+              </a:rPr>
+              <a:t>β</a:t>
+            </a:r>
+            <a:r>
+              <a:rPr lang="en-US" baseline="-25000" dirty="0" smtClean="0">
+                <a:latin typeface="Times New Roman"/>
+                <a:cs typeface="Times New Roman"/>
+              </a:rPr>
+              <a:t>4</a:t>
+            </a:r>
+            <a:r>
+              <a:rPr lang="en-US" dirty="0" smtClean="0">
+                <a:latin typeface="Times New Roman"/>
+                <a:cs typeface="Times New Roman"/>
+              </a:rPr>
+              <a:t>(</a:t>
+            </a:r>
+            <a:r>
+              <a:rPr lang="en-US" dirty="0" err="1" smtClean="0">
+                <a:latin typeface="Times New Roman"/>
+                <a:cs typeface="Times New Roman"/>
+              </a:rPr>
+              <a:t>facQual</a:t>
+            </a:r>
+            <a:r>
+              <a:rPr lang="en-US" dirty="0" smtClean="0">
+                <a:latin typeface="Times New Roman"/>
+                <a:cs typeface="Times New Roman"/>
+              </a:rPr>
+              <a:t>) + </a:t>
+            </a:r>
+            <a:r>
+              <a:rPr lang="el-GR" dirty="0" smtClean="0">
+                <a:latin typeface="Times New Roman"/>
+                <a:cs typeface="Times New Roman"/>
+              </a:rPr>
+              <a:t>β</a:t>
+            </a:r>
+            <a:r>
+              <a:rPr lang="en-US" baseline="-25000" dirty="0" smtClean="0">
+                <a:latin typeface="Times New Roman"/>
+                <a:cs typeface="Times New Roman"/>
+              </a:rPr>
+              <a:t>5</a:t>
+            </a:r>
+            <a:r>
+              <a:rPr lang="en-US" dirty="0" smtClean="0">
+                <a:latin typeface="Times New Roman"/>
+                <a:cs typeface="Times New Roman"/>
+              </a:rPr>
+              <a:t>(</a:t>
+            </a:r>
+            <a:r>
+              <a:rPr lang="en-US" dirty="0" err="1" smtClean="0">
+                <a:latin typeface="Times New Roman"/>
+                <a:cs typeface="Times New Roman"/>
+              </a:rPr>
+              <a:t>incub</a:t>
+            </a:r>
+            <a:r>
+              <a:rPr lang="en-US" dirty="0" smtClean="0">
+                <a:latin typeface="Times New Roman"/>
+                <a:cs typeface="Times New Roman"/>
+              </a:rPr>
+              <a:t>) +             </a:t>
+            </a:r>
+          </a:p>
+          <a:p>
+            <a:r>
+              <a:rPr lang="en-US" dirty="0">
+                <a:solidFill>
+                  <a:prstClr val="black"/>
+                </a:solidFill>
+                <a:latin typeface="Times New Roman"/>
+                <a:cs typeface="Times New Roman"/>
+              </a:rPr>
+              <a:t> </a:t>
+            </a:r>
+            <a:r>
+              <a:rPr lang="en-US" dirty="0" smtClean="0">
+                <a:solidFill>
+                  <a:prstClr val="black"/>
+                </a:solidFill>
+                <a:latin typeface="Times New Roman"/>
+                <a:cs typeface="Times New Roman"/>
+              </a:rPr>
+              <a:t>                     </a:t>
+            </a:r>
+            <a:r>
+              <a:rPr lang="el-GR" dirty="0" smtClean="0">
+                <a:solidFill>
+                  <a:prstClr val="black"/>
+                </a:solidFill>
+                <a:latin typeface="Times New Roman"/>
+                <a:cs typeface="Times New Roman"/>
+              </a:rPr>
+              <a:t>β</a:t>
+            </a:r>
+            <a:r>
+              <a:rPr lang="en-US" baseline="-25000" dirty="0" smtClean="0">
+                <a:solidFill>
+                  <a:prstClr val="black"/>
+                </a:solidFill>
+                <a:latin typeface="Times New Roman"/>
+                <a:cs typeface="Times New Roman"/>
+              </a:rPr>
+              <a:t>6</a:t>
+            </a:r>
+            <a:r>
+              <a:rPr lang="en-US" dirty="0" smtClean="0">
+                <a:solidFill>
+                  <a:prstClr val="black"/>
+                </a:solidFill>
+                <a:latin typeface="Times New Roman"/>
+                <a:cs typeface="Times New Roman"/>
+              </a:rPr>
+              <a:t>(</a:t>
+            </a:r>
+            <a:r>
+              <a:rPr lang="en-US" dirty="0" err="1" smtClean="0">
+                <a:solidFill>
+                  <a:prstClr val="black"/>
+                </a:solidFill>
+                <a:latin typeface="Times New Roman"/>
+                <a:cs typeface="Times New Roman"/>
+              </a:rPr>
+              <a:t>sponsRes</a:t>
+            </a:r>
+            <a:r>
+              <a:rPr lang="en-US" dirty="0" smtClean="0">
+                <a:solidFill>
+                  <a:prstClr val="black"/>
+                </a:solidFill>
+                <a:latin typeface="Times New Roman"/>
+                <a:cs typeface="Times New Roman"/>
+              </a:rPr>
+              <a:t>) </a:t>
+            </a:r>
+            <a:r>
+              <a:rPr lang="en-US" dirty="0">
+                <a:solidFill>
+                  <a:prstClr val="black"/>
+                </a:solidFill>
+                <a:latin typeface="Times New Roman"/>
+                <a:cs typeface="Times New Roman"/>
+              </a:rPr>
+              <a:t>+ </a:t>
+            </a:r>
+            <a:r>
+              <a:rPr lang="el-GR" dirty="0" smtClean="0">
+                <a:solidFill>
+                  <a:prstClr val="black"/>
+                </a:solidFill>
+                <a:latin typeface="Times New Roman"/>
+                <a:cs typeface="Times New Roman"/>
+              </a:rPr>
+              <a:t>β</a:t>
+            </a:r>
+            <a:r>
+              <a:rPr lang="en-US" baseline="-25000" dirty="0" smtClean="0">
+                <a:solidFill>
+                  <a:prstClr val="black"/>
+                </a:solidFill>
+                <a:latin typeface="Times New Roman"/>
+                <a:cs typeface="Times New Roman"/>
+              </a:rPr>
+              <a:t>7</a:t>
+            </a:r>
+            <a:r>
+              <a:rPr lang="en-US" dirty="0" smtClean="0">
+                <a:solidFill>
+                  <a:prstClr val="black"/>
+                </a:solidFill>
+                <a:latin typeface="Times New Roman"/>
+                <a:cs typeface="Times New Roman"/>
+              </a:rPr>
+              <a:t>(</a:t>
+            </a:r>
+            <a:r>
+              <a:rPr lang="en-US" dirty="0" err="1" smtClean="0">
+                <a:solidFill>
+                  <a:prstClr val="black"/>
+                </a:solidFill>
+                <a:latin typeface="Times New Roman"/>
+                <a:cs typeface="Times New Roman"/>
+              </a:rPr>
+              <a:t>licAgmnt</a:t>
+            </a:r>
+            <a:r>
+              <a:rPr lang="en-US" dirty="0" smtClean="0">
+                <a:solidFill>
+                  <a:prstClr val="black"/>
+                </a:solidFill>
+                <a:latin typeface="Times New Roman"/>
+                <a:cs typeface="Times New Roman"/>
+              </a:rPr>
+              <a:t>) </a:t>
+            </a:r>
+            <a:r>
+              <a:rPr lang="en-US" dirty="0">
+                <a:solidFill>
+                  <a:prstClr val="black"/>
+                </a:solidFill>
+                <a:latin typeface="Times New Roman"/>
+                <a:cs typeface="Times New Roman"/>
+              </a:rPr>
+              <a:t>+ </a:t>
+            </a:r>
+            <a:r>
+              <a:rPr lang="el-GR" dirty="0" smtClean="0">
+                <a:solidFill>
+                  <a:prstClr val="black"/>
+                </a:solidFill>
+                <a:latin typeface="Times New Roman"/>
+                <a:cs typeface="Times New Roman"/>
+              </a:rPr>
+              <a:t>β</a:t>
+            </a:r>
+            <a:r>
+              <a:rPr lang="en-US" baseline="-25000" dirty="0" smtClean="0">
+                <a:solidFill>
+                  <a:prstClr val="black"/>
+                </a:solidFill>
+                <a:latin typeface="Times New Roman"/>
+                <a:cs typeface="Times New Roman"/>
+              </a:rPr>
+              <a:t>8</a:t>
+            </a:r>
+            <a:r>
+              <a:rPr lang="en-US" dirty="0" smtClean="0">
+                <a:solidFill>
+                  <a:prstClr val="black"/>
+                </a:solidFill>
+                <a:latin typeface="Times New Roman"/>
+                <a:cs typeface="Times New Roman"/>
+              </a:rPr>
+              <a:t>(</a:t>
+            </a:r>
+            <a:r>
+              <a:rPr lang="en-US" dirty="0" err="1" smtClean="0">
+                <a:solidFill>
+                  <a:prstClr val="black"/>
+                </a:solidFill>
+                <a:latin typeface="Times New Roman"/>
+                <a:cs typeface="Times New Roman"/>
+              </a:rPr>
+              <a:t>autoLow</a:t>
+            </a:r>
+            <a:r>
+              <a:rPr lang="en-US" dirty="0" smtClean="0">
+                <a:solidFill>
+                  <a:prstClr val="black"/>
+                </a:solidFill>
+                <a:latin typeface="Times New Roman"/>
+                <a:cs typeface="Times New Roman"/>
+              </a:rPr>
+              <a:t>) </a:t>
+            </a:r>
+            <a:r>
+              <a:rPr lang="en-US" dirty="0">
+                <a:solidFill>
+                  <a:prstClr val="black"/>
+                </a:solidFill>
+                <a:latin typeface="Times New Roman"/>
+                <a:cs typeface="Times New Roman"/>
+              </a:rPr>
+              <a:t>+ </a:t>
+            </a:r>
+            <a:r>
+              <a:rPr lang="el-GR" dirty="0" smtClean="0">
+                <a:solidFill>
+                  <a:prstClr val="black"/>
+                </a:solidFill>
+                <a:latin typeface="Times New Roman"/>
+                <a:cs typeface="Times New Roman"/>
+              </a:rPr>
+              <a:t>β</a:t>
+            </a:r>
+            <a:r>
+              <a:rPr lang="en-US" baseline="-25000" dirty="0" smtClean="0">
+                <a:solidFill>
+                  <a:prstClr val="black"/>
+                </a:solidFill>
+                <a:latin typeface="Times New Roman"/>
+                <a:cs typeface="Times New Roman"/>
+              </a:rPr>
+              <a:t>9</a:t>
+            </a:r>
+            <a:r>
+              <a:rPr lang="en-US" dirty="0" smtClean="0">
+                <a:solidFill>
+                  <a:prstClr val="black"/>
+                </a:solidFill>
+                <a:latin typeface="Times New Roman"/>
+                <a:cs typeface="Times New Roman"/>
+              </a:rPr>
+              <a:t>(</a:t>
+            </a:r>
+            <a:r>
+              <a:rPr lang="en-US" dirty="0" err="1" smtClean="0">
+                <a:solidFill>
+                  <a:prstClr val="black"/>
+                </a:solidFill>
+                <a:latin typeface="Times New Roman"/>
+                <a:cs typeface="Times New Roman"/>
+              </a:rPr>
+              <a:t>autoHigh</a:t>
+            </a:r>
+            <a:r>
+              <a:rPr lang="en-US" dirty="0" smtClean="0">
+                <a:solidFill>
+                  <a:prstClr val="black"/>
+                </a:solidFill>
+                <a:latin typeface="Times New Roman"/>
+                <a:cs typeface="Times New Roman"/>
+              </a:rPr>
+              <a:t>) </a:t>
+            </a:r>
+            <a:r>
+              <a:rPr lang="en-US" dirty="0">
+                <a:solidFill>
+                  <a:prstClr val="black"/>
+                </a:solidFill>
+                <a:latin typeface="Times New Roman"/>
+                <a:cs typeface="Times New Roman"/>
+              </a:rPr>
+              <a:t>+ </a:t>
+            </a:r>
+            <a:endParaRPr lang="en-US" dirty="0" smtClean="0">
+              <a:solidFill>
+                <a:prstClr val="black"/>
+              </a:solidFill>
+              <a:latin typeface="Times New Roman"/>
+              <a:cs typeface="Times New Roman"/>
+            </a:endParaRPr>
+          </a:p>
+          <a:p>
+            <a:r>
+              <a:rPr lang="en-US" dirty="0">
+                <a:solidFill>
+                  <a:prstClr val="black"/>
+                </a:solidFill>
+                <a:latin typeface="Times New Roman"/>
+                <a:cs typeface="Times New Roman"/>
+              </a:rPr>
+              <a:t> </a:t>
+            </a:r>
+            <a:r>
+              <a:rPr lang="en-US" dirty="0" smtClean="0">
+                <a:solidFill>
+                  <a:prstClr val="black"/>
+                </a:solidFill>
+                <a:latin typeface="Times New Roman"/>
+                <a:cs typeface="Times New Roman"/>
+              </a:rPr>
+              <a:t>                     </a:t>
+            </a:r>
+            <a:r>
+              <a:rPr lang="el-GR" dirty="0" smtClean="0">
+                <a:solidFill>
+                  <a:prstClr val="black"/>
+                </a:solidFill>
+                <a:latin typeface="Times New Roman"/>
+                <a:cs typeface="Times New Roman"/>
+              </a:rPr>
+              <a:t>β</a:t>
+            </a:r>
+            <a:r>
+              <a:rPr lang="en-US" baseline="-25000" dirty="0" smtClean="0">
+                <a:solidFill>
+                  <a:prstClr val="black"/>
+                </a:solidFill>
+                <a:latin typeface="Times New Roman"/>
+                <a:cs typeface="Times New Roman"/>
+              </a:rPr>
+              <a:t>10</a:t>
+            </a:r>
+            <a:r>
+              <a:rPr lang="en-US" dirty="0" smtClean="0">
+                <a:solidFill>
+                  <a:prstClr val="black"/>
+                </a:solidFill>
+                <a:latin typeface="Times New Roman"/>
+                <a:cs typeface="Times New Roman"/>
+              </a:rPr>
+              <a:t>(</a:t>
+            </a:r>
+            <a:r>
+              <a:rPr lang="en-US" dirty="0" err="1" smtClean="0">
+                <a:solidFill>
+                  <a:prstClr val="black"/>
+                </a:solidFill>
+                <a:latin typeface="Times New Roman"/>
+                <a:cs typeface="Times New Roman"/>
+              </a:rPr>
+              <a:t>compInv</a:t>
+            </a:r>
+            <a:r>
+              <a:rPr lang="en-US" dirty="0" smtClean="0">
+                <a:solidFill>
+                  <a:prstClr val="black"/>
+                </a:solidFill>
+                <a:latin typeface="Times New Roman"/>
+                <a:cs typeface="Times New Roman"/>
+              </a:rPr>
+              <a:t>) +  </a:t>
+            </a:r>
+            <a:r>
+              <a:rPr lang="el-GR" dirty="0" smtClean="0">
+                <a:solidFill>
+                  <a:prstClr val="black"/>
+                </a:solidFill>
+                <a:latin typeface="Times New Roman"/>
+                <a:cs typeface="Times New Roman"/>
+              </a:rPr>
+              <a:t>β</a:t>
+            </a:r>
+            <a:r>
+              <a:rPr lang="en-US" baseline="-25000" dirty="0" smtClean="0">
+                <a:solidFill>
+                  <a:prstClr val="black"/>
+                </a:solidFill>
+                <a:latin typeface="Times New Roman"/>
+                <a:cs typeface="Times New Roman"/>
+              </a:rPr>
+              <a:t>11</a:t>
+            </a:r>
+            <a:r>
+              <a:rPr lang="en-US" dirty="0" smtClean="0">
+                <a:solidFill>
+                  <a:prstClr val="black"/>
+                </a:solidFill>
+                <a:latin typeface="Times New Roman"/>
+                <a:cs typeface="Times New Roman"/>
+              </a:rPr>
+              <a:t>(</a:t>
+            </a:r>
+            <a:r>
+              <a:rPr lang="en-US" dirty="0" err="1" smtClean="0">
+                <a:solidFill>
+                  <a:prstClr val="black"/>
+                </a:solidFill>
+                <a:latin typeface="Times New Roman"/>
+                <a:cs typeface="Times New Roman"/>
+              </a:rPr>
+              <a:t>compDept</a:t>
+            </a:r>
+            <a:r>
+              <a:rPr lang="en-US" dirty="0" smtClean="0">
+                <a:solidFill>
+                  <a:prstClr val="black"/>
+                </a:solidFill>
+                <a:latin typeface="Times New Roman"/>
+                <a:cs typeface="Times New Roman"/>
+              </a:rPr>
+              <a:t>) </a:t>
+            </a:r>
+            <a:r>
+              <a:rPr lang="en-US" dirty="0">
+                <a:solidFill>
+                  <a:prstClr val="black"/>
+                </a:solidFill>
+                <a:latin typeface="Times New Roman"/>
+                <a:cs typeface="Times New Roman"/>
+              </a:rPr>
+              <a:t>+ </a:t>
+            </a:r>
+            <a:r>
+              <a:rPr lang="el-GR" dirty="0" smtClean="0">
+                <a:solidFill>
+                  <a:prstClr val="black"/>
+                </a:solidFill>
+                <a:latin typeface="Times New Roman"/>
+                <a:cs typeface="Times New Roman"/>
+              </a:rPr>
+              <a:t>β</a:t>
+            </a:r>
+            <a:r>
+              <a:rPr lang="en-US" baseline="-25000" dirty="0" smtClean="0">
+                <a:solidFill>
+                  <a:prstClr val="black"/>
+                </a:solidFill>
+                <a:latin typeface="Times New Roman"/>
+                <a:cs typeface="Times New Roman"/>
+              </a:rPr>
+              <a:t>12</a:t>
+            </a:r>
+            <a:r>
+              <a:rPr lang="en-US" dirty="0" smtClean="0">
+                <a:solidFill>
+                  <a:prstClr val="black"/>
+                </a:solidFill>
+                <a:latin typeface="Times New Roman"/>
+                <a:cs typeface="Times New Roman"/>
+              </a:rPr>
+              <a:t>(</a:t>
+            </a:r>
+            <a:r>
+              <a:rPr lang="en-US" dirty="0" err="1" smtClean="0">
+                <a:solidFill>
+                  <a:prstClr val="black"/>
+                </a:solidFill>
+                <a:latin typeface="Times New Roman"/>
+                <a:cs typeface="Times New Roman"/>
+              </a:rPr>
+              <a:t>compTLO</a:t>
+            </a:r>
+            <a:r>
+              <a:rPr lang="en-US" dirty="0" smtClean="0">
+                <a:solidFill>
+                  <a:prstClr val="black"/>
+                </a:solidFill>
+                <a:latin typeface="Times New Roman"/>
+                <a:cs typeface="Times New Roman"/>
+              </a:rPr>
+              <a:t>) + </a:t>
+            </a:r>
+            <a:r>
+              <a:rPr lang="en-US" dirty="0" smtClean="0">
+                <a:latin typeface="Times New Roman"/>
+                <a:cs typeface="Times New Roman"/>
+              </a:rPr>
+              <a:t>E</a:t>
+            </a:r>
+            <a:endParaRPr lang="en-US" baseline="-25000" dirty="0">
+              <a:latin typeface="Times New Roman"/>
+              <a:cs typeface="Times New Roman"/>
+            </a:endParaRPr>
+          </a:p>
+        </p:txBody>
+      </p:sp>
+      <p:sp>
+        <p:nvSpPr>
+          <p:cNvPr id="5" name="TextBox 4"/>
+          <p:cNvSpPr txBox="1"/>
+          <p:nvPr/>
+        </p:nvSpPr>
+        <p:spPr>
+          <a:xfrm>
+            <a:off x="0" y="4304645"/>
+            <a:ext cx="9144000" cy="923330"/>
+          </a:xfrm>
+          <a:prstGeom prst="rect">
+            <a:avLst/>
+          </a:prstGeom>
+          <a:noFill/>
+        </p:spPr>
+        <p:txBody>
+          <a:bodyPr wrap="square" rtlCol="0">
+            <a:spAutoFit/>
+          </a:bodyPr>
+          <a:lstStyle/>
+          <a:p>
+            <a:r>
+              <a:rPr lang="en-US" dirty="0"/>
+              <a:t>l</a:t>
+            </a:r>
+            <a:r>
+              <a:rPr lang="en-US" dirty="0" smtClean="0"/>
+              <a:t>og (</a:t>
+            </a:r>
+            <a:r>
+              <a:rPr lang="en-US" dirty="0" err="1" smtClean="0"/>
+              <a:t>firmCreation</a:t>
+            </a:r>
+            <a:r>
+              <a:rPr lang="en-US" dirty="0" smtClean="0"/>
+              <a:t>) = </a:t>
+            </a:r>
+            <a:r>
+              <a:rPr lang="el-GR" dirty="0" smtClean="0">
+                <a:latin typeface="Times New Roman"/>
+                <a:cs typeface="Times New Roman"/>
+              </a:rPr>
+              <a:t>β</a:t>
+            </a:r>
+            <a:r>
+              <a:rPr lang="en-US" baseline="-25000" dirty="0" smtClean="0">
+                <a:latin typeface="Times New Roman"/>
+                <a:cs typeface="Times New Roman"/>
+              </a:rPr>
+              <a:t>0</a:t>
+            </a:r>
+            <a:r>
+              <a:rPr lang="en-US" dirty="0" smtClean="0">
+                <a:latin typeface="Times New Roman"/>
+                <a:cs typeface="Times New Roman"/>
+              </a:rPr>
+              <a:t> + </a:t>
+            </a:r>
+            <a:r>
+              <a:rPr lang="el-GR" dirty="0" smtClean="0">
+                <a:latin typeface="Times New Roman"/>
+                <a:cs typeface="Times New Roman"/>
+              </a:rPr>
+              <a:t>β</a:t>
+            </a:r>
+            <a:r>
+              <a:rPr lang="en-US" baseline="-25000" dirty="0" smtClean="0">
+                <a:latin typeface="Times New Roman"/>
+                <a:cs typeface="Times New Roman"/>
+              </a:rPr>
+              <a:t>1</a:t>
+            </a:r>
+            <a:r>
+              <a:rPr lang="en-US" dirty="0" smtClean="0">
+                <a:latin typeface="Times New Roman"/>
+                <a:cs typeface="Times New Roman"/>
+              </a:rPr>
+              <a:t>(</a:t>
+            </a:r>
+            <a:r>
+              <a:rPr lang="en-US" dirty="0" err="1" smtClean="0">
+                <a:latin typeface="Times New Roman"/>
+                <a:cs typeface="Times New Roman"/>
+              </a:rPr>
+              <a:t>ageTLO</a:t>
+            </a:r>
+            <a:r>
+              <a:rPr lang="en-US" dirty="0" smtClean="0">
+                <a:latin typeface="Times New Roman"/>
+                <a:cs typeface="Times New Roman"/>
+              </a:rPr>
+              <a:t>) + </a:t>
+            </a:r>
+            <a:r>
+              <a:rPr lang="el-GR" dirty="0" smtClean="0">
+                <a:latin typeface="Times New Roman"/>
+                <a:cs typeface="Times New Roman"/>
+              </a:rPr>
+              <a:t>β</a:t>
+            </a:r>
+            <a:r>
+              <a:rPr lang="en-US" baseline="-25000" dirty="0" smtClean="0">
+                <a:latin typeface="Times New Roman"/>
+                <a:cs typeface="Times New Roman"/>
+              </a:rPr>
+              <a:t>2</a:t>
+            </a:r>
+            <a:r>
+              <a:rPr lang="en-US" dirty="0" smtClean="0">
+                <a:latin typeface="Times New Roman"/>
+                <a:cs typeface="Times New Roman"/>
+              </a:rPr>
+              <a:t>(</a:t>
+            </a:r>
+            <a:r>
+              <a:rPr lang="en-US" dirty="0" err="1" smtClean="0">
+                <a:latin typeface="Times New Roman"/>
+                <a:cs typeface="Times New Roman"/>
+              </a:rPr>
+              <a:t>sizeTLO</a:t>
+            </a:r>
+            <a:r>
+              <a:rPr lang="en-US" dirty="0" smtClean="0">
+                <a:latin typeface="Times New Roman"/>
+                <a:cs typeface="Times New Roman"/>
+              </a:rPr>
+              <a:t>) + </a:t>
+            </a:r>
+            <a:r>
+              <a:rPr lang="el-GR" dirty="0" smtClean="0">
+                <a:latin typeface="Times New Roman"/>
+                <a:cs typeface="Times New Roman"/>
+              </a:rPr>
+              <a:t>β</a:t>
+            </a:r>
+            <a:r>
+              <a:rPr lang="en-US" baseline="-25000" dirty="0" smtClean="0">
+                <a:latin typeface="Times New Roman"/>
+                <a:cs typeface="Times New Roman"/>
+              </a:rPr>
+              <a:t>3</a:t>
+            </a:r>
+            <a:r>
+              <a:rPr lang="en-US" dirty="0" smtClean="0">
+                <a:latin typeface="Times New Roman"/>
+                <a:cs typeface="Times New Roman"/>
+              </a:rPr>
+              <a:t>(</a:t>
+            </a:r>
+            <a:r>
+              <a:rPr lang="en-US" dirty="0" err="1" smtClean="0">
+                <a:latin typeface="Times New Roman"/>
+                <a:cs typeface="Times New Roman"/>
+              </a:rPr>
+              <a:t>pubPriv</a:t>
+            </a:r>
+            <a:r>
+              <a:rPr lang="en-US" dirty="0" smtClean="0">
+                <a:latin typeface="Times New Roman"/>
+                <a:cs typeface="Times New Roman"/>
+              </a:rPr>
+              <a:t>) + </a:t>
+            </a:r>
+            <a:r>
+              <a:rPr lang="el-GR" dirty="0" smtClean="0">
+                <a:latin typeface="Times New Roman"/>
+                <a:cs typeface="Times New Roman"/>
+              </a:rPr>
+              <a:t>β</a:t>
+            </a:r>
+            <a:r>
+              <a:rPr lang="en-US" baseline="-25000" dirty="0" smtClean="0">
+                <a:latin typeface="Times New Roman"/>
+                <a:cs typeface="Times New Roman"/>
+              </a:rPr>
+              <a:t>4</a:t>
+            </a:r>
+            <a:r>
+              <a:rPr lang="en-US" dirty="0" smtClean="0">
+                <a:latin typeface="Times New Roman"/>
+                <a:cs typeface="Times New Roman"/>
+              </a:rPr>
+              <a:t>(</a:t>
+            </a:r>
+            <a:r>
+              <a:rPr lang="en-US" dirty="0" err="1" smtClean="0">
+                <a:latin typeface="Times New Roman"/>
+                <a:cs typeface="Times New Roman"/>
+              </a:rPr>
+              <a:t>facQual</a:t>
+            </a:r>
+            <a:r>
+              <a:rPr lang="en-US" dirty="0" smtClean="0">
+                <a:latin typeface="Times New Roman"/>
+                <a:cs typeface="Times New Roman"/>
+              </a:rPr>
+              <a:t>) + </a:t>
+            </a:r>
+            <a:r>
+              <a:rPr lang="el-GR" dirty="0" smtClean="0">
+                <a:latin typeface="Times New Roman"/>
+                <a:cs typeface="Times New Roman"/>
+              </a:rPr>
+              <a:t>β</a:t>
+            </a:r>
+            <a:r>
+              <a:rPr lang="en-US" baseline="-25000" dirty="0" smtClean="0">
+                <a:latin typeface="Times New Roman"/>
+                <a:cs typeface="Times New Roman"/>
+              </a:rPr>
+              <a:t>5</a:t>
+            </a:r>
+            <a:r>
+              <a:rPr lang="en-US" dirty="0" smtClean="0">
+                <a:latin typeface="Times New Roman"/>
+                <a:cs typeface="Times New Roman"/>
+              </a:rPr>
+              <a:t>(</a:t>
+            </a:r>
+            <a:r>
+              <a:rPr lang="en-US" dirty="0" err="1" smtClean="0">
+                <a:latin typeface="Times New Roman"/>
+                <a:cs typeface="Times New Roman"/>
+              </a:rPr>
+              <a:t>incub</a:t>
+            </a:r>
+            <a:r>
+              <a:rPr lang="en-US" dirty="0" smtClean="0">
+                <a:latin typeface="Times New Roman"/>
+                <a:cs typeface="Times New Roman"/>
+              </a:rPr>
+              <a:t>) +             </a:t>
+            </a:r>
+          </a:p>
+          <a:p>
+            <a:r>
+              <a:rPr lang="en-US" dirty="0">
+                <a:solidFill>
+                  <a:prstClr val="black"/>
+                </a:solidFill>
+                <a:latin typeface="Times New Roman"/>
+                <a:cs typeface="Times New Roman"/>
+              </a:rPr>
+              <a:t> </a:t>
+            </a:r>
+            <a:r>
+              <a:rPr lang="en-US" dirty="0" smtClean="0">
+                <a:solidFill>
+                  <a:prstClr val="black"/>
+                </a:solidFill>
+                <a:latin typeface="Times New Roman"/>
+                <a:cs typeface="Times New Roman"/>
+              </a:rPr>
+              <a:t>                                </a:t>
+            </a:r>
+            <a:r>
+              <a:rPr lang="el-GR" dirty="0" smtClean="0">
+                <a:solidFill>
+                  <a:prstClr val="black"/>
+                </a:solidFill>
+                <a:latin typeface="Times New Roman"/>
+                <a:cs typeface="Times New Roman"/>
+              </a:rPr>
+              <a:t>β</a:t>
+            </a:r>
+            <a:r>
+              <a:rPr lang="en-US" baseline="-25000" dirty="0" smtClean="0">
+                <a:solidFill>
+                  <a:prstClr val="black"/>
+                </a:solidFill>
+                <a:latin typeface="Times New Roman"/>
+                <a:cs typeface="Times New Roman"/>
+              </a:rPr>
+              <a:t>6</a:t>
+            </a:r>
+            <a:r>
+              <a:rPr lang="en-US" dirty="0" smtClean="0">
+                <a:solidFill>
+                  <a:prstClr val="black"/>
+                </a:solidFill>
+                <a:latin typeface="Times New Roman"/>
+                <a:cs typeface="Times New Roman"/>
+              </a:rPr>
+              <a:t>(</a:t>
+            </a:r>
+            <a:r>
+              <a:rPr lang="en-US" dirty="0" err="1" smtClean="0">
+                <a:solidFill>
+                  <a:prstClr val="black"/>
+                </a:solidFill>
+                <a:latin typeface="Times New Roman"/>
+                <a:cs typeface="Times New Roman"/>
+              </a:rPr>
+              <a:t>sponsRes</a:t>
+            </a:r>
+            <a:r>
+              <a:rPr lang="en-US" dirty="0" smtClean="0">
+                <a:solidFill>
+                  <a:prstClr val="black"/>
+                </a:solidFill>
+                <a:latin typeface="Times New Roman"/>
+                <a:cs typeface="Times New Roman"/>
+              </a:rPr>
+              <a:t>) </a:t>
+            </a:r>
+            <a:r>
+              <a:rPr lang="en-US" dirty="0">
+                <a:solidFill>
+                  <a:prstClr val="black"/>
+                </a:solidFill>
+                <a:latin typeface="Times New Roman"/>
+                <a:cs typeface="Times New Roman"/>
+              </a:rPr>
+              <a:t>+ </a:t>
+            </a:r>
+            <a:r>
+              <a:rPr lang="el-GR" dirty="0" smtClean="0">
+                <a:solidFill>
+                  <a:prstClr val="black"/>
+                </a:solidFill>
+                <a:latin typeface="Times New Roman"/>
+                <a:cs typeface="Times New Roman"/>
+              </a:rPr>
+              <a:t>β</a:t>
+            </a:r>
+            <a:r>
+              <a:rPr lang="en-US" baseline="-25000" dirty="0" smtClean="0">
+                <a:solidFill>
+                  <a:prstClr val="black"/>
+                </a:solidFill>
+                <a:latin typeface="Times New Roman"/>
+                <a:cs typeface="Times New Roman"/>
+              </a:rPr>
+              <a:t>7</a:t>
+            </a:r>
+            <a:r>
+              <a:rPr lang="en-US" dirty="0" smtClean="0">
+                <a:solidFill>
+                  <a:prstClr val="black"/>
+                </a:solidFill>
+                <a:latin typeface="Times New Roman"/>
+                <a:cs typeface="Times New Roman"/>
+              </a:rPr>
+              <a:t>(</a:t>
+            </a:r>
+            <a:r>
+              <a:rPr lang="en-US" dirty="0" err="1" smtClean="0">
+                <a:solidFill>
+                  <a:prstClr val="black"/>
+                </a:solidFill>
+                <a:latin typeface="Times New Roman"/>
+                <a:cs typeface="Times New Roman"/>
+              </a:rPr>
+              <a:t>licAgmnt</a:t>
+            </a:r>
+            <a:r>
+              <a:rPr lang="en-US" dirty="0" smtClean="0">
+                <a:solidFill>
+                  <a:prstClr val="black"/>
+                </a:solidFill>
+                <a:latin typeface="Times New Roman"/>
+                <a:cs typeface="Times New Roman"/>
+              </a:rPr>
+              <a:t>) </a:t>
+            </a:r>
+            <a:r>
+              <a:rPr lang="en-US" dirty="0">
+                <a:solidFill>
+                  <a:prstClr val="black"/>
+                </a:solidFill>
+                <a:latin typeface="Times New Roman"/>
+                <a:cs typeface="Times New Roman"/>
+              </a:rPr>
+              <a:t>+ </a:t>
+            </a:r>
+            <a:r>
+              <a:rPr lang="el-GR" dirty="0" smtClean="0">
+                <a:solidFill>
+                  <a:prstClr val="black"/>
+                </a:solidFill>
+                <a:latin typeface="Times New Roman"/>
+                <a:cs typeface="Times New Roman"/>
+              </a:rPr>
+              <a:t>β</a:t>
+            </a:r>
+            <a:r>
+              <a:rPr lang="en-US" baseline="-25000" dirty="0" smtClean="0">
+                <a:solidFill>
+                  <a:prstClr val="black"/>
+                </a:solidFill>
+                <a:latin typeface="Times New Roman"/>
+                <a:cs typeface="Times New Roman"/>
+              </a:rPr>
+              <a:t>8</a:t>
+            </a:r>
+            <a:r>
+              <a:rPr lang="en-US" dirty="0" smtClean="0">
+                <a:solidFill>
+                  <a:prstClr val="black"/>
+                </a:solidFill>
+                <a:latin typeface="Times New Roman"/>
+                <a:cs typeface="Times New Roman"/>
+              </a:rPr>
+              <a:t>(</a:t>
+            </a:r>
+            <a:r>
+              <a:rPr lang="en-US" dirty="0" err="1" smtClean="0">
+                <a:solidFill>
+                  <a:prstClr val="black"/>
+                </a:solidFill>
+                <a:latin typeface="Times New Roman"/>
+                <a:cs typeface="Times New Roman"/>
+              </a:rPr>
+              <a:t>autoLow</a:t>
+            </a:r>
+            <a:r>
+              <a:rPr lang="en-US" dirty="0" smtClean="0">
+                <a:solidFill>
+                  <a:prstClr val="black"/>
+                </a:solidFill>
+                <a:latin typeface="Times New Roman"/>
+                <a:cs typeface="Times New Roman"/>
+              </a:rPr>
+              <a:t>) </a:t>
+            </a:r>
+            <a:r>
+              <a:rPr lang="en-US" dirty="0">
+                <a:solidFill>
+                  <a:prstClr val="black"/>
+                </a:solidFill>
+                <a:latin typeface="Times New Roman"/>
+                <a:cs typeface="Times New Roman"/>
+              </a:rPr>
+              <a:t>+ </a:t>
+            </a:r>
+            <a:r>
+              <a:rPr lang="el-GR" dirty="0" smtClean="0">
+                <a:solidFill>
+                  <a:prstClr val="black"/>
+                </a:solidFill>
+                <a:latin typeface="Times New Roman"/>
+                <a:cs typeface="Times New Roman"/>
+              </a:rPr>
+              <a:t>β</a:t>
+            </a:r>
+            <a:r>
+              <a:rPr lang="en-US" baseline="-25000" dirty="0" smtClean="0">
+                <a:solidFill>
+                  <a:prstClr val="black"/>
+                </a:solidFill>
+                <a:latin typeface="Times New Roman"/>
+                <a:cs typeface="Times New Roman"/>
+              </a:rPr>
+              <a:t>9</a:t>
+            </a:r>
+            <a:r>
+              <a:rPr lang="en-US" dirty="0" smtClean="0">
+                <a:solidFill>
+                  <a:prstClr val="black"/>
+                </a:solidFill>
+                <a:latin typeface="Times New Roman"/>
+                <a:cs typeface="Times New Roman"/>
+              </a:rPr>
+              <a:t>(</a:t>
+            </a:r>
+            <a:r>
+              <a:rPr lang="en-US" dirty="0" err="1" smtClean="0">
+                <a:solidFill>
+                  <a:prstClr val="black"/>
+                </a:solidFill>
+                <a:latin typeface="Times New Roman"/>
+                <a:cs typeface="Times New Roman"/>
+              </a:rPr>
+              <a:t>autoHigh</a:t>
+            </a:r>
+            <a:r>
+              <a:rPr lang="en-US" dirty="0" smtClean="0">
+                <a:solidFill>
+                  <a:prstClr val="black"/>
+                </a:solidFill>
+                <a:latin typeface="Times New Roman"/>
+                <a:cs typeface="Times New Roman"/>
+              </a:rPr>
+              <a:t>) </a:t>
+            </a:r>
+            <a:r>
+              <a:rPr lang="en-US" dirty="0">
+                <a:solidFill>
+                  <a:prstClr val="black"/>
+                </a:solidFill>
+                <a:latin typeface="Times New Roman"/>
+                <a:cs typeface="Times New Roman"/>
+              </a:rPr>
+              <a:t>+ </a:t>
+            </a:r>
+            <a:endParaRPr lang="en-US" dirty="0" smtClean="0">
+              <a:solidFill>
+                <a:prstClr val="black"/>
+              </a:solidFill>
+              <a:latin typeface="Times New Roman"/>
+              <a:cs typeface="Times New Roman"/>
+            </a:endParaRPr>
+          </a:p>
+          <a:p>
+            <a:r>
+              <a:rPr lang="en-US" dirty="0">
+                <a:solidFill>
+                  <a:prstClr val="black"/>
+                </a:solidFill>
+                <a:latin typeface="Times New Roman"/>
+                <a:cs typeface="Times New Roman"/>
+              </a:rPr>
+              <a:t> </a:t>
+            </a:r>
+            <a:r>
+              <a:rPr lang="en-US" dirty="0" smtClean="0">
+                <a:solidFill>
+                  <a:prstClr val="black"/>
+                </a:solidFill>
+                <a:latin typeface="Times New Roman"/>
+                <a:cs typeface="Times New Roman"/>
+              </a:rPr>
+              <a:t>                                </a:t>
+            </a:r>
+            <a:r>
+              <a:rPr lang="el-GR" dirty="0" smtClean="0">
+                <a:solidFill>
+                  <a:prstClr val="black"/>
+                </a:solidFill>
+                <a:latin typeface="Times New Roman"/>
+                <a:cs typeface="Times New Roman"/>
+              </a:rPr>
+              <a:t>β</a:t>
+            </a:r>
+            <a:r>
+              <a:rPr lang="en-US" baseline="-25000" dirty="0" smtClean="0">
+                <a:solidFill>
+                  <a:prstClr val="black"/>
+                </a:solidFill>
+                <a:latin typeface="Times New Roman"/>
+                <a:cs typeface="Times New Roman"/>
+              </a:rPr>
+              <a:t>10</a:t>
+            </a:r>
+            <a:r>
+              <a:rPr lang="en-US" dirty="0" smtClean="0">
+                <a:solidFill>
+                  <a:prstClr val="black"/>
+                </a:solidFill>
+                <a:latin typeface="Times New Roman"/>
+                <a:cs typeface="Times New Roman"/>
+              </a:rPr>
+              <a:t>(</a:t>
+            </a:r>
+            <a:r>
+              <a:rPr lang="en-US" dirty="0" err="1" smtClean="0">
+                <a:solidFill>
+                  <a:prstClr val="black"/>
+                </a:solidFill>
+                <a:latin typeface="Times New Roman"/>
+                <a:cs typeface="Times New Roman"/>
+              </a:rPr>
+              <a:t>compInv</a:t>
+            </a:r>
+            <a:r>
+              <a:rPr lang="en-US" dirty="0" smtClean="0">
+                <a:solidFill>
+                  <a:prstClr val="black"/>
+                </a:solidFill>
+                <a:latin typeface="Times New Roman"/>
+                <a:cs typeface="Times New Roman"/>
+              </a:rPr>
+              <a:t>) +  </a:t>
+            </a:r>
+            <a:r>
+              <a:rPr lang="el-GR" dirty="0" smtClean="0">
+                <a:solidFill>
+                  <a:prstClr val="black"/>
+                </a:solidFill>
+                <a:latin typeface="Times New Roman"/>
+                <a:cs typeface="Times New Roman"/>
+              </a:rPr>
+              <a:t>β</a:t>
+            </a:r>
+            <a:r>
+              <a:rPr lang="en-US" baseline="-25000" dirty="0" smtClean="0">
+                <a:solidFill>
+                  <a:prstClr val="black"/>
+                </a:solidFill>
+                <a:latin typeface="Times New Roman"/>
+                <a:cs typeface="Times New Roman"/>
+              </a:rPr>
+              <a:t>11</a:t>
+            </a:r>
+            <a:r>
+              <a:rPr lang="en-US" dirty="0" smtClean="0">
+                <a:solidFill>
+                  <a:prstClr val="black"/>
+                </a:solidFill>
+                <a:latin typeface="Times New Roman"/>
+                <a:cs typeface="Times New Roman"/>
+              </a:rPr>
+              <a:t>(</a:t>
+            </a:r>
+            <a:r>
+              <a:rPr lang="en-US" dirty="0" err="1" smtClean="0">
+                <a:solidFill>
+                  <a:prstClr val="black"/>
+                </a:solidFill>
+                <a:latin typeface="Times New Roman"/>
+                <a:cs typeface="Times New Roman"/>
+              </a:rPr>
+              <a:t>compDept</a:t>
+            </a:r>
+            <a:r>
+              <a:rPr lang="en-US" dirty="0" smtClean="0">
+                <a:solidFill>
+                  <a:prstClr val="black"/>
+                </a:solidFill>
+                <a:latin typeface="Times New Roman"/>
+                <a:cs typeface="Times New Roman"/>
+              </a:rPr>
+              <a:t>) </a:t>
+            </a:r>
+            <a:r>
+              <a:rPr lang="en-US" dirty="0">
+                <a:solidFill>
+                  <a:prstClr val="black"/>
+                </a:solidFill>
+                <a:latin typeface="Times New Roman"/>
+                <a:cs typeface="Times New Roman"/>
+              </a:rPr>
+              <a:t>+ </a:t>
+            </a:r>
+            <a:r>
+              <a:rPr lang="el-GR" dirty="0" smtClean="0">
+                <a:solidFill>
+                  <a:prstClr val="black"/>
+                </a:solidFill>
+                <a:latin typeface="Times New Roman"/>
+                <a:cs typeface="Times New Roman"/>
+              </a:rPr>
+              <a:t>β</a:t>
+            </a:r>
+            <a:r>
+              <a:rPr lang="en-US" baseline="-25000" dirty="0" smtClean="0">
+                <a:solidFill>
+                  <a:prstClr val="black"/>
+                </a:solidFill>
+                <a:latin typeface="Times New Roman"/>
+                <a:cs typeface="Times New Roman"/>
+              </a:rPr>
+              <a:t>12</a:t>
+            </a:r>
+            <a:r>
+              <a:rPr lang="en-US" dirty="0" smtClean="0">
+                <a:solidFill>
+                  <a:prstClr val="black"/>
+                </a:solidFill>
+                <a:latin typeface="Times New Roman"/>
+                <a:cs typeface="Times New Roman"/>
+              </a:rPr>
+              <a:t>(</a:t>
+            </a:r>
+            <a:r>
+              <a:rPr lang="en-US" dirty="0" err="1" smtClean="0">
+                <a:solidFill>
+                  <a:prstClr val="black"/>
+                </a:solidFill>
+                <a:latin typeface="Times New Roman"/>
+                <a:cs typeface="Times New Roman"/>
+              </a:rPr>
+              <a:t>compTLO</a:t>
+            </a:r>
+            <a:r>
+              <a:rPr lang="en-US" dirty="0" smtClean="0">
+                <a:solidFill>
+                  <a:prstClr val="black"/>
+                </a:solidFill>
+                <a:latin typeface="Times New Roman"/>
+                <a:cs typeface="Times New Roman"/>
+              </a:rPr>
+              <a:t>) + </a:t>
+            </a:r>
+            <a:r>
+              <a:rPr lang="en-US" dirty="0" smtClean="0">
+                <a:latin typeface="Times New Roman"/>
+                <a:cs typeface="Times New Roman"/>
+              </a:rPr>
+              <a:t>E</a:t>
+            </a:r>
+            <a:endParaRPr lang="en-US" baseline="-25000" dirty="0">
+              <a:latin typeface="Times New Roman"/>
+              <a:cs typeface="Times New Roman"/>
+            </a:endParaRPr>
+          </a:p>
+        </p:txBody>
+      </p:sp>
+      <p:sp>
+        <p:nvSpPr>
+          <p:cNvPr id="6" name="TextBox 5"/>
+          <p:cNvSpPr txBox="1"/>
+          <p:nvPr/>
+        </p:nvSpPr>
+        <p:spPr>
+          <a:xfrm>
+            <a:off x="17145" y="363974"/>
+            <a:ext cx="1817370" cy="369332"/>
+          </a:xfrm>
+          <a:prstGeom prst="rect">
+            <a:avLst/>
+          </a:prstGeom>
+          <a:noFill/>
+        </p:spPr>
+        <p:txBody>
+          <a:bodyPr wrap="square" rtlCol="0">
+            <a:spAutoFit/>
+          </a:bodyPr>
+          <a:lstStyle/>
+          <a:p>
+            <a:r>
+              <a:rPr lang="en-US" b="1" u="sng" dirty="0" smtClean="0"/>
+              <a:t>Model 1A</a:t>
+            </a:r>
+            <a:endParaRPr lang="en-US" b="1" u="sng" dirty="0"/>
+          </a:p>
+        </p:txBody>
+      </p:sp>
+      <p:sp>
+        <p:nvSpPr>
+          <p:cNvPr id="7" name="TextBox 6"/>
+          <p:cNvSpPr txBox="1"/>
+          <p:nvPr/>
+        </p:nvSpPr>
+        <p:spPr>
+          <a:xfrm>
+            <a:off x="0" y="1299924"/>
+            <a:ext cx="1817370" cy="369332"/>
+          </a:xfrm>
+          <a:prstGeom prst="rect">
+            <a:avLst/>
+          </a:prstGeom>
+          <a:noFill/>
+        </p:spPr>
+        <p:txBody>
+          <a:bodyPr wrap="square" rtlCol="0">
+            <a:spAutoFit/>
+          </a:bodyPr>
+          <a:lstStyle/>
+          <a:p>
+            <a:r>
+              <a:rPr lang="en-US" b="1" u="sng" dirty="0" smtClean="0"/>
+              <a:t>Model 1B</a:t>
+            </a:r>
+            <a:endParaRPr lang="en-US" b="1" u="sng" dirty="0"/>
+          </a:p>
+        </p:txBody>
+      </p:sp>
+      <p:sp>
+        <p:nvSpPr>
+          <p:cNvPr id="8" name="TextBox 7"/>
+          <p:cNvSpPr txBox="1"/>
+          <p:nvPr/>
+        </p:nvSpPr>
+        <p:spPr>
+          <a:xfrm>
+            <a:off x="17145" y="3097768"/>
+            <a:ext cx="1817370" cy="369332"/>
+          </a:xfrm>
+          <a:prstGeom prst="rect">
+            <a:avLst/>
+          </a:prstGeom>
+          <a:noFill/>
+        </p:spPr>
+        <p:txBody>
+          <a:bodyPr wrap="square" rtlCol="0">
+            <a:spAutoFit/>
+          </a:bodyPr>
+          <a:lstStyle/>
+          <a:p>
+            <a:r>
+              <a:rPr lang="en-US" b="1" u="sng" dirty="0" smtClean="0"/>
+              <a:t>Model 2A</a:t>
+            </a:r>
+            <a:endParaRPr lang="en-US" b="1" u="sng" dirty="0"/>
+          </a:p>
+        </p:txBody>
+      </p:sp>
+      <p:sp>
+        <p:nvSpPr>
+          <p:cNvPr id="9" name="TextBox 8"/>
+          <p:cNvSpPr txBox="1"/>
+          <p:nvPr/>
+        </p:nvSpPr>
+        <p:spPr>
+          <a:xfrm>
+            <a:off x="17145" y="4025384"/>
+            <a:ext cx="1817370" cy="369332"/>
+          </a:xfrm>
+          <a:prstGeom prst="rect">
+            <a:avLst/>
+          </a:prstGeom>
+          <a:noFill/>
+        </p:spPr>
+        <p:txBody>
+          <a:bodyPr wrap="square" rtlCol="0">
+            <a:spAutoFit/>
+          </a:bodyPr>
+          <a:lstStyle/>
+          <a:p>
+            <a:r>
+              <a:rPr lang="en-US" b="1" u="sng" dirty="0" smtClean="0"/>
+              <a:t>Model 2B</a:t>
+            </a:r>
+            <a:endParaRPr lang="en-US" b="1" u="sng" dirty="0"/>
+          </a:p>
+        </p:txBody>
+      </p:sp>
+      <p:sp>
+        <p:nvSpPr>
+          <p:cNvPr id="10" name="Slide Number Placeholder 9"/>
+          <p:cNvSpPr>
+            <a:spLocks noGrp="1"/>
+          </p:cNvSpPr>
+          <p:nvPr>
+            <p:ph type="sldNum" sz="quarter" idx="12"/>
+          </p:nvPr>
+        </p:nvSpPr>
+        <p:spPr/>
+        <p:txBody>
+          <a:bodyPr/>
+          <a:lstStyle/>
+          <a:p>
+            <a:fld id="{C3F44E33-38A6-49FF-B286-CF655111B6FC}" type="slidenum">
+              <a:rPr lang="en-US" smtClean="0"/>
+              <a:t>11</a:t>
+            </a:fld>
+            <a:endParaRPr lang="en-US"/>
+          </a:p>
+        </p:txBody>
+      </p:sp>
+    </p:spTree>
+    <p:extLst>
+      <p:ext uri="{BB962C8B-B14F-4D97-AF65-F5344CB8AC3E}">
+        <p14:creationId xmlns:p14="http://schemas.microsoft.com/office/powerpoint/2010/main" val="4283765914"/>
+      </p:ext>
+    </p:extLst>
+  </p:cSld>
+  <p:clrMapOvr>
+    <a:masterClrMapping/>
+  </p:clrMapOvr>
+</p:sld>
+</file>
+
+<file path=ppt/slides/slide12.xml><?xml version="1.0" encoding="utf-8"?>
+<p:sld xmlns:a="http://schemas.openxmlformats.org/drawingml/2006/main" xmlns:r="http://schemas.openxmlformats.org/officeDocument/2006/relationships" xmlns:p="http://schemas.openxmlformats.org/presentationml/2006/main">
+  <p:cSld>
+    <p:spTree>
+      <p:nvGrpSpPr>
+        <p:cNvPr id="1" name=""/>
+        <p:cNvGrpSpPr/>
+        <p:nvPr/>
+      </p:nvGrpSpPr>
+      <p:grpSpPr>
+        <a:xfrm>
+          <a:off x="0" y="0"/>
+          <a:ext cx="0" cy="0"/>
+          <a:chOff x="0" y="0"/>
+          <a:chExt cx="0" cy="0"/>
+        </a:xfrm>
+      </p:grpSpPr>
+      <p:pic>
+        <p:nvPicPr>
+          <p:cNvPr id="2050" name="Picture 2"/>
+          <p:cNvPicPr>
+            <a:picLocks noChangeAspect="1" noChangeArrowheads="1"/>
+          </p:cNvPicPr>
+          <p:nvPr/>
+        </p:nvPicPr>
+        <p:blipFill>
+          <a:blip r:embed="rId3">
+            <a:extLst>
+              <a:ext uri="{28A0092B-C50C-407E-A947-70E740481C1C}">
+                <a14:useLocalDpi xmlns:a14="http://schemas.microsoft.com/office/drawing/2010/main" val="0"/>
+              </a:ext>
+            </a:extLst>
+          </a:blip>
+          <a:srcRect/>
+          <a:stretch>
+            <a:fillRect/>
+          </a:stretch>
+        </p:blipFill>
+        <p:spPr bwMode="auto">
+          <a:xfrm>
+            <a:off x="1645287" y="571500"/>
+            <a:ext cx="5853426" cy="4572000"/>
+          </a:xfrm>
+          <a:prstGeom prst="rect">
+            <a:avLst/>
+          </a:prstGeom>
+          <a:noFill/>
+          <a:ln>
+            <a:noFill/>
+          </a:ln>
+          <a:extLst>
+            <a:ext uri="{909E8E84-426E-40DD-AFC4-6F175D3DCCD1}">
+              <a14:hiddenFill xmlns:a14="http://schemas.microsoft.com/office/drawing/2010/main">
+                <a:solidFill>
+                  <a:schemeClr val="accent1"/>
+                </a:solidFill>
+              </a14:hiddenFill>
+            </a:ext>
+            <a:ext uri="{91240B29-F687-4F45-9708-019B960494DF}">
+              <a14:hiddenLine xmlns:a14="http://schemas.microsoft.com/office/drawing/2010/main" w="9525">
+                <a:solidFill>
+                  <a:schemeClr val="tx1"/>
+                </a:solidFill>
+                <a:miter lim="800000"/>
+                <a:headEnd/>
+                <a:tailEnd/>
+              </a14:hiddenLine>
+            </a:ext>
+          </a:extLst>
+        </p:spPr>
+      </p:pic>
+      <p:sp>
+        <p:nvSpPr>
+          <p:cNvPr id="2" name="Slide Number Placeholder 1"/>
+          <p:cNvSpPr>
+            <a:spLocks noGrp="1"/>
+          </p:cNvSpPr>
+          <p:nvPr>
+            <p:ph type="sldNum" sz="quarter" idx="12"/>
+          </p:nvPr>
+        </p:nvSpPr>
+        <p:spPr/>
+        <p:txBody>
+          <a:bodyPr/>
+          <a:lstStyle/>
+          <a:p>
+            <a:fld id="{C3F44E33-38A6-49FF-B286-CF655111B6FC}" type="slidenum">
+              <a:rPr lang="en-US" smtClean="0"/>
+              <a:t>12</a:t>
+            </a:fld>
+            <a:endParaRPr lang="en-US"/>
+          </a:p>
+        </p:txBody>
+      </p:sp>
+    </p:spTree>
+    <p:extLst>
+      <p:ext uri="{BB962C8B-B14F-4D97-AF65-F5344CB8AC3E}">
+        <p14:creationId xmlns:p14="http://schemas.microsoft.com/office/powerpoint/2010/main" val="48531913"/>
+      </p:ext>
+    </p:extLst>
+  </p:cSld>
+  <p:clrMapOvr>
+    <a:masterClrMapping/>
+  </p:clrMapOvr>
+  <p:timing>
+    <p:tnLst>
+      <p:par>
+        <p:cTn id="1" dur="indefinite" restart="never" nodeType="tmRoot"/>
+      </p:par>
+    </p:tnLst>
+  </p:timing>
 </p:sld>
 </file>
 
@@ -6677,106 +10462,28 @@
           <a:chExt cx="0" cy="0"/>
         </a:xfrm>
       </p:grpSpPr>
-      <p:sp>
-        <p:nvSpPr>
-          <p:cNvPr id="2" name="TextBox 1"/>
-          <p:cNvSpPr txBox="1"/>
-          <p:nvPr/>
-        </p:nvSpPr>
-        <p:spPr>
-          <a:xfrm>
-            <a:off x="3985260" y="426720"/>
-            <a:ext cx="5158740" cy="1477328"/>
-          </a:xfrm>
-          <a:prstGeom prst="rect">
-            <a:avLst/>
-          </a:prstGeom>
-          <a:noFill/>
-        </p:spPr>
-        <p:txBody>
-          <a:bodyPr wrap="square" rtlCol="0">
-            <a:spAutoFit/>
-          </a:bodyPr>
-          <a:lstStyle/>
-          <a:p>
-            <a:pPr indent="-457200"/>
-            <a:r>
-              <a:rPr lang="en-US" dirty="0" err="1" smtClean="0"/>
-              <a:t>Markman</a:t>
-            </a:r>
-            <a:r>
-              <a:rPr lang="en-US" dirty="0" smtClean="0"/>
-              <a:t>, G. D., </a:t>
-            </a:r>
-            <a:r>
-              <a:rPr lang="en-US" dirty="0" err="1" smtClean="0"/>
-              <a:t>Gianiodis</a:t>
-            </a:r>
-            <a:r>
-              <a:rPr lang="en-US" dirty="0" smtClean="0"/>
-              <a:t>, P. T., &amp; Phan, P. H. (2009). Supply-Side Innovation and Technology Commercialization. </a:t>
-            </a:r>
-            <a:r>
-              <a:rPr lang="en-US" i="1" dirty="0" smtClean="0"/>
-              <a:t>Journal of Management Studies</a:t>
-            </a:r>
-            <a:r>
-              <a:rPr lang="en-US" dirty="0" smtClean="0"/>
-              <a:t>, 46(4), 625-649. doi:10.1111/j.1467-6486.2009.00835.x</a:t>
-            </a:r>
-            <a:endParaRPr lang="en-US" dirty="0"/>
-          </a:p>
-        </p:txBody>
-      </p:sp>
-      <p:pic>
-        <p:nvPicPr>
-          <p:cNvPr id="1026" name="Picture 2"/>
-          <p:cNvPicPr>
-            <a:picLocks noChangeAspect="1" noChangeArrowheads="1"/>
-          </p:cNvPicPr>
-          <p:nvPr/>
-        </p:nvPicPr>
-        <p:blipFill>
-          <a:blip r:embed="rId2">
-            <a:extLst>
-              <a:ext uri="{28A0092B-C50C-407E-A947-70E740481C1C}">
-                <a14:useLocalDpi xmlns:a14="http://schemas.microsoft.com/office/drawing/2010/main" val="0"/>
-              </a:ext>
-            </a:extLst>
-          </a:blip>
-          <a:srcRect/>
-          <a:stretch>
-            <a:fillRect/>
-          </a:stretch>
-        </p:blipFill>
-        <p:spPr bwMode="auto">
-          <a:xfrm>
-            <a:off x="121920" y="100122"/>
-            <a:ext cx="3840480" cy="5514756"/>
-          </a:xfrm>
-          <a:prstGeom prst="rect">
-            <a:avLst/>
-          </a:prstGeom>
-          <a:noFill/>
-          <a:ln w="6350">
-            <a:solidFill>
-              <a:schemeClr val="tx1"/>
-            </a:solidFill>
-            <a:miter lim="800000"/>
-            <a:headEnd/>
-            <a:tailEnd/>
-          </a:ln>
-          <a:extLst>
-            <a:ext uri="{909E8E84-426E-40DD-AFC4-6F175D3DCCD1}">
-              <a14:hiddenFill xmlns:a14="http://schemas.microsoft.com/office/drawing/2010/main">
-                <a:solidFill>
-                  <a:schemeClr val="accent1"/>
-                </a:solidFill>
-              </a14:hiddenFill>
-            </a:ext>
-          </a:extLst>
-        </p:spPr>
-      </p:pic>
+      <p:graphicFrame>
+        <p:nvGraphicFramePr>
+          <p:cNvPr id="2" name="Diagram 1"/>
+          <p:cNvGraphicFramePr/>
+          <p:nvPr>
+            <p:extLst>
+              <p:ext uri="{D42A27DB-BD31-4B8C-83A1-F6EECF244321}">
+                <p14:modId xmlns:p14="http://schemas.microsoft.com/office/powerpoint/2010/main" val="2725177419"/>
+              </p:ext>
+            </p:extLst>
+          </p:nvPr>
+        </p:nvGraphicFramePr>
+        <p:xfrm>
+          <a:off x="1524000" y="825500"/>
+          <a:ext cx="6096000" cy="4064000"/>
+        </p:xfrm>
+        <a:graphic>
+          <a:graphicData uri="http://schemas.openxmlformats.org/drawingml/2006/diagram">
+            <dgm:relIds xmlns:dgm="http://schemas.openxmlformats.org/drawingml/2006/diagram" xmlns:r="http://schemas.openxmlformats.org/officeDocument/2006/relationships" r:dm="rId3" r:lo="rId4" r:qs="rId5" r:cs="rId6"/>
+          </a:graphicData>
+        </a:graphic>
+      </p:graphicFrame>
       <p:sp>
         <p:nvSpPr>
           <p:cNvPr id="3" name="TextBox 2"/>
@@ -6785,57 +10492,7 @@
         </p:nvSpPr>
         <p:spPr>
           <a:xfrm>
-            <a:off x="3985260" y="2788920"/>
-            <a:ext cx="5158740" cy="2108269"/>
-          </a:xfrm>
-          <a:prstGeom prst="rect">
-            <a:avLst/>
-          </a:prstGeom>
-          <a:noFill/>
-        </p:spPr>
-        <p:txBody>
-          <a:bodyPr wrap="square" rtlCol="0">
-            <a:spAutoFit/>
-          </a:bodyPr>
-          <a:lstStyle/>
-          <a:p>
-            <a:pPr marL="342900" indent="-342900">
-              <a:spcAft>
-                <a:spcPts val="600"/>
-              </a:spcAft>
-              <a:buFont typeface="+mj-lt"/>
-              <a:buAutoNum type="arabicPeriod"/>
-            </a:pPr>
-            <a:r>
-              <a:rPr lang="en-US" dirty="0" smtClean="0"/>
-              <a:t>Study the role of research universities as suppliers of discoveries.</a:t>
-            </a:r>
-          </a:p>
-          <a:p>
-            <a:pPr marL="342900" indent="-342900">
-              <a:spcAft>
-                <a:spcPts val="600"/>
-              </a:spcAft>
-              <a:buFont typeface="+mj-lt"/>
-              <a:buAutoNum type="arabicPeriod"/>
-            </a:pPr>
-            <a:r>
-              <a:rPr lang="en-US" dirty="0" smtClean="0"/>
-              <a:t>Explain why technology commercialization outcomes are a function of licensing strategies, technology licensing office (TLO) autonomy, researcher incentives, department incentives, and TLO staff incentives.</a:t>
-            </a:r>
-            <a:endParaRPr lang="en-US" dirty="0"/>
-          </a:p>
-        </p:txBody>
-      </p:sp>
-      <p:sp>
-        <p:nvSpPr>
-          <p:cNvPr id="4" name="TextBox 3"/>
-          <p:cNvSpPr txBox="1"/>
-          <p:nvPr/>
-        </p:nvSpPr>
-        <p:spPr>
-          <a:xfrm>
-            <a:off x="4798695" y="2329934"/>
+            <a:off x="2806065" y="249674"/>
             <a:ext cx="3531870" cy="369332"/>
           </a:xfrm>
           <a:prstGeom prst="rect">
@@ -6910,7 +10567,7 @@
                   <a:reflection blurRad="12700" stA="50000" endPos="50000" dist="5000" dir="5400000" sy="-100000" rotWithShape="0"/>
                 </a:effectLst>
               </a:rPr>
-              <a:t>Study Objectives</a:t>
+              <a:t>Presentation Outline</a:t>
             </a:r>
             <a:endParaRPr lang="en-US" b="1" cap="all" dirty="0">
               <a:ln w="0"/>
@@ -6958,10 +10615,33 @@
           </a:p>
         </p:txBody>
       </p:sp>
+      <p:sp>
+        <p:nvSpPr>
+          <p:cNvPr id="4" name="Slide Number Placeholder 3"/>
+          <p:cNvSpPr>
+            <a:spLocks noGrp="1"/>
+          </p:cNvSpPr>
+          <p:nvPr>
+            <p:ph type="sldNum" sz="quarter" idx="12"/>
+          </p:nvPr>
+        </p:nvSpPr>
+        <p:spPr/>
+        <p:txBody>
+          <a:bodyPr/>
+          <a:lstStyle/>
+          <a:p>
+            <a:fld id="{C3F44E33-38A6-49FF-B286-CF655111B6FC}" type="slidenum">
+              <a:rPr lang="en-US" smtClean="0"/>
+              <a:t>2</a:t>
+            </a:fld>
+            <a:endParaRPr lang="en-US"/>
+          </a:p>
+        </p:txBody>
+      </p:sp>
     </p:spTree>
     <p:extLst>
       <p:ext uri="{BB962C8B-B14F-4D97-AF65-F5344CB8AC3E}">
-        <p14:creationId xmlns:p14="http://schemas.microsoft.com/office/powerpoint/2010/main" val="2594310567"/>
+        <p14:creationId xmlns:p14="http://schemas.microsoft.com/office/powerpoint/2010/main" val="2121574913"/>
       </p:ext>
     </p:extLst>
   </p:cSld>
@@ -6990,21 +10670,360 @@
       </p:grpSpPr>
       <p:sp>
         <p:nvSpPr>
-          <p:cNvPr id="4" name="Rectangle 3"/>
+          <p:cNvPr id="2" name="TextBox 1"/>
+          <p:cNvSpPr txBox="1"/>
+          <p:nvPr/>
+        </p:nvSpPr>
+        <p:spPr>
+          <a:xfrm>
+            <a:off x="3985260" y="426720"/>
+            <a:ext cx="5158740" cy="1477328"/>
+          </a:xfrm>
+          <a:prstGeom prst="rect">
+            <a:avLst/>
+          </a:prstGeom>
+          <a:noFill/>
+        </p:spPr>
+        <p:txBody>
+          <a:bodyPr wrap="square" rtlCol="0">
+            <a:spAutoFit/>
+          </a:bodyPr>
+          <a:lstStyle/>
+          <a:p>
+            <a:pPr indent="-457200"/>
+            <a:r>
+              <a:rPr lang="en-US" dirty="0" err="1" smtClean="0"/>
+              <a:t>Markman</a:t>
+            </a:r>
+            <a:r>
+              <a:rPr lang="en-US" dirty="0" smtClean="0"/>
+              <a:t>, G. D., </a:t>
+            </a:r>
+            <a:r>
+              <a:rPr lang="en-US" dirty="0" err="1" smtClean="0"/>
+              <a:t>Gianiodis</a:t>
+            </a:r>
+            <a:r>
+              <a:rPr lang="en-US" dirty="0" smtClean="0"/>
+              <a:t>, P. T., &amp; Phan, P. H. (2009). Supply-Side Innovation and Technology Commercialization. </a:t>
+            </a:r>
+            <a:r>
+              <a:rPr lang="en-US" i="1" dirty="0" smtClean="0"/>
+              <a:t>Journal of Management Studies</a:t>
+            </a:r>
+            <a:r>
+              <a:rPr lang="en-US" dirty="0" smtClean="0"/>
+              <a:t>, 46(4), 625-649. doi:10.1111/j.1467-6486.2009.00835.x</a:t>
+            </a:r>
+            <a:endParaRPr lang="en-US" dirty="0"/>
+          </a:p>
+        </p:txBody>
+      </p:sp>
+      <p:pic>
+        <p:nvPicPr>
+          <p:cNvPr id="1026" name="Picture 2"/>
+          <p:cNvPicPr>
+            <a:picLocks noChangeAspect="1" noChangeArrowheads="1"/>
+          </p:cNvPicPr>
+          <p:nvPr/>
+        </p:nvPicPr>
+        <p:blipFill>
+          <a:blip r:embed="rId3">
+            <a:extLst>
+              <a:ext uri="{28A0092B-C50C-407E-A947-70E740481C1C}">
+                <a14:useLocalDpi xmlns:a14="http://schemas.microsoft.com/office/drawing/2010/main" val="0"/>
+              </a:ext>
+            </a:extLst>
+          </a:blip>
+          <a:srcRect/>
+          <a:stretch>
+            <a:fillRect/>
+          </a:stretch>
+        </p:blipFill>
+        <p:spPr bwMode="auto">
+          <a:xfrm>
+            <a:off x="121920" y="100122"/>
+            <a:ext cx="3840480" cy="5514756"/>
+          </a:xfrm>
+          <a:prstGeom prst="rect">
+            <a:avLst/>
+          </a:prstGeom>
+          <a:noFill/>
+          <a:ln w="6350">
+            <a:solidFill>
+              <a:schemeClr val="tx1"/>
+            </a:solidFill>
+            <a:miter lim="800000"/>
+            <a:headEnd/>
+            <a:tailEnd/>
+          </a:ln>
+          <a:extLst>
+            <a:ext uri="{909E8E84-426E-40DD-AFC4-6F175D3DCCD1}">
+              <a14:hiddenFill xmlns:a14="http://schemas.microsoft.com/office/drawing/2010/main">
+                <a:solidFill>
+                  <a:schemeClr val="accent1"/>
+                </a:solidFill>
+              </a14:hiddenFill>
+            </a:ext>
+          </a:extLst>
+        </p:spPr>
+      </p:pic>
+      <p:sp>
+        <p:nvSpPr>
+          <p:cNvPr id="3" name="TextBox 2"/>
+          <p:cNvSpPr txBox="1"/>
+          <p:nvPr/>
+        </p:nvSpPr>
+        <p:spPr>
+          <a:xfrm>
+            <a:off x="3985260" y="2788920"/>
+            <a:ext cx="5158740" cy="2108269"/>
+          </a:xfrm>
+          <a:prstGeom prst="rect">
+            <a:avLst/>
+          </a:prstGeom>
+          <a:noFill/>
+        </p:spPr>
+        <p:txBody>
+          <a:bodyPr wrap="square" rtlCol="0">
+            <a:spAutoFit/>
+          </a:bodyPr>
+          <a:lstStyle/>
+          <a:p>
+            <a:pPr marL="342900" indent="-342900">
+              <a:spcAft>
+                <a:spcPts val="600"/>
+              </a:spcAft>
+              <a:buFont typeface="+mj-lt"/>
+              <a:buAutoNum type="arabicPeriod"/>
+            </a:pPr>
+            <a:r>
+              <a:rPr lang="en-US" dirty="0" smtClean="0"/>
+              <a:t>Study the role of research universities as suppliers of </a:t>
+            </a:r>
+            <a:r>
+              <a:rPr lang="en-US" dirty="0" smtClean="0"/>
+              <a:t>innovations.</a:t>
+            </a:r>
+            <a:endParaRPr lang="en-US" dirty="0" smtClean="0"/>
+          </a:p>
+          <a:p>
+            <a:pPr marL="342900" indent="-342900">
+              <a:spcAft>
+                <a:spcPts val="600"/>
+              </a:spcAft>
+              <a:buFont typeface="+mj-lt"/>
+              <a:buAutoNum type="arabicPeriod"/>
+            </a:pPr>
+            <a:r>
+              <a:rPr lang="en-US" dirty="0" smtClean="0"/>
+              <a:t>Explain why technology commercialization outcomes are a function of licensing strategies, technology licensing office (TLO) autonomy, researcher incentives, department incentives, and TLO staff incentives.</a:t>
+            </a:r>
+            <a:endParaRPr lang="en-US" dirty="0"/>
+          </a:p>
+        </p:txBody>
+      </p:sp>
+      <p:sp>
+        <p:nvSpPr>
+          <p:cNvPr id="4" name="TextBox 3"/>
+          <p:cNvSpPr txBox="1"/>
+          <p:nvPr/>
+        </p:nvSpPr>
+        <p:spPr>
+          <a:xfrm>
+            <a:off x="4798695" y="2329934"/>
+            <a:ext cx="3531870" cy="369332"/>
+          </a:xfrm>
+          <a:prstGeom prst="rect">
+            <a:avLst/>
+          </a:prstGeom>
+          <a:noFill/>
+        </p:spPr>
+        <p:txBody>
+          <a:bodyPr wrap="square" rtlCol="0">
+            <a:spAutoFit/>
+            <a:scene3d>
+              <a:camera prst="orthographicFront">
+                <a:rot lat="0" lon="0" rev="0"/>
+              </a:camera>
+              <a:lightRig rig="contrasting" dir="t">
+                <a:rot lat="0" lon="0" rev="4500000"/>
+              </a:lightRig>
+            </a:scene3d>
+            <a:sp3d contourW="6350" prstMaterial="metal">
+              <a:bevelT w="127000" h="31750" prst="relaxedInset"/>
+              <a:contourClr>
+                <a:schemeClr val="accent1">
+                  <a:shade val="75000"/>
+                </a:schemeClr>
+              </a:contourClr>
+            </a:sp3d>
+          </a:bodyPr>
+          <a:lstStyle/>
+          <a:p>
+            <a:pPr algn="ctr"/>
+            <a:r>
+              <a:rPr lang="en-US" b="1" cap="all" dirty="0" smtClean="0">
+                <a:ln w="0"/>
+                <a:gradFill flip="none">
+                  <a:gsLst>
+                    <a:gs pos="0">
+                      <a:schemeClr val="accent1">
+                        <a:tint val="75000"/>
+                        <a:shade val="75000"/>
+                        <a:satMod val="170000"/>
+                      </a:schemeClr>
+                    </a:gs>
+                    <a:gs pos="49000">
+                      <a:schemeClr val="accent1">
+                        <a:tint val="88000"/>
+                        <a:shade val="65000"/>
+                        <a:satMod val="172000"/>
+                      </a:schemeClr>
+                    </a:gs>
+                    <a:gs pos="50000">
+                      <a:schemeClr val="accent1">
+                        <a:shade val="65000"/>
+                        <a:satMod val="130000"/>
+                      </a:schemeClr>
+                    </a:gs>
+                    <a:gs pos="92000">
+                      <a:schemeClr val="accent1">
+                        <a:shade val="50000"/>
+                        <a:satMod val="120000"/>
+                      </a:schemeClr>
+                    </a:gs>
+                    <a:gs pos="100000">
+                      <a:schemeClr val="accent1">
+                        <a:shade val="48000"/>
+                        <a:satMod val="120000"/>
+                      </a:schemeClr>
+                    </a:gs>
+                  </a:gsLst>
+                  <a:lin ang="5400000"/>
+                </a:gradFill>
+                <a:effectLst>
+                  <a:reflection blurRad="12700" stA="50000" endPos="50000" dist="5000" dir="5400000" sy="-100000" rotWithShape="0"/>
+                </a:effectLst>
+              </a:rPr>
+              <a:t>Study Objectives</a:t>
+            </a:r>
+            <a:endParaRPr lang="en-US" b="1" cap="all" dirty="0">
+              <a:ln w="0"/>
+              <a:gradFill flip="none">
+                <a:gsLst>
+                  <a:gs pos="0">
+                    <a:schemeClr val="accent1">
+                      <a:tint val="75000"/>
+                      <a:shade val="75000"/>
+                      <a:satMod val="170000"/>
+                    </a:schemeClr>
+                  </a:gs>
+                  <a:gs pos="49000">
+                    <a:schemeClr val="accent1">
+                      <a:tint val="88000"/>
+                      <a:shade val="65000"/>
+                      <a:satMod val="172000"/>
+                    </a:schemeClr>
+                  </a:gs>
+                  <a:gs pos="50000">
+                    <a:schemeClr val="accent1">
+                      <a:shade val="65000"/>
+                      <a:satMod val="130000"/>
+                    </a:schemeClr>
+                  </a:gs>
+                  <a:gs pos="92000">
+                    <a:schemeClr val="accent1">
+                      <a:shade val="50000"/>
+                      <a:satMod val="120000"/>
+                    </a:schemeClr>
+                  </a:gs>
+                  <a:gs pos="100000">
+                    <a:schemeClr val="accent1">
+                      <a:shade val="48000"/>
+                      <a:satMod val="120000"/>
+                    </a:schemeClr>
+                  </a:gs>
+                </a:gsLst>
+                <a:lin ang="5400000"/>
+              </a:gradFill>
+              <a:effectLst>
+                <a:reflection blurRad="12700" stA="50000" endPos="50000" dist="5000" dir="5400000" sy="-100000" rotWithShape="0"/>
+              </a:effectLst>
+            </a:endParaRPr>
+          </a:p>
+        </p:txBody>
+      </p:sp>
+      <p:sp>
+        <p:nvSpPr>
+          <p:cNvPr id="5" name="Slide Number Placeholder 4"/>
+          <p:cNvSpPr>
+            <a:spLocks noGrp="1"/>
+          </p:cNvSpPr>
+          <p:nvPr>
+            <p:ph type="sldNum" sz="quarter" idx="12"/>
+          </p:nvPr>
+        </p:nvSpPr>
+        <p:spPr/>
+        <p:txBody>
+          <a:bodyPr/>
+          <a:lstStyle/>
+          <a:p>
+            <a:fld id="{C3F44E33-38A6-49FF-B286-CF655111B6FC}" type="slidenum">
+              <a:rPr lang="en-US" smtClean="0"/>
+              <a:t>3</a:t>
+            </a:fld>
+            <a:endParaRPr lang="en-US"/>
+          </a:p>
+        </p:txBody>
+      </p:sp>
+    </p:spTree>
+    <p:extLst>
+      <p:ext uri="{BB962C8B-B14F-4D97-AF65-F5344CB8AC3E}">
+        <p14:creationId xmlns:p14="http://schemas.microsoft.com/office/powerpoint/2010/main" val="2594310567"/>
+      </p:ext>
+    </p:extLst>
+  </p:cSld>
+  <p:clrMapOvr>
+    <a:masterClrMapping/>
+  </p:clrMapOvr>
+</p:sld>
+</file>
+
+<file path=ppt/slides/slide4.xml><?xml version="1.0" encoding="utf-8"?>
+<p:sld xmlns:a="http://schemas.openxmlformats.org/drawingml/2006/main" xmlns:r="http://schemas.openxmlformats.org/officeDocument/2006/relationships" xmlns:p="http://schemas.openxmlformats.org/presentationml/2006/main">
+  <p:cSld>
+    <p:spTree>
+      <p:nvGrpSpPr>
+        <p:cNvPr id="1" name=""/>
+        <p:cNvGrpSpPr/>
+        <p:nvPr/>
+      </p:nvGrpSpPr>
+      <p:grpSpPr>
+        <a:xfrm>
+          <a:off x="0" y="0"/>
+          <a:ext cx="0" cy="0"/>
+          <a:chOff x="0" y="0"/>
+          <a:chExt cx="0" cy="0"/>
+        </a:xfrm>
+      </p:grpSpPr>
+      <p:sp>
+        <p:nvSpPr>
+          <p:cNvPr id="8" name="Rectangle 7"/>
           <p:cNvSpPr/>
           <p:nvPr/>
         </p:nvSpPr>
         <p:spPr>
           <a:xfrm>
-            <a:off x="3147060" y="146685"/>
-            <a:ext cx="3017520" cy="2286000"/>
+            <a:off x="1101090" y="2854880"/>
+            <a:ext cx="2560320" cy="2286000"/>
           </a:xfrm>
           <a:prstGeom prst="rect">
             <a:avLst/>
           </a:prstGeom>
           <a:solidFill>
             <a:schemeClr val="bg1">
-              <a:lumMod val="65000"/>
+              <a:lumMod val="85000"/>
             </a:schemeClr>
           </a:solidFill>
           <a:ln>
@@ -7038,14 +11057,14 @@
       </p:sp>
       <p:sp>
         <p:nvSpPr>
-          <p:cNvPr id="2" name="Rectangle 1"/>
+          <p:cNvPr id="9" name="Rectangle 8"/>
           <p:cNvSpPr/>
           <p:nvPr/>
         </p:nvSpPr>
         <p:spPr>
           <a:xfrm>
-            <a:off x="3512820" y="1316355"/>
-            <a:ext cx="2286000" cy="640080"/>
+            <a:off x="1466850" y="4158615"/>
+            <a:ext cx="1828800" cy="548640"/>
           </a:xfrm>
           <a:prstGeom prst="rect">
             <a:avLst/>
@@ -7106,14 +11125,14 @@
       </p:sp>
       <p:sp>
         <p:nvSpPr>
-          <p:cNvPr id="3" name="Rectangle 2"/>
+          <p:cNvPr id="10" name="Rectangle 9"/>
           <p:cNvSpPr/>
           <p:nvPr/>
         </p:nvSpPr>
         <p:spPr>
           <a:xfrm>
-            <a:off x="3512820" y="603885"/>
-            <a:ext cx="2286000" cy="640080"/>
+            <a:off x="1466850" y="3274695"/>
+            <a:ext cx="1828800" cy="548640"/>
           </a:xfrm>
           <a:prstGeom prst="rect">
             <a:avLst/>
@@ -7171,13 +11190,13 @@
       </p:sp>
       <p:sp>
         <p:nvSpPr>
-          <p:cNvPr id="5" name="TextBox 4"/>
+          <p:cNvPr id="11" name="TextBox 10"/>
           <p:cNvSpPr txBox="1"/>
           <p:nvPr/>
         </p:nvSpPr>
         <p:spPr>
           <a:xfrm>
-            <a:off x="4164330" y="1998583"/>
+            <a:off x="1786890" y="4692729"/>
             <a:ext cx="1188720" cy="369332"/>
           </a:xfrm>
           <a:prstGeom prst="rect">
@@ -7202,13 +11221,13 @@
       </p:sp>
       <p:sp>
         <p:nvSpPr>
-          <p:cNvPr id="6" name="TextBox 5"/>
+          <p:cNvPr id="12" name="TextBox 11"/>
           <p:cNvSpPr txBox="1"/>
           <p:nvPr/>
         </p:nvSpPr>
         <p:spPr>
           <a:xfrm>
-            <a:off x="3981450" y="240030"/>
+            <a:off x="1604010" y="2922270"/>
             <a:ext cx="1554480" cy="365760"/>
           </a:xfrm>
           <a:prstGeom prst="rect">
@@ -7233,18 +11252,21 @@
       </p:sp>
       <p:sp>
         <p:nvSpPr>
-          <p:cNvPr id="7" name="Up Arrow 6"/>
+          <p:cNvPr id="13" name="Up Arrow 12"/>
           <p:cNvSpPr/>
           <p:nvPr/>
         </p:nvSpPr>
         <p:spPr>
           <a:xfrm>
-            <a:off x="3135630" y="695801"/>
+            <a:off x="1066800" y="3564016"/>
             <a:ext cx="365760" cy="1142048"/>
           </a:xfrm>
           <a:prstGeom prst="upArrow">
             <a:avLst/>
           </a:prstGeom>
+          <a:solidFill>
+            <a:schemeClr val="tx1"/>
+          </a:solidFill>
           <a:ln>
             <a:noFill/>
           </a:ln>
@@ -7294,21 +11316,21 @@
       </p:sp>
       <p:sp>
         <p:nvSpPr>
-          <p:cNvPr id="8" name="Rectangle 7"/>
+          <p:cNvPr id="14" name="Rectangle 13"/>
           <p:cNvSpPr/>
           <p:nvPr/>
         </p:nvSpPr>
         <p:spPr>
           <a:xfrm>
-            <a:off x="758190" y="2854880"/>
-            <a:ext cx="3017520" cy="2560320"/>
+            <a:off x="5650230" y="2854880"/>
+            <a:ext cx="2560320" cy="2286000"/>
           </a:xfrm>
           <a:prstGeom prst="rect">
             <a:avLst/>
           </a:prstGeom>
           <a:solidFill>
             <a:schemeClr val="bg1">
-              <a:lumMod val="65000"/>
+              <a:lumMod val="85000"/>
             </a:schemeClr>
           </a:solidFill>
           <a:ln>
@@ -7342,14 +11364,14 @@
       </p:sp>
       <p:sp>
         <p:nvSpPr>
-          <p:cNvPr id="9" name="Rectangle 8"/>
+          <p:cNvPr id="15" name="Rectangle 14"/>
           <p:cNvSpPr/>
           <p:nvPr/>
         </p:nvSpPr>
         <p:spPr>
           <a:xfrm>
-            <a:off x="1123950" y="4307205"/>
-            <a:ext cx="2286000" cy="640080"/>
+            <a:off x="5993130" y="4158615"/>
+            <a:ext cx="1828800" cy="548640"/>
           </a:xfrm>
           <a:prstGeom prst="rect">
             <a:avLst/>
@@ -7410,14 +11432,14 @@
       </p:sp>
       <p:sp>
         <p:nvSpPr>
-          <p:cNvPr id="10" name="Rectangle 9"/>
+          <p:cNvPr id="16" name="Rectangle 15"/>
           <p:cNvSpPr/>
           <p:nvPr/>
         </p:nvSpPr>
         <p:spPr>
           <a:xfrm>
-            <a:off x="1123950" y="3274695"/>
-            <a:ext cx="2286000" cy="640080"/>
+            <a:off x="5993130" y="3274695"/>
+            <a:ext cx="1828800" cy="548640"/>
           </a:xfrm>
           <a:prstGeom prst="rect">
             <a:avLst/>
@@ -7475,13 +11497,13 @@
       </p:sp>
       <p:sp>
         <p:nvSpPr>
-          <p:cNvPr id="11" name="TextBox 10"/>
+          <p:cNvPr id="17" name="TextBox 16"/>
           <p:cNvSpPr txBox="1"/>
           <p:nvPr/>
         </p:nvSpPr>
         <p:spPr>
           <a:xfrm>
-            <a:off x="1672590" y="4978003"/>
+            <a:off x="6336030" y="4703683"/>
             <a:ext cx="1188720" cy="369332"/>
           </a:xfrm>
           <a:prstGeom prst="rect">
@@ -7506,13 +11528,13 @@
       </p:sp>
       <p:sp>
         <p:nvSpPr>
-          <p:cNvPr id="12" name="TextBox 11"/>
+          <p:cNvPr id="18" name="TextBox 17"/>
           <p:cNvSpPr txBox="1"/>
           <p:nvPr/>
         </p:nvSpPr>
         <p:spPr>
           <a:xfrm>
-            <a:off x="1489710" y="2922270"/>
+            <a:off x="6130290" y="2922270"/>
             <a:ext cx="1554480" cy="365760"/>
           </a:xfrm>
           <a:prstGeom prst="rect">
@@ -7537,17 +11559,2270 @@
       </p:sp>
       <p:sp>
         <p:nvSpPr>
-          <p:cNvPr id="13" name="Up Arrow 12"/>
+          <p:cNvPr id="19" name="Up Arrow 18"/>
           <p:cNvSpPr/>
           <p:nvPr/>
         </p:nvSpPr>
         <p:spPr>
           <a:xfrm>
-            <a:off x="723900" y="3564016"/>
+            <a:off x="7844790" y="3426856"/>
             <a:ext cx="365760" cy="1142048"/>
           </a:xfrm>
           <a:prstGeom prst="upArrow">
             <a:avLst/>
+          </a:prstGeom>
+          <a:solidFill>
+            <a:schemeClr val="tx1"/>
+          </a:solidFill>
+          <a:ln>
+            <a:noFill/>
+          </a:ln>
+          <a:effectLst>
+            <a:outerShdw blurRad="149987" dist="250190" dir="8460000" algn="ctr">
+              <a:srgbClr val="000000">
+                <a:alpha val="28000"/>
+              </a:srgbClr>
+            </a:outerShdw>
+          </a:effectLst>
+          <a:scene3d>
+            <a:camera prst="orthographicFront">
+              <a:rot lat="0" lon="0" rev="0"/>
+            </a:camera>
+            <a:lightRig rig="contrasting" dir="t">
+              <a:rot lat="0" lon="0" rev="1500000"/>
+            </a:lightRig>
+          </a:scene3d>
+          <a:sp3d prstMaterial="metal">
+            <a:bevelT w="88900" h="88900"/>
+          </a:sp3d>
+        </p:spPr>
+        <p:style>
+          <a:lnRef idx="2">
+            <a:schemeClr val="accent1">
+              <a:shade val="50000"/>
+            </a:schemeClr>
+          </a:lnRef>
+          <a:fillRef idx="1">
+            <a:schemeClr val="accent1"/>
+          </a:fillRef>
+          <a:effectRef idx="0">
+            <a:schemeClr val="accent1"/>
+          </a:effectRef>
+          <a:fontRef idx="minor">
+            <a:schemeClr val="lt1"/>
+          </a:fontRef>
+        </p:style>
+        <p:txBody>
+          <a:bodyPr rtlCol="0" anchor="ctr"/>
+          <a:lstStyle/>
+          <a:p>
+            <a:pPr algn="ctr"/>
+            <a:endParaRPr lang="en-US"/>
+          </a:p>
+        </p:txBody>
+      </p:sp>
+      <p:sp>
+        <p:nvSpPr>
+          <p:cNvPr id="20" name="Up Arrow 19"/>
+          <p:cNvSpPr/>
+          <p:nvPr/>
+        </p:nvSpPr>
+        <p:spPr>
+          <a:xfrm rot="6982542">
+            <a:off x="3417587" y="3355695"/>
+            <a:ext cx="365760" cy="548640"/>
+          </a:xfrm>
+          <a:prstGeom prst="upArrow">
+            <a:avLst/>
+          </a:prstGeom>
+          <a:solidFill>
+            <a:schemeClr val="tx1"/>
+          </a:solidFill>
+          <a:ln>
+            <a:noFill/>
+          </a:ln>
+          <a:effectLst>
+            <a:outerShdw blurRad="149987" dist="250190" dir="8460000" algn="ctr">
+              <a:srgbClr val="000000">
+                <a:alpha val="28000"/>
+              </a:srgbClr>
+            </a:outerShdw>
+          </a:effectLst>
+          <a:scene3d>
+            <a:camera prst="orthographicFront">
+              <a:rot lat="0" lon="0" rev="0"/>
+            </a:camera>
+            <a:lightRig rig="contrasting" dir="t">
+              <a:rot lat="0" lon="0" rev="1500000"/>
+            </a:lightRig>
+          </a:scene3d>
+          <a:sp3d prstMaterial="metal">
+            <a:bevelT w="88900" h="88900"/>
+          </a:sp3d>
+        </p:spPr>
+        <p:style>
+          <a:lnRef idx="2">
+            <a:schemeClr val="accent1">
+              <a:shade val="50000"/>
+            </a:schemeClr>
+          </a:lnRef>
+          <a:fillRef idx="1">
+            <a:schemeClr val="accent1"/>
+          </a:fillRef>
+          <a:effectRef idx="0">
+            <a:schemeClr val="accent1"/>
+          </a:effectRef>
+          <a:fontRef idx="minor">
+            <a:schemeClr val="lt1"/>
+          </a:fontRef>
+        </p:style>
+        <p:txBody>
+          <a:bodyPr rtlCol="0" anchor="ctr"/>
+          <a:lstStyle/>
+          <a:p>
+            <a:pPr algn="ctr"/>
+            <a:endParaRPr lang="en-US"/>
+          </a:p>
+        </p:txBody>
+      </p:sp>
+      <p:sp>
+        <p:nvSpPr>
+          <p:cNvPr id="21" name="Up Arrow 20"/>
+          <p:cNvSpPr/>
+          <p:nvPr/>
+        </p:nvSpPr>
+        <p:spPr>
+          <a:xfrm rot="14546126">
+            <a:off x="3416784" y="4038127"/>
+            <a:ext cx="365760" cy="548640"/>
+          </a:xfrm>
+          <a:prstGeom prst="upArrow">
+            <a:avLst/>
+          </a:prstGeom>
+          <a:solidFill>
+            <a:schemeClr val="tx1"/>
+          </a:solidFill>
+          <a:ln>
+            <a:noFill/>
+          </a:ln>
+          <a:effectLst>
+            <a:outerShdw blurRad="149987" dist="250190" dir="8460000" algn="ctr">
+              <a:srgbClr val="000000">
+                <a:alpha val="28000"/>
+              </a:srgbClr>
+            </a:outerShdw>
+          </a:effectLst>
+          <a:scene3d>
+            <a:camera prst="orthographicFront">
+              <a:rot lat="0" lon="0" rev="0"/>
+            </a:camera>
+            <a:lightRig rig="contrasting" dir="t">
+              <a:rot lat="0" lon="0" rev="1500000"/>
+            </a:lightRig>
+          </a:scene3d>
+          <a:sp3d prstMaterial="metal">
+            <a:bevelT w="88900" h="88900"/>
+          </a:sp3d>
+        </p:spPr>
+        <p:style>
+          <a:lnRef idx="2">
+            <a:schemeClr val="accent1">
+              <a:shade val="50000"/>
+            </a:schemeClr>
+          </a:lnRef>
+          <a:fillRef idx="1">
+            <a:schemeClr val="accent1"/>
+          </a:fillRef>
+          <a:effectRef idx="0">
+            <a:schemeClr val="accent1"/>
+          </a:effectRef>
+          <a:fontRef idx="minor">
+            <a:schemeClr val="lt1"/>
+          </a:fontRef>
+        </p:style>
+        <p:txBody>
+          <a:bodyPr rtlCol="0" anchor="ctr"/>
+          <a:lstStyle/>
+          <a:p>
+            <a:pPr algn="ctr"/>
+            <a:endParaRPr lang="en-US"/>
+          </a:p>
+        </p:txBody>
+      </p:sp>
+      <p:cxnSp>
+        <p:nvCxnSpPr>
+          <p:cNvPr id="23" name="Straight Connector 22"/>
+          <p:cNvCxnSpPr/>
+          <p:nvPr/>
+        </p:nvCxnSpPr>
+        <p:spPr>
+          <a:xfrm>
+            <a:off x="297180" y="2708910"/>
+            <a:ext cx="8595360" cy="0"/>
+          </a:xfrm>
+          <a:prstGeom prst="line">
+            <a:avLst/>
+          </a:prstGeom>
+          <a:ln w="19050">
+            <a:solidFill>
+              <a:schemeClr val="tx1"/>
+            </a:solidFill>
+          </a:ln>
+        </p:spPr>
+        <p:style>
+          <a:lnRef idx="1">
+            <a:schemeClr val="accent1"/>
+          </a:lnRef>
+          <a:fillRef idx="0">
+            <a:schemeClr val="accent1"/>
+          </a:fillRef>
+          <a:effectRef idx="0">
+            <a:schemeClr val="accent1"/>
+          </a:effectRef>
+          <a:fontRef idx="minor">
+            <a:schemeClr val="tx1"/>
+          </a:fontRef>
+        </p:style>
+      </p:cxnSp>
+      <p:grpSp>
+        <p:nvGrpSpPr>
+          <p:cNvPr id="31" name="Group 30"/>
+          <p:cNvGrpSpPr/>
+          <p:nvPr/>
+        </p:nvGrpSpPr>
+        <p:grpSpPr>
+          <a:xfrm>
+            <a:off x="3369945" y="103703"/>
+            <a:ext cx="2571750" cy="2570917"/>
+            <a:chOff x="3262028" y="171450"/>
+            <a:chExt cx="2571750" cy="2570917"/>
+          </a:xfrm>
+        </p:grpSpPr>
+        <p:sp>
+          <p:nvSpPr>
+            <p:cNvPr id="4" name="Rectangle 3"/>
+            <p:cNvSpPr/>
+            <p:nvPr/>
+          </p:nvSpPr>
+          <p:spPr>
+            <a:xfrm>
+              <a:off x="3273458" y="171450"/>
+              <a:ext cx="2560320" cy="2286000"/>
+            </a:xfrm>
+            <a:prstGeom prst="rect">
+              <a:avLst/>
+            </a:prstGeom>
+            <a:solidFill>
+              <a:schemeClr val="bg1">
+                <a:lumMod val="85000"/>
+              </a:schemeClr>
+            </a:solidFill>
+            <a:ln>
+              <a:noFill/>
+            </a:ln>
+          </p:spPr>
+          <p:style>
+            <a:lnRef idx="2">
+              <a:schemeClr val="accent1">
+                <a:shade val="50000"/>
+              </a:schemeClr>
+            </a:lnRef>
+            <a:fillRef idx="1">
+              <a:schemeClr val="accent1"/>
+            </a:fillRef>
+            <a:effectRef idx="0">
+              <a:schemeClr val="accent1"/>
+            </a:effectRef>
+            <a:fontRef idx="minor">
+              <a:schemeClr val="lt1"/>
+            </a:fontRef>
+          </p:style>
+          <p:txBody>
+            <a:bodyPr rtlCol="0" anchor="ctr"/>
+            <a:lstStyle/>
+            <a:p>
+              <a:pPr algn="ctr"/>
+              <a:endParaRPr lang="en-US"/>
+            </a:p>
+          </p:txBody>
+        </p:sp>
+        <p:sp>
+          <p:nvSpPr>
+            <p:cNvPr id="2" name="Rectangle 1"/>
+            <p:cNvSpPr/>
+            <p:nvPr/>
+          </p:nvSpPr>
+          <p:spPr>
+            <a:xfrm>
+              <a:off x="3639218" y="1341120"/>
+              <a:ext cx="1828800" cy="548640"/>
+            </a:xfrm>
+            <a:prstGeom prst="rect">
+              <a:avLst/>
+            </a:prstGeom>
+            <a:solidFill>
+              <a:schemeClr val="accent3"/>
+            </a:solidFill>
+            <a:ln>
+              <a:noFill/>
+            </a:ln>
+            <a:effectLst>
+              <a:outerShdw blurRad="44450" dist="27940" dir="5400000" algn="ctr">
+                <a:srgbClr val="000000">
+                  <a:alpha val="32000"/>
+                </a:srgbClr>
+              </a:outerShdw>
+            </a:effectLst>
+            <a:scene3d>
+              <a:camera prst="orthographicFront">
+                <a:rot lat="0" lon="0" rev="0"/>
+              </a:camera>
+              <a:lightRig rig="balanced" dir="t">
+                <a:rot lat="0" lon="0" rev="8700000"/>
+              </a:lightRig>
+            </a:scene3d>
+            <a:sp3d>
+              <a:bevelT w="190500" h="38100"/>
+            </a:sp3d>
+          </p:spPr>
+          <p:style>
+            <a:lnRef idx="2">
+              <a:schemeClr val="accent1">
+                <a:shade val="50000"/>
+              </a:schemeClr>
+            </a:lnRef>
+            <a:fillRef idx="1">
+              <a:schemeClr val="accent1"/>
+            </a:fillRef>
+            <a:effectRef idx="0">
+              <a:schemeClr val="accent1"/>
+            </a:effectRef>
+            <a:fontRef idx="minor">
+              <a:schemeClr val="lt1"/>
+            </a:fontRef>
+          </p:style>
+          <p:txBody>
+            <a:bodyPr rtlCol="0" anchor="ctr"/>
+            <a:lstStyle/>
+            <a:p>
+              <a:pPr algn="ctr"/>
+              <a:r>
+                <a:rPr lang="en-US" dirty="0" smtClean="0"/>
+                <a:t>Innovation Exploration</a:t>
+              </a:r>
+              <a:endParaRPr lang="en-US" dirty="0"/>
+            </a:p>
+          </p:txBody>
+        </p:sp>
+        <p:sp>
+          <p:nvSpPr>
+            <p:cNvPr id="3" name="Rectangle 2"/>
+            <p:cNvSpPr/>
+            <p:nvPr/>
+          </p:nvSpPr>
+          <p:spPr>
+            <a:xfrm>
+              <a:off x="3639218" y="628650"/>
+              <a:ext cx="1828800" cy="548640"/>
+            </a:xfrm>
+            <a:prstGeom prst="rect">
+              <a:avLst/>
+            </a:prstGeom>
+            <a:ln>
+              <a:noFill/>
+            </a:ln>
+            <a:effectLst>
+              <a:outerShdw blurRad="44450" dist="27940" dir="5400000" algn="ctr">
+                <a:srgbClr val="000000">
+                  <a:alpha val="32000"/>
+                </a:srgbClr>
+              </a:outerShdw>
+            </a:effectLst>
+            <a:scene3d>
+              <a:camera prst="orthographicFront">
+                <a:rot lat="0" lon="0" rev="0"/>
+              </a:camera>
+              <a:lightRig rig="balanced" dir="t">
+                <a:rot lat="0" lon="0" rev="8700000"/>
+              </a:lightRig>
+            </a:scene3d>
+            <a:sp3d>
+              <a:bevelT w="190500" h="38100"/>
+            </a:sp3d>
+          </p:spPr>
+          <p:style>
+            <a:lnRef idx="2">
+              <a:schemeClr val="accent1">
+                <a:shade val="50000"/>
+              </a:schemeClr>
+            </a:lnRef>
+            <a:fillRef idx="1">
+              <a:schemeClr val="accent1"/>
+            </a:fillRef>
+            <a:effectRef idx="0">
+              <a:schemeClr val="accent1"/>
+            </a:effectRef>
+            <a:fontRef idx="minor">
+              <a:schemeClr val="lt1"/>
+            </a:fontRef>
+          </p:style>
+          <p:txBody>
+            <a:bodyPr rtlCol="0" anchor="ctr"/>
+            <a:lstStyle/>
+            <a:p>
+              <a:pPr algn="ctr"/>
+              <a:r>
+                <a:rPr lang="en-US" dirty="0" smtClean="0"/>
+                <a:t>Innovation Exploitation</a:t>
+              </a:r>
+              <a:endParaRPr lang="en-US" dirty="0"/>
+            </a:p>
+          </p:txBody>
+        </p:sp>
+        <p:sp>
+          <p:nvSpPr>
+            <p:cNvPr id="5" name="TextBox 4"/>
+            <p:cNvSpPr txBox="1"/>
+            <p:nvPr/>
+          </p:nvSpPr>
+          <p:spPr>
+            <a:xfrm>
+              <a:off x="3959258" y="1889760"/>
+              <a:ext cx="1188720" cy="369332"/>
+            </a:xfrm>
+            <a:prstGeom prst="rect">
+              <a:avLst/>
+            </a:prstGeom>
+            <a:noFill/>
+          </p:spPr>
+          <p:txBody>
+            <a:bodyPr wrap="square" rtlCol="0">
+              <a:spAutoFit/>
+            </a:bodyPr>
+            <a:lstStyle/>
+            <a:p>
+              <a:pPr algn="ctr"/>
+              <a:r>
+                <a:rPr lang="en-US" dirty="0" smtClean="0"/>
+                <a:t>Research</a:t>
+              </a:r>
+              <a:endParaRPr lang="en-US" dirty="0"/>
+            </a:p>
+          </p:txBody>
+        </p:sp>
+        <p:sp>
+          <p:nvSpPr>
+            <p:cNvPr id="6" name="TextBox 5"/>
+            <p:cNvSpPr txBox="1"/>
+            <p:nvPr/>
+          </p:nvSpPr>
+          <p:spPr>
+            <a:xfrm>
+              <a:off x="3776378" y="264795"/>
+              <a:ext cx="1554480" cy="365760"/>
+            </a:xfrm>
+            <a:prstGeom prst="rect">
+              <a:avLst/>
+            </a:prstGeom>
+            <a:noFill/>
+          </p:spPr>
+          <p:txBody>
+            <a:bodyPr wrap="square" rtlCol="0">
+              <a:spAutoFit/>
+            </a:bodyPr>
+            <a:lstStyle/>
+            <a:p>
+              <a:pPr algn="ctr"/>
+              <a:r>
+                <a:rPr lang="en-US" dirty="0" smtClean="0"/>
+                <a:t>Development</a:t>
+              </a:r>
+              <a:endParaRPr lang="en-US" dirty="0"/>
+            </a:p>
+          </p:txBody>
+        </p:sp>
+        <p:sp>
+          <p:nvSpPr>
+            <p:cNvPr id="7" name="Up Arrow 6"/>
+            <p:cNvSpPr/>
+            <p:nvPr/>
+          </p:nvSpPr>
+          <p:spPr>
+            <a:xfrm>
+              <a:off x="3262028" y="720566"/>
+              <a:ext cx="365760" cy="1142048"/>
+            </a:xfrm>
+            <a:prstGeom prst="upArrow">
+              <a:avLst/>
+            </a:prstGeom>
+            <a:solidFill>
+              <a:schemeClr val="tx1"/>
+            </a:solidFill>
+            <a:ln>
+              <a:noFill/>
+            </a:ln>
+            <a:effectLst>
+              <a:outerShdw blurRad="149987" dist="250190" dir="8460000" algn="ctr">
+                <a:srgbClr val="000000">
+                  <a:alpha val="28000"/>
+                </a:srgbClr>
+              </a:outerShdw>
+            </a:effectLst>
+            <a:scene3d>
+              <a:camera prst="orthographicFront">
+                <a:rot lat="0" lon="0" rev="0"/>
+              </a:camera>
+              <a:lightRig rig="contrasting" dir="t">
+                <a:rot lat="0" lon="0" rev="1500000"/>
+              </a:lightRig>
+            </a:scene3d>
+            <a:sp3d prstMaterial="metal">
+              <a:bevelT w="88900" h="88900"/>
+            </a:sp3d>
+          </p:spPr>
+          <p:style>
+            <a:lnRef idx="2">
+              <a:schemeClr val="accent1">
+                <a:shade val="50000"/>
+              </a:schemeClr>
+            </a:lnRef>
+            <a:fillRef idx="1">
+              <a:schemeClr val="accent1"/>
+            </a:fillRef>
+            <a:effectRef idx="0">
+              <a:schemeClr val="accent1"/>
+            </a:effectRef>
+            <a:fontRef idx="minor">
+              <a:schemeClr val="lt1"/>
+            </a:fontRef>
+          </p:style>
+          <p:txBody>
+            <a:bodyPr rtlCol="0" anchor="ctr"/>
+            <a:lstStyle/>
+            <a:p>
+              <a:pPr algn="ctr"/>
+              <a:endParaRPr lang="en-US"/>
+            </a:p>
+          </p:txBody>
+        </p:sp>
+        <p:sp>
+          <p:nvSpPr>
+            <p:cNvPr id="24" name="TextBox 23"/>
+            <p:cNvSpPr txBox="1"/>
+            <p:nvPr/>
+          </p:nvSpPr>
+          <p:spPr>
+            <a:xfrm>
+              <a:off x="3433478" y="2434590"/>
+              <a:ext cx="2240280" cy="307777"/>
+            </a:xfrm>
+            <a:prstGeom prst="rect">
+              <a:avLst/>
+            </a:prstGeom>
+            <a:noFill/>
+          </p:spPr>
+          <p:txBody>
+            <a:bodyPr wrap="square" rtlCol="0">
+              <a:spAutoFit/>
+            </a:bodyPr>
+            <a:lstStyle/>
+            <a:p>
+              <a:pPr algn="ctr"/>
+              <a:r>
+                <a:rPr lang="en-US" sz="1400" i="1" dirty="0" smtClean="0"/>
+                <a:t>Company A</a:t>
+              </a:r>
+              <a:endParaRPr lang="en-US" sz="1400" i="1" dirty="0"/>
+            </a:p>
+          </p:txBody>
+        </p:sp>
+      </p:grpSp>
+      <p:sp>
+        <p:nvSpPr>
+          <p:cNvPr id="25" name="TextBox 24"/>
+          <p:cNvSpPr txBox="1"/>
+          <p:nvPr/>
+        </p:nvSpPr>
+        <p:spPr>
+          <a:xfrm>
+            <a:off x="1261110" y="5140880"/>
+            <a:ext cx="2240280" cy="307777"/>
+          </a:xfrm>
+          <a:prstGeom prst="rect">
+            <a:avLst/>
+          </a:prstGeom>
+          <a:noFill/>
+        </p:spPr>
+        <p:txBody>
+          <a:bodyPr wrap="square" rtlCol="0">
+            <a:spAutoFit/>
+          </a:bodyPr>
+          <a:lstStyle/>
+          <a:p>
+            <a:pPr algn="ctr"/>
+            <a:r>
+              <a:rPr lang="en-US" sz="1400" i="1" dirty="0" smtClean="0"/>
+              <a:t>Company A</a:t>
+            </a:r>
+            <a:endParaRPr lang="en-US" sz="1400" i="1" dirty="0"/>
+          </a:p>
+        </p:txBody>
+      </p:sp>
+      <p:sp>
+        <p:nvSpPr>
+          <p:cNvPr id="26" name="TextBox 25"/>
+          <p:cNvSpPr txBox="1"/>
+          <p:nvPr/>
+        </p:nvSpPr>
+        <p:spPr>
+          <a:xfrm>
+            <a:off x="5810250" y="5155287"/>
+            <a:ext cx="2240280" cy="307777"/>
+          </a:xfrm>
+          <a:prstGeom prst="rect">
+            <a:avLst/>
+          </a:prstGeom>
+          <a:noFill/>
+        </p:spPr>
+        <p:txBody>
+          <a:bodyPr wrap="square" rtlCol="0">
+            <a:spAutoFit/>
+          </a:bodyPr>
+          <a:lstStyle/>
+          <a:p>
+            <a:pPr algn="ctr"/>
+            <a:r>
+              <a:rPr lang="en-US" sz="1400" i="1" dirty="0" smtClean="0"/>
+              <a:t>Company B</a:t>
+            </a:r>
+            <a:endParaRPr lang="en-US" sz="1400" i="1" dirty="0"/>
+          </a:p>
+        </p:txBody>
+      </p:sp>
+      <p:sp>
+        <p:nvSpPr>
+          <p:cNvPr id="27" name="TextBox 26"/>
+          <p:cNvSpPr txBox="1"/>
+          <p:nvPr/>
+        </p:nvSpPr>
+        <p:spPr>
+          <a:xfrm rot="16200000">
+            <a:off x="-556499" y="1129784"/>
+            <a:ext cx="1783080" cy="369332"/>
+          </a:xfrm>
+          <a:prstGeom prst="rect">
+            <a:avLst/>
+          </a:prstGeom>
+          <a:noFill/>
+        </p:spPr>
+        <p:txBody>
+          <a:bodyPr wrap="square" rtlCol="0">
+            <a:spAutoFit/>
+          </a:bodyPr>
+          <a:lstStyle/>
+          <a:p>
+            <a:pPr algn="ctr"/>
+            <a:r>
+              <a:rPr lang="en-US" dirty="0" smtClean="0"/>
+              <a:t>Intra-Firm View</a:t>
+            </a:r>
+            <a:endParaRPr lang="en-US" dirty="0"/>
+          </a:p>
+        </p:txBody>
+      </p:sp>
+      <p:sp>
+        <p:nvSpPr>
+          <p:cNvPr id="28" name="TextBox 27"/>
+          <p:cNvSpPr txBox="1"/>
+          <p:nvPr/>
+        </p:nvSpPr>
+        <p:spPr>
+          <a:xfrm rot="16200000">
+            <a:off x="-556498" y="3951389"/>
+            <a:ext cx="1783080" cy="369332"/>
+          </a:xfrm>
+          <a:prstGeom prst="rect">
+            <a:avLst/>
+          </a:prstGeom>
+          <a:noFill/>
+        </p:spPr>
+        <p:txBody>
+          <a:bodyPr wrap="square" rtlCol="0">
+            <a:spAutoFit/>
+          </a:bodyPr>
+          <a:lstStyle/>
+          <a:p>
+            <a:pPr algn="ctr"/>
+            <a:r>
+              <a:rPr lang="en-US" dirty="0" smtClean="0"/>
+              <a:t>Ecosystem View</a:t>
+            </a:r>
+            <a:endParaRPr lang="en-US" dirty="0"/>
+          </a:p>
+        </p:txBody>
+      </p:sp>
+      <p:sp>
+        <p:nvSpPr>
+          <p:cNvPr id="29" name="Up Arrow 28"/>
+          <p:cNvSpPr/>
+          <p:nvPr/>
+        </p:nvSpPr>
+        <p:spPr>
+          <a:xfrm rot="14617458" flipH="1">
+            <a:off x="5497179" y="3355694"/>
+            <a:ext cx="365760" cy="548640"/>
+          </a:xfrm>
+          <a:prstGeom prst="upArrow">
+            <a:avLst/>
+          </a:prstGeom>
+          <a:solidFill>
+            <a:schemeClr val="tx1"/>
+          </a:solidFill>
+          <a:ln>
+            <a:noFill/>
+          </a:ln>
+          <a:effectLst>
+            <a:outerShdw blurRad="149987" dist="250190" dir="8460000" algn="ctr">
+              <a:srgbClr val="000000">
+                <a:alpha val="28000"/>
+              </a:srgbClr>
+            </a:outerShdw>
+          </a:effectLst>
+          <a:scene3d>
+            <a:camera prst="orthographicFront">
+              <a:rot lat="0" lon="0" rev="0"/>
+            </a:camera>
+            <a:lightRig rig="contrasting" dir="t">
+              <a:rot lat="0" lon="0" rev="1500000"/>
+            </a:lightRig>
+          </a:scene3d>
+          <a:sp3d prstMaterial="metal">
+            <a:bevelT w="88900" h="88900"/>
+          </a:sp3d>
+        </p:spPr>
+        <p:style>
+          <a:lnRef idx="2">
+            <a:schemeClr val="accent1">
+              <a:shade val="50000"/>
+            </a:schemeClr>
+          </a:lnRef>
+          <a:fillRef idx="1">
+            <a:schemeClr val="accent1"/>
+          </a:fillRef>
+          <a:effectRef idx="0">
+            <a:schemeClr val="accent1"/>
+          </a:effectRef>
+          <a:fontRef idx="minor">
+            <a:schemeClr val="lt1"/>
+          </a:fontRef>
+        </p:style>
+        <p:txBody>
+          <a:bodyPr rtlCol="0" anchor="ctr"/>
+          <a:lstStyle/>
+          <a:p>
+            <a:pPr algn="ctr"/>
+            <a:endParaRPr lang="en-US"/>
+          </a:p>
+        </p:txBody>
+      </p:sp>
+      <p:sp>
+        <p:nvSpPr>
+          <p:cNvPr id="30" name="Up Arrow 29"/>
+          <p:cNvSpPr/>
+          <p:nvPr/>
+        </p:nvSpPr>
+        <p:spPr>
+          <a:xfrm rot="7053874" flipH="1">
+            <a:off x="5508758" y="4038129"/>
+            <a:ext cx="365760" cy="548640"/>
+          </a:xfrm>
+          <a:prstGeom prst="upArrow">
+            <a:avLst/>
+          </a:prstGeom>
+          <a:solidFill>
+            <a:schemeClr val="tx1"/>
+          </a:solidFill>
+          <a:ln>
+            <a:noFill/>
+          </a:ln>
+          <a:effectLst>
+            <a:outerShdw blurRad="149987" dist="250190" dir="8460000" algn="ctr">
+              <a:srgbClr val="000000">
+                <a:alpha val="28000"/>
+              </a:srgbClr>
+            </a:outerShdw>
+          </a:effectLst>
+          <a:scene3d>
+            <a:camera prst="orthographicFront">
+              <a:rot lat="0" lon="0" rev="0"/>
+            </a:camera>
+            <a:lightRig rig="contrasting" dir="t">
+              <a:rot lat="0" lon="0" rev="1500000"/>
+            </a:lightRig>
+          </a:scene3d>
+          <a:sp3d prstMaterial="metal">
+            <a:bevelT w="88900" h="88900"/>
+          </a:sp3d>
+        </p:spPr>
+        <p:style>
+          <a:lnRef idx="2">
+            <a:schemeClr val="accent1">
+              <a:shade val="50000"/>
+            </a:schemeClr>
+          </a:lnRef>
+          <a:fillRef idx="1">
+            <a:schemeClr val="accent1"/>
+          </a:fillRef>
+          <a:effectRef idx="0">
+            <a:schemeClr val="accent1"/>
+          </a:effectRef>
+          <a:fontRef idx="minor">
+            <a:schemeClr val="lt1"/>
+          </a:fontRef>
+        </p:style>
+        <p:txBody>
+          <a:bodyPr rtlCol="0" anchor="ctr"/>
+          <a:lstStyle/>
+          <a:p>
+            <a:pPr algn="ctr"/>
+            <a:endParaRPr lang="en-US"/>
+          </a:p>
+        </p:txBody>
+      </p:sp>
+      <p:sp>
+        <p:nvSpPr>
+          <p:cNvPr id="22" name="Oval 21"/>
+          <p:cNvSpPr/>
+          <p:nvPr/>
+        </p:nvSpPr>
+        <p:spPr>
+          <a:xfrm>
+            <a:off x="3878580" y="3220640"/>
+            <a:ext cx="1554480" cy="1554480"/>
+          </a:xfrm>
+          <a:prstGeom prst="ellipse">
+            <a:avLst/>
+          </a:prstGeom>
+          <a:solidFill>
+            <a:schemeClr val="accent6"/>
+          </a:solidFill>
+          <a:ln>
+            <a:noFill/>
+          </a:ln>
+          <a:effectLst>
+            <a:outerShdw blurRad="44450" dist="27940" dir="5400000" algn="ctr">
+              <a:srgbClr val="000000">
+                <a:alpha val="32000"/>
+              </a:srgbClr>
+            </a:outerShdw>
+          </a:effectLst>
+          <a:scene3d>
+            <a:camera prst="orthographicFront">
+              <a:rot lat="0" lon="0" rev="0"/>
+            </a:camera>
+            <a:lightRig rig="balanced" dir="t">
+              <a:rot lat="0" lon="0" rev="8700000"/>
+            </a:lightRig>
+          </a:scene3d>
+          <a:sp3d>
+            <a:bevelT w="190500" h="38100"/>
+          </a:sp3d>
+        </p:spPr>
+        <p:style>
+          <a:lnRef idx="2">
+            <a:schemeClr val="accent1">
+              <a:shade val="50000"/>
+            </a:schemeClr>
+          </a:lnRef>
+          <a:fillRef idx="1">
+            <a:schemeClr val="accent1"/>
+          </a:fillRef>
+          <a:effectRef idx="0">
+            <a:schemeClr val="accent1"/>
+          </a:effectRef>
+          <a:fontRef idx="minor">
+            <a:schemeClr val="lt1"/>
+          </a:fontRef>
+        </p:style>
+        <p:txBody>
+          <a:bodyPr lIns="45720" rIns="45720" rtlCol="0" anchor="ctr"/>
+          <a:lstStyle/>
+          <a:p>
+            <a:pPr algn="ctr"/>
+            <a:r>
+              <a:rPr lang="en-US" dirty="0" smtClean="0"/>
+              <a:t>Innovation Market</a:t>
+            </a:r>
+            <a:endParaRPr lang="en-US" dirty="0"/>
+          </a:p>
+        </p:txBody>
+      </p:sp>
+      <p:pic>
+        <p:nvPicPr>
+          <p:cNvPr id="4098" name="Picture 2" descr="https://openclipart.org/image/800px/svg_to_png/104569/institution-icon.png"/>
+          <p:cNvPicPr>
+            <a:picLocks noChangeAspect="1" noChangeArrowheads="1"/>
+          </p:cNvPicPr>
+          <p:nvPr/>
+        </p:nvPicPr>
+        <p:blipFill>
+          <a:blip r:embed="rId3" cstate="print">
+            <a:extLst>
+              <a:ext uri="{28A0092B-C50C-407E-A947-70E740481C1C}">
+                <a14:useLocalDpi xmlns:a14="http://schemas.microsoft.com/office/drawing/2010/main" val="0"/>
+              </a:ext>
+            </a:extLst>
+          </a:blip>
+          <a:srcRect/>
+          <a:stretch>
+            <a:fillRect/>
+          </a:stretch>
+        </p:blipFill>
+        <p:spPr bwMode="auto">
+          <a:xfrm>
+            <a:off x="4404360" y="4914424"/>
+            <a:ext cx="548640" cy="548640"/>
+          </a:xfrm>
+          <a:prstGeom prst="rect">
+            <a:avLst/>
+          </a:prstGeom>
+          <a:noFill/>
+          <a:extLst>
+            <a:ext uri="{909E8E84-426E-40DD-AFC4-6F175D3DCCD1}">
+              <a14:hiddenFill xmlns:a14="http://schemas.microsoft.com/office/drawing/2010/main">
+                <a:solidFill>
+                  <a:srgbClr val="FFFFFF"/>
+                </a:solidFill>
+              </a14:hiddenFill>
+            </a:ext>
+          </a:extLst>
+        </p:spPr>
+      </p:pic>
+      <p:sp>
+        <p:nvSpPr>
+          <p:cNvPr id="32" name="TextBox 31"/>
+          <p:cNvSpPr txBox="1"/>
+          <p:nvPr/>
+        </p:nvSpPr>
+        <p:spPr>
+          <a:xfrm>
+            <a:off x="3558540" y="5407223"/>
+            <a:ext cx="2240280" cy="307777"/>
+          </a:xfrm>
+          <a:prstGeom prst="rect">
+            <a:avLst/>
+          </a:prstGeom>
+          <a:noFill/>
+        </p:spPr>
+        <p:txBody>
+          <a:bodyPr wrap="square" rtlCol="0">
+            <a:spAutoFit/>
+          </a:bodyPr>
+          <a:lstStyle/>
+          <a:p>
+            <a:pPr algn="ctr"/>
+            <a:r>
+              <a:rPr lang="en-US" sz="1400" i="1" dirty="0" smtClean="0"/>
+              <a:t>Universities</a:t>
+            </a:r>
+            <a:endParaRPr lang="en-US" sz="1400" i="1" dirty="0"/>
+          </a:p>
+        </p:txBody>
+      </p:sp>
+      <p:sp>
+        <p:nvSpPr>
+          <p:cNvPr id="33" name="Up Arrow 32"/>
+          <p:cNvSpPr/>
+          <p:nvPr/>
+        </p:nvSpPr>
+        <p:spPr>
+          <a:xfrm>
+            <a:off x="4495800" y="4579083"/>
+            <a:ext cx="365760" cy="365760"/>
+          </a:xfrm>
+          <a:prstGeom prst="upArrow">
+            <a:avLst/>
+          </a:prstGeom>
+          <a:solidFill>
+            <a:schemeClr val="tx1"/>
+          </a:solidFill>
+          <a:ln>
+            <a:noFill/>
+          </a:ln>
+          <a:effectLst>
+            <a:outerShdw blurRad="149987" dist="250190" dir="8460000" algn="ctr">
+              <a:srgbClr val="000000">
+                <a:alpha val="28000"/>
+              </a:srgbClr>
+            </a:outerShdw>
+          </a:effectLst>
+          <a:scene3d>
+            <a:camera prst="orthographicFront">
+              <a:rot lat="0" lon="0" rev="0"/>
+            </a:camera>
+            <a:lightRig rig="contrasting" dir="t">
+              <a:rot lat="0" lon="0" rev="1500000"/>
+            </a:lightRig>
+          </a:scene3d>
+          <a:sp3d prstMaterial="metal">
+            <a:bevelT w="88900" h="88900"/>
+          </a:sp3d>
+        </p:spPr>
+        <p:style>
+          <a:lnRef idx="2">
+            <a:schemeClr val="accent1">
+              <a:shade val="50000"/>
+            </a:schemeClr>
+          </a:lnRef>
+          <a:fillRef idx="1">
+            <a:schemeClr val="accent1"/>
+          </a:fillRef>
+          <a:effectRef idx="0">
+            <a:schemeClr val="accent1"/>
+          </a:effectRef>
+          <a:fontRef idx="minor">
+            <a:schemeClr val="lt1"/>
+          </a:fontRef>
+        </p:style>
+        <p:txBody>
+          <a:bodyPr rtlCol="0" anchor="ctr"/>
+          <a:lstStyle/>
+          <a:p>
+            <a:pPr algn="ctr"/>
+            <a:endParaRPr lang="en-US"/>
+          </a:p>
+        </p:txBody>
+      </p:sp>
+      <p:sp>
+        <p:nvSpPr>
+          <p:cNvPr id="34" name="Slide Number Placeholder 33"/>
+          <p:cNvSpPr>
+            <a:spLocks noGrp="1"/>
+          </p:cNvSpPr>
+          <p:nvPr>
+            <p:ph type="sldNum" sz="quarter" idx="12"/>
+          </p:nvPr>
+        </p:nvSpPr>
+        <p:spPr/>
+        <p:txBody>
+          <a:bodyPr/>
+          <a:lstStyle/>
+          <a:p>
+            <a:fld id="{C3F44E33-38A6-49FF-B286-CF655111B6FC}" type="slidenum">
+              <a:rPr lang="en-US" smtClean="0"/>
+              <a:t>4</a:t>
+            </a:fld>
+            <a:endParaRPr lang="en-US"/>
+          </a:p>
+        </p:txBody>
+      </p:sp>
+    </p:spTree>
+    <p:extLst>
+      <p:ext uri="{BB962C8B-B14F-4D97-AF65-F5344CB8AC3E}">
+        <p14:creationId xmlns:p14="http://schemas.microsoft.com/office/powerpoint/2010/main" val="4132710217"/>
+      </p:ext>
+    </p:extLst>
+  </p:cSld>
+  <p:clrMapOvr>
+    <a:masterClrMapping/>
+  </p:clrMapOvr>
+</p:sld>
+</file>
+
+<file path=ppt/slides/slide5.xml><?xml version="1.0" encoding="utf-8"?>
+<p:sld xmlns:a="http://schemas.openxmlformats.org/drawingml/2006/main" xmlns:r="http://schemas.openxmlformats.org/officeDocument/2006/relationships" xmlns:p="http://schemas.openxmlformats.org/presentationml/2006/main">
+  <p:cSld>
+    <p:spTree>
+      <p:nvGrpSpPr>
+        <p:cNvPr id="1" name=""/>
+        <p:cNvGrpSpPr/>
+        <p:nvPr/>
+      </p:nvGrpSpPr>
+      <p:grpSpPr>
+        <a:xfrm>
+          <a:off x="0" y="0"/>
+          <a:ext cx="0" cy="0"/>
+          <a:chOff x="0" y="0"/>
+          <a:chExt cx="0" cy="0"/>
+        </a:xfrm>
+      </p:grpSpPr>
+      <p:sp>
+        <p:nvSpPr>
+          <p:cNvPr id="2" name="TextBox 1"/>
+          <p:cNvSpPr txBox="1"/>
+          <p:nvPr/>
+        </p:nvSpPr>
+        <p:spPr>
+          <a:xfrm>
+            <a:off x="0" y="400050"/>
+            <a:ext cx="9144000" cy="369332"/>
+          </a:xfrm>
+          <a:prstGeom prst="rect">
+            <a:avLst/>
+          </a:prstGeom>
+          <a:noFill/>
+        </p:spPr>
+        <p:txBody>
+          <a:bodyPr wrap="square" rtlCol="0">
+            <a:spAutoFit/>
+          </a:bodyPr>
+          <a:lstStyle/>
+          <a:p>
+            <a:r>
+              <a:rPr lang="en-US" b="1" dirty="0" smtClean="0"/>
+              <a:t>Hypothesis 1:</a:t>
+            </a:r>
+            <a:r>
+              <a:rPr lang="en-US" dirty="0" smtClean="0"/>
+              <a:t> Sponsored research is negatively related to commercialization outcomes.</a:t>
+            </a:r>
+            <a:endParaRPr lang="en-US" dirty="0"/>
+          </a:p>
+        </p:txBody>
+      </p:sp>
+      <p:sp>
+        <p:nvSpPr>
+          <p:cNvPr id="3" name="TextBox 2"/>
+          <p:cNvSpPr txBox="1"/>
+          <p:nvPr/>
+        </p:nvSpPr>
+        <p:spPr>
+          <a:xfrm>
+            <a:off x="0" y="1023509"/>
+            <a:ext cx="9144000" cy="646331"/>
+          </a:xfrm>
+          <a:prstGeom prst="rect">
+            <a:avLst/>
+          </a:prstGeom>
+          <a:noFill/>
+        </p:spPr>
+        <p:txBody>
+          <a:bodyPr wrap="square" rtlCol="0">
+            <a:spAutoFit/>
+          </a:bodyPr>
+          <a:lstStyle/>
+          <a:p>
+            <a:r>
+              <a:rPr lang="en-US" b="1" dirty="0" smtClean="0"/>
+              <a:t>Hypothesis 2:</a:t>
+            </a:r>
+            <a:r>
+              <a:rPr lang="en-US" dirty="0" smtClean="0"/>
+              <a:t> </a:t>
+            </a:r>
+            <a:r>
+              <a:rPr lang="en-US" dirty="0"/>
+              <a:t>A </a:t>
+            </a:r>
+            <a:r>
+              <a:rPr lang="en-US" dirty="0" smtClean="0"/>
+              <a:t>disproportional </a:t>
+            </a:r>
+            <a:r>
+              <a:rPr lang="en-US" dirty="0"/>
+              <a:t>or ongoing use of licensing-for-cash strategies is negatively</a:t>
+            </a:r>
+          </a:p>
+          <a:p>
+            <a:r>
+              <a:rPr lang="en-US" dirty="0"/>
+              <a:t>related to commercialization outcomes</a:t>
+            </a:r>
+            <a:r>
+              <a:rPr lang="en-US" dirty="0" smtClean="0"/>
+              <a:t>.</a:t>
+            </a:r>
+            <a:endParaRPr lang="en-US" dirty="0"/>
+          </a:p>
+        </p:txBody>
+      </p:sp>
+      <p:sp>
+        <p:nvSpPr>
+          <p:cNvPr id="5" name="TextBox 4"/>
+          <p:cNvSpPr txBox="1"/>
+          <p:nvPr/>
+        </p:nvSpPr>
+        <p:spPr>
+          <a:xfrm>
+            <a:off x="0" y="1923967"/>
+            <a:ext cx="9144000" cy="646331"/>
+          </a:xfrm>
+          <a:prstGeom prst="rect">
+            <a:avLst/>
+          </a:prstGeom>
+          <a:noFill/>
+        </p:spPr>
+        <p:txBody>
+          <a:bodyPr wrap="square" rtlCol="0">
+            <a:spAutoFit/>
+          </a:bodyPr>
+          <a:lstStyle/>
+          <a:p>
+            <a:r>
+              <a:rPr lang="en-US" b="1" dirty="0" smtClean="0"/>
+              <a:t>Hypothesis 3: </a:t>
+            </a:r>
+            <a:r>
+              <a:rPr lang="en-US" dirty="0"/>
+              <a:t>An </a:t>
+            </a:r>
+            <a:r>
+              <a:rPr lang="en-US" dirty="0" smtClean="0"/>
+              <a:t>autonomous </a:t>
+            </a:r>
+            <a:r>
+              <a:rPr lang="en-US" dirty="0"/>
+              <a:t>or </a:t>
+            </a:r>
+            <a:r>
+              <a:rPr lang="en-US" dirty="0" smtClean="0"/>
+              <a:t>decentralized </a:t>
+            </a:r>
+            <a:r>
+              <a:rPr lang="en-US" dirty="0"/>
+              <a:t>organizational structure is positively</a:t>
+            </a:r>
+          </a:p>
+          <a:p>
+            <a:r>
+              <a:rPr lang="en-US" dirty="0"/>
+              <a:t>related to commercialization outcomes.</a:t>
+            </a:r>
+          </a:p>
+        </p:txBody>
+      </p:sp>
+      <p:sp>
+        <p:nvSpPr>
+          <p:cNvPr id="6" name="TextBox 5"/>
+          <p:cNvSpPr txBox="1"/>
+          <p:nvPr/>
+        </p:nvSpPr>
+        <p:spPr>
+          <a:xfrm>
+            <a:off x="0" y="2824425"/>
+            <a:ext cx="9144000" cy="646331"/>
+          </a:xfrm>
+          <a:prstGeom prst="rect">
+            <a:avLst/>
+          </a:prstGeom>
+          <a:noFill/>
+        </p:spPr>
+        <p:txBody>
+          <a:bodyPr wrap="square" rtlCol="0">
+            <a:spAutoFit/>
+          </a:bodyPr>
+          <a:lstStyle/>
+          <a:p>
+            <a:r>
+              <a:rPr lang="en-US" b="1" dirty="0" smtClean="0"/>
+              <a:t>Hypothesis 4: </a:t>
+            </a:r>
+            <a:r>
+              <a:rPr lang="en-US" dirty="0"/>
+              <a:t>The greater the royalty share universities allocate to inventors, the</a:t>
+            </a:r>
+          </a:p>
+          <a:p>
+            <a:r>
+              <a:rPr lang="en-US" dirty="0"/>
+              <a:t>greater the commercialization outcomes.</a:t>
+            </a:r>
+          </a:p>
+        </p:txBody>
+      </p:sp>
+      <p:sp>
+        <p:nvSpPr>
+          <p:cNvPr id="7" name="TextBox 6"/>
+          <p:cNvSpPr txBox="1"/>
+          <p:nvPr/>
+        </p:nvSpPr>
+        <p:spPr>
+          <a:xfrm>
+            <a:off x="0" y="3724883"/>
+            <a:ext cx="9144000" cy="646331"/>
+          </a:xfrm>
+          <a:prstGeom prst="rect">
+            <a:avLst/>
+          </a:prstGeom>
+          <a:noFill/>
+        </p:spPr>
+        <p:txBody>
+          <a:bodyPr wrap="square" rtlCol="0">
+            <a:spAutoFit/>
+          </a:bodyPr>
+          <a:lstStyle/>
+          <a:p>
+            <a:r>
+              <a:rPr lang="en-US" b="1" dirty="0" smtClean="0"/>
+              <a:t>Hypothesis 5: </a:t>
+            </a:r>
+            <a:r>
+              <a:rPr lang="en-US" dirty="0"/>
+              <a:t>Generous royalty sharing between universities and departments is associated</a:t>
+            </a:r>
+          </a:p>
+          <a:p>
+            <a:r>
+              <a:rPr lang="en-US" dirty="0"/>
+              <a:t>with greater commercialization outcomes.</a:t>
+            </a:r>
+          </a:p>
+        </p:txBody>
+      </p:sp>
+      <p:sp>
+        <p:nvSpPr>
+          <p:cNvPr id="8" name="TextBox 7"/>
+          <p:cNvSpPr txBox="1"/>
+          <p:nvPr/>
+        </p:nvSpPr>
+        <p:spPr>
+          <a:xfrm>
+            <a:off x="0" y="4625340"/>
+            <a:ext cx="9144000" cy="646331"/>
+          </a:xfrm>
+          <a:prstGeom prst="rect">
+            <a:avLst/>
+          </a:prstGeom>
+          <a:noFill/>
+        </p:spPr>
+        <p:txBody>
+          <a:bodyPr wrap="square" rtlCol="0">
+            <a:spAutoFit/>
+          </a:bodyPr>
+          <a:lstStyle/>
+          <a:p>
+            <a:r>
+              <a:rPr lang="en-US" b="1" dirty="0" smtClean="0"/>
+              <a:t>Hypothesis 6</a:t>
+            </a:r>
+            <a:r>
+              <a:rPr lang="en-US" b="1" dirty="0"/>
+              <a:t>: </a:t>
+            </a:r>
+            <a:r>
+              <a:rPr lang="en-US" dirty="0"/>
+              <a:t>Higher pay for TLO officers is positively related to greater commercialization</a:t>
+            </a:r>
+          </a:p>
+          <a:p>
+            <a:r>
+              <a:rPr lang="en-US" dirty="0"/>
+              <a:t>outcomes.</a:t>
+            </a:r>
+          </a:p>
+        </p:txBody>
+      </p:sp>
+      <p:sp>
+        <p:nvSpPr>
+          <p:cNvPr id="9" name="Slide Number Placeholder 8"/>
+          <p:cNvSpPr>
+            <a:spLocks noGrp="1"/>
+          </p:cNvSpPr>
+          <p:nvPr>
+            <p:ph type="sldNum" sz="quarter" idx="12"/>
+          </p:nvPr>
+        </p:nvSpPr>
+        <p:spPr/>
+        <p:txBody>
+          <a:bodyPr/>
+          <a:lstStyle/>
+          <a:p>
+            <a:fld id="{C3F44E33-38A6-49FF-B286-CF655111B6FC}" type="slidenum">
+              <a:rPr lang="en-US" smtClean="0"/>
+              <a:t>5</a:t>
+            </a:fld>
+            <a:endParaRPr lang="en-US"/>
+          </a:p>
+        </p:txBody>
+      </p:sp>
+    </p:spTree>
+    <p:extLst>
+      <p:ext uri="{BB962C8B-B14F-4D97-AF65-F5344CB8AC3E}">
+        <p14:creationId xmlns:p14="http://schemas.microsoft.com/office/powerpoint/2010/main" val="2181999588"/>
+      </p:ext>
+    </p:extLst>
+  </p:cSld>
+  <p:clrMapOvr>
+    <a:masterClrMapping/>
+  </p:clrMapOvr>
+</p:sld>
+</file>
+
+<file path=ppt/slides/slide6.xml><?xml version="1.0" encoding="utf-8"?>
+<p:sld xmlns:a="http://schemas.openxmlformats.org/drawingml/2006/main" xmlns:r="http://schemas.openxmlformats.org/officeDocument/2006/relationships" xmlns:p="http://schemas.openxmlformats.org/presentationml/2006/main">
+  <p:cSld>
+    <p:spTree>
+      <p:nvGrpSpPr>
+        <p:cNvPr id="1" name=""/>
+        <p:cNvGrpSpPr/>
+        <p:nvPr/>
+      </p:nvGrpSpPr>
+      <p:grpSpPr>
+        <a:xfrm>
+          <a:off x="0" y="0"/>
+          <a:ext cx="0" cy="0"/>
+          <a:chOff x="0" y="0"/>
+          <a:chExt cx="0" cy="0"/>
+        </a:xfrm>
+      </p:grpSpPr>
+      <p:sp>
+        <p:nvSpPr>
+          <p:cNvPr id="2" name="TextBox 1"/>
+          <p:cNvSpPr txBox="1"/>
+          <p:nvPr/>
+        </p:nvSpPr>
+        <p:spPr>
+          <a:xfrm>
+            <a:off x="0" y="11429"/>
+            <a:ext cx="9144000" cy="5632311"/>
+          </a:xfrm>
+          <a:prstGeom prst="rect">
+            <a:avLst/>
+          </a:prstGeom>
+          <a:noFill/>
+        </p:spPr>
+        <p:txBody>
+          <a:bodyPr wrap="square" rtlCol="0">
+            <a:spAutoFit/>
+          </a:bodyPr>
+          <a:lstStyle/>
+          <a:p>
+            <a:r>
+              <a:rPr lang="en-US" b="1" u="sng" dirty="0" smtClean="0"/>
+              <a:t>Dependent Variables</a:t>
+            </a:r>
+          </a:p>
+          <a:p>
+            <a:r>
+              <a:rPr lang="en-US" dirty="0" err="1" smtClean="0"/>
+              <a:t>licRev</a:t>
+            </a:r>
+            <a:r>
+              <a:rPr lang="en-US" dirty="0" smtClean="0"/>
+              <a:t> </a:t>
+            </a:r>
+            <a:r>
+              <a:rPr lang="en-US" dirty="0" smtClean="0">
+                <a:sym typeface="Symbol"/>
+              </a:rPr>
+              <a:t> </a:t>
+            </a:r>
+            <a:r>
+              <a:rPr lang="en-US" dirty="0" smtClean="0"/>
+              <a:t>average annual revenues from commercializing intellectual property (1999-2000)</a:t>
+            </a:r>
+          </a:p>
+          <a:p>
+            <a:r>
+              <a:rPr lang="en-US" dirty="0" err="1" smtClean="0"/>
+              <a:t>firmCreation</a:t>
+            </a:r>
+            <a:r>
+              <a:rPr lang="en-US" dirty="0" smtClean="0"/>
+              <a:t> </a:t>
+            </a:r>
+            <a:r>
+              <a:rPr lang="en-US" dirty="0">
+                <a:sym typeface="Symbol"/>
+              </a:rPr>
+              <a:t> </a:t>
+            </a:r>
+            <a:r>
+              <a:rPr lang="en-US" dirty="0" smtClean="0">
+                <a:sym typeface="Symbol"/>
+              </a:rPr>
+              <a:t>avg. no. </a:t>
+            </a:r>
+            <a:r>
+              <a:rPr lang="en-US" dirty="0">
+                <a:sym typeface="Symbol"/>
+              </a:rPr>
+              <a:t>of yearly </a:t>
+            </a:r>
+            <a:r>
+              <a:rPr lang="en-US" dirty="0" smtClean="0">
+                <a:sym typeface="Symbol"/>
+              </a:rPr>
+              <a:t>spinouts from </a:t>
+            </a:r>
+            <a:r>
+              <a:rPr lang="en-US" dirty="0">
+                <a:sym typeface="Symbol"/>
+              </a:rPr>
+              <a:t>technology transfer activities (1998–2001</a:t>
+            </a:r>
+            <a:r>
+              <a:rPr lang="en-US" dirty="0" smtClean="0">
+                <a:sym typeface="Symbol"/>
+              </a:rPr>
+              <a:t>)</a:t>
+            </a:r>
+            <a:endParaRPr lang="en-US" dirty="0" smtClean="0"/>
+          </a:p>
+          <a:p>
+            <a:endParaRPr lang="en-US" dirty="0" smtClean="0"/>
+          </a:p>
+          <a:p>
+            <a:r>
+              <a:rPr lang="en-US" b="1" u="sng" dirty="0"/>
+              <a:t>Study Variables</a:t>
+            </a:r>
+          </a:p>
+          <a:p>
+            <a:r>
+              <a:rPr lang="en-US" dirty="0" err="1" smtClean="0">
+                <a:solidFill>
+                  <a:prstClr val="black"/>
+                </a:solidFill>
+                <a:sym typeface="Symbol"/>
+              </a:rPr>
+              <a:t>facQual</a:t>
+            </a:r>
+            <a:r>
+              <a:rPr lang="en-US" dirty="0" smtClean="0">
+                <a:solidFill>
+                  <a:prstClr val="black"/>
+                </a:solidFill>
+                <a:sym typeface="Symbol"/>
+              </a:rPr>
+              <a:t>  1995 National Survey of Graduate Faculty score for the institution (1=poor; 5 = </a:t>
+            </a:r>
+            <a:r>
+              <a:rPr lang="en-US" dirty="0" err="1" smtClean="0">
+                <a:solidFill>
+                  <a:prstClr val="black"/>
+                </a:solidFill>
+                <a:sym typeface="Symbol"/>
+              </a:rPr>
+              <a:t>dist</a:t>
+            </a:r>
+            <a:r>
+              <a:rPr lang="en-US" dirty="0" smtClean="0">
+                <a:solidFill>
+                  <a:prstClr val="black"/>
+                </a:solidFill>
+                <a:sym typeface="Symbol"/>
+              </a:rPr>
+              <a:t>)</a:t>
+            </a:r>
+            <a:endParaRPr lang="en-US" dirty="0"/>
+          </a:p>
+          <a:p>
+            <a:r>
+              <a:rPr lang="en-US" dirty="0" err="1" smtClean="0">
+                <a:solidFill>
+                  <a:prstClr val="black"/>
+                </a:solidFill>
+                <a:sym typeface="Symbol"/>
+              </a:rPr>
+              <a:t>sponsRes</a:t>
+            </a:r>
+            <a:r>
+              <a:rPr lang="en-US" dirty="0" smtClean="0">
+                <a:solidFill>
+                  <a:prstClr val="black"/>
+                </a:solidFill>
+                <a:sym typeface="Symbol"/>
+              </a:rPr>
+              <a:t>  percent of commercialization via s</a:t>
+            </a:r>
+            <a:r>
+              <a:rPr lang="en-US" dirty="0" smtClean="0"/>
+              <a:t>ponsored </a:t>
+            </a:r>
+            <a:r>
+              <a:rPr lang="en-US" dirty="0"/>
+              <a:t>research </a:t>
+            </a:r>
+            <a:r>
+              <a:rPr lang="en-US" dirty="0" smtClean="0"/>
+              <a:t>agreements</a:t>
+            </a:r>
+            <a:endParaRPr lang="en-US" dirty="0"/>
+          </a:p>
+          <a:p>
+            <a:r>
+              <a:rPr lang="en-US" dirty="0" err="1" smtClean="0">
+                <a:solidFill>
+                  <a:prstClr val="black"/>
+                </a:solidFill>
+                <a:sym typeface="Symbol"/>
+              </a:rPr>
+              <a:t>licAgmnt</a:t>
+            </a:r>
+            <a:r>
+              <a:rPr lang="en-US" dirty="0" smtClean="0">
+                <a:solidFill>
+                  <a:prstClr val="black"/>
+                </a:solidFill>
+                <a:sym typeface="Symbol"/>
+              </a:rPr>
+              <a:t>  percent of commercialization via l</a:t>
+            </a:r>
+            <a:r>
+              <a:rPr lang="en-US" dirty="0" smtClean="0"/>
+              <a:t>icensing </a:t>
+            </a:r>
+            <a:r>
+              <a:rPr lang="en-US" dirty="0"/>
+              <a:t>agreements </a:t>
+            </a:r>
+          </a:p>
+          <a:p>
+            <a:r>
+              <a:rPr lang="en-US" dirty="0" err="1" smtClean="0">
+                <a:solidFill>
+                  <a:prstClr val="black"/>
+                </a:solidFill>
+                <a:sym typeface="Symbol"/>
+              </a:rPr>
+              <a:t>autoLow</a:t>
+            </a:r>
+            <a:r>
+              <a:rPr lang="en-US" dirty="0" smtClean="0">
+                <a:solidFill>
+                  <a:prstClr val="black"/>
+                </a:solidFill>
+                <a:sym typeface="Symbol"/>
+              </a:rPr>
+              <a:t>  </a:t>
+            </a:r>
+            <a:r>
+              <a:rPr lang="en-US" dirty="0" smtClean="0">
+                <a:sym typeface="Symbol"/>
+              </a:rPr>
+              <a:t>technology licensing office has low degree of </a:t>
+            </a:r>
+            <a:r>
+              <a:rPr lang="en-US" dirty="0" smtClean="0"/>
+              <a:t>autonomy (1 = yes; 0 = no)</a:t>
+            </a:r>
+            <a:endParaRPr lang="en-US" dirty="0"/>
+          </a:p>
+          <a:p>
+            <a:r>
+              <a:rPr lang="en-US" dirty="0" err="1" smtClean="0">
+                <a:solidFill>
+                  <a:prstClr val="black"/>
+                </a:solidFill>
+                <a:sym typeface="Symbol"/>
+              </a:rPr>
+              <a:t>autoHigh</a:t>
+            </a:r>
+            <a:r>
+              <a:rPr lang="en-US" dirty="0" smtClean="0">
+                <a:solidFill>
+                  <a:prstClr val="black"/>
+                </a:solidFill>
+                <a:sym typeface="Symbol"/>
+              </a:rPr>
+              <a:t>  technology licensing office has h</a:t>
+            </a:r>
+            <a:r>
+              <a:rPr lang="en-US" dirty="0" smtClean="0"/>
+              <a:t>igh degree of autonomy  (1 = yes; 0 = no)</a:t>
+            </a:r>
+            <a:endParaRPr lang="en-US" dirty="0"/>
+          </a:p>
+          <a:p>
+            <a:r>
+              <a:rPr lang="en-US" dirty="0" err="1" smtClean="0"/>
+              <a:t>compInv</a:t>
+            </a:r>
+            <a:r>
+              <a:rPr lang="en-US" dirty="0" smtClean="0"/>
+              <a:t> </a:t>
+            </a:r>
+            <a:r>
+              <a:rPr lang="en-US" dirty="0">
+                <a:solidFill>
+                  <a:prstClr val="black"/>
+                </a:solidFill>
+                <a:sym typeface="Symbol"/>
+              </a:rPr>
+              <a:t> </a:t>
+            </a:r>
+            <a:r>
+              <a:rPr lang="en-US" dirty="0" smtClean="0">
+                <a:sym typeface="Symbol"/>
+              </a:rPr>
+              <a:t>percentage of licensing revenue distributed to </a:t>
+            </a:r>
+            <a:r>
+              <a:rPr lang="en-US" dirty="0" smtClean="0"/>
+              <a:t>inventors </a:t>
+            </a:r>
+            <a:endParaRPr lang="en-US" dirty="0"/>
+          </a:p>
+          <a:p>
+            <a:r>
+              <a:rPr lang="en-US" dirty="0" err="1" smtClean="0"/>
+              <a:t>compDept</a:t>
+            </a:r>
+            <a:r>
+              <a:rPr lang="en-US" dirty="0" smtClean="0"/>
+              <a:t> </a:t>
+            </a:r>
+            <a:r>
+              <a:rPr lang="en-US" dirty="0">
+                <a:solidFill>
+                  <a:prstClr val="black"/>
+                </a:solidFill>
+                <a:sym typeface="Symbol"/>
+              </a:rPr>
+              <a:t> </a:t>
+            </a:r>
+            <a:r>
+              <a:rPr lang="en-US" dirty="0" smtClean="0">
+                <a:sym typeface="Symbol"/>
+              </a:rPr>
+              <a:t>percentage of licensing revenue distributed to inventors’ </a:t>
+            </a:r>
+            <a:r>
+              <a:rPr lang="en-US" dirty="0" smtClean="0"/>
+              <a:t>departments </a:t>
+            </a:r>
+            <a:endParaRPr lang="en-US" dirty="0"/>
+          </a:p>
+          <a:p>
+            <a:r>
+              <a:rPr lang="en-US" dirty="0" err="1" smtClean="0"/>
+              <a:t>compTLO</a:t>
+            </a:r>
+            <a:r>
+              <a:rPr lang="en-US" dirty="0" smtClean="0"/>
+              <a:t> </a:t>
+            </a:r>
+            <a:r>
+              <a:rPr lang="en-US" dirty="0">
+                <a:solidFill>
+                  <a:prstClr val="black"/>
+                </a:solidFill>
+                <a:sym typeface="Symbol"/>
+              </a:rPr>
+              <a:t> </a:t>
+            </a:r>
+            <a:r>
+              <a:rPr lang="en-US" dirty="0" smtClean="0">
+                <a:solidFill>
+                  <a:prstClr val="black"/>
+                </a:solidFill>
+                <a:sym typeface="Symbol"/>
+              </a:rPr>
+              <a:t>average salary of technology licensing office staff in thousands of USD</a:t>
+            </a:r>
+          </a:p>
+          <a:p>
+            <a:endParaRPr lang="en-US" dirty="0"/>
+          </a:p>
+          <a:p>
+            <a:r>
+              <a:rPr lang="en-US" b="1" u="sng" dirty="0" smtClean="0"/>
+              <a:t>Control Variables</a:t>
+            </a:r>
+            <a:endParaRPr lang="en-US" b="1" u="sng" dirty="0"/>
+          </a:p>
+          <a:p>
+            <a:r>
+              <a:rPr lang="en-US" dirty="0" err="1" smtClean="0"/>
+              <a:t>ageTLO</a:t>
+            </a:r>
+            <a:r>
+              <a:rPr lang="en-US" dirty="0">
+                <a:solidFill>
+                  <a:prstClr val="black"/>
+                </a:solidFill>
+                <a:sym typeface="Symbol"/>
+              </a:rPr>
+              <a:t> </a:t>
+            </a:r>
+            <a:r>
+              <a:rPr lang="en-US" dirty="0" smtClean="0">
+                <a:solidFill>
+                  <a:prstClr val="black"/>
+                </a:solidFill>
+                <a:sym typeface="Symbol"/>
+              </a:rPr>
+              <a:t></a:t>
+            </a:r>
+            <a:r>
+              <a:rPr lang="en-US" dirty="0" smtClean="0"/>
+              <a:t> age of the technology licensing office in years</a:t>
+            </a:r>
+          </a:p>
+          <a:p>
+            <a:pPr lvl="0"/>
+            <a:r>
+              <a:rPr lang="en-US" dirty="0" smtClean="0"/>
+              <a:t>TLO </a:t>
+            </a:r>
+            <a:r>
+              <a:rPr lang="en-US" dirty="0"/>
+              <a:t>size </a:t>
+            </a:r>
+            <a:r>
+              <a:rPr lang="en-US" dirty="0">
+                <a:solidFill>
+                  <a:prstClr val="black"/>
+                </a:solidFill>
+                <a:sym typeface="Symbol"/>
+              </a:rPr>
+              <a:t></a:t>
+            </a:r>
+            <a:r>
+              <a:rPr lang="en-US" dirty="0">
+                <a:solidFill>
+                  <a:prstClr val="black"/>
+                </a:solidFill>
+              </a:rPr>
+              <a:t> </a:t>
+            </a:r>
+            <a:r>
+              <a:rPr lang="en-US" dirty="0" smtClean="0">
+                <a:solidFill>
+                  <a:prstClr val="black"/>
+                </a:solidFill>
+              </a:rPr>
+              <a:t>number of licensing staff in the </a:t>
+            </a:r>
+            <a:r>
+              <a:rPr lang="en-US" dirty="0">
+                <a:solidFill>
+                  <a:prstClr val="black"/>
+                </a:solidFill>
+              </a:rPr>
+              <a:t>technology licensing </a:t>
+            </a:r>
+            <a:r>
+              <a:rPr lang="en-US" dirty="0" smtClean="0">
+                <a:solidFill>
+                  <a:prstClr val="black"/>
+                </a:solidFill>
+              </a:rPr>
+              <a:t>office</a:t>
+            </a:r>
+            <a:endParaRPr lang="en-US" dirty="0" smtClean="0"/>
+          </a:p>
+          <a:p>
+            <a:pPr lvl="0"/>
+            <a:r>
+              <a:rPr lang="en-US" dirty="0" err="1" smtClean="0"/>
+              <a:t>pubPriv</a:t>
+            </a:r>
+            <a:r>
+              <a:rPr lang="en-US" dirty="0" smtClean="0"/>
+              <a:t> </a:t>
+            </a:r>
+            <a:r>
+              <a:rPr lang="en-US" dirty="0">
+                <a:solidFill>
+                  <a:prstClr val="black"/>
+                </a:solidFill>
+                <a:sym typeface="Symbol"/>
+              </a:rPr>
+              <a:t></a:t>
+            </a:r>
+            <a:r>
+              <a:rPr lang="en-US" dirty="0">
+                <a:solidFill>
+                  <a:prstClr val="black"/>
+                </a:solidFill>
+              </a:rPr>
+              <a:t> </a:t>
+            </a:r>
+            <a:r>
+              <a:rPr lang="en-US" dirty="0" smtClean="0">
+                <a:solidFill>
+                  <a:prstClr val="black"/>
+                </a:solidFill>
+              </a:rPr>
+              <a:t>whether the institution is a p</a:t>
+            </a:r>
+            <a:r>
+              <a:rPr lang="en-US" dirty="0" smtClean="0"/>
+              <a:t>ublic or private university (public = 1; private = 0)</a:t>
+            </a:r>
+            <a:endParaRPr lang="en-US" dirty="0"/>
+          </a:p>
+          <a:p>
+            <a:r>
+              <a:rPr lang="en-US" dirty="0" err="1" smtClean="0"/>
+              <a:t>Incub</a:t>
+            </a:r>
+            <a:r>
+              <a:rPr lang="en-US" dirty="0">
+                <a:solidFill>
+                  <a:prstClr val="black"/>
+                </a:solidFill>
+                <a:sym typeface="Symbol"/>
+              </a:rPr>
+              <a:t> </a:t>
+            </a:r>
+            <a:r>
+              <a:rPr lang="en-US" dirty="0" smtClean="0"/>
+              <a:t> whether the institution has a business incubator </a:t>
+            </a:r>
+            <a:r>
+              <a:rPr lang="en-US" dirty="0"/>
+              <a:t>(yes = 1; no = 0</a:t>
+            </a:r>
+            <a:r>
+              <a:rPr lang="en-US" dirty="0" smtClean="0"/>
+              <a:t>)</a:t>
+            </a:r>
+            <a:endParaRPr lang="en-US" dirty="0"/>
+          </a:p>
+          <a:p>
+            <a:endParaRPr lang="en-US" dirty="0" smtClean="0"/>
+          </a:p>
+        </p:txBody>
+      </p:sp>
+      <p:sp>
+        <p:nvSpPr>
+          <p:cNvPr id="3" name="Slide Number Placeholder 2"/>
+          <p:cNvSpPr>
+            <a:spLocks noGrp="1"/>
+          </p:cNvSpPr>
+          <p:nvPr>
+            <p:ph type="sldNum" sz="quarter" idx="12"/>
+          </p:nvPr>
+        </p:nvSpPr>
+        <p:spPr/>
+        <p:txBody>
+          <a:bodyPr/>
+          <a:lstStyle/>
+          <a:p>
+            <a:fld id="{C3F44E33-38A6-49FF-B286-CF655111B6FC}" type="slidenum">
+              <a:rPr lang="en-US" smtClean="0"/>
+              <a:t>6</a:t>
+            </a:fld>
+            <a:endParaRPr lang="en-US"/>
+          </a:p>
+        </p:txBody>
+      </p:sp>
+    </p:spTree>
+    <p:extLst>
+      <p:ext uri="{BB962C8B-B14F-4D97-AF65-F5344CB8AC3E}">
+        <p14:creationId xmlns:p14="http://schemas.microsoft.com/office/powerpoint/2010/main" val="327581942"/>
+      </p:ext>
+    </p:extLst>
+  </p:cSld>
+  <p:clrMapOvr>
+    <a:masterClrMapping/>
+  </p:clrMapOvr>
+</p:sld>
+</file>
+
+<file path=ppt/slides/slide7.xml><?xml version="1.0" encoding="utf-8"?>
+<p:sld xmlns:a="http://schemas.openxmlformats.org/drawingml/2006/main" xmlns:r="http://schemas.openxmlformats.org/officeDocument/2006/relationships" xmlns:p="http://schemas.openxmlformats.org/presentationml/2006/main">
+  <p:cSld>
+    <p:spTree>
+      <p:nvGrpSpPr>
+        <p:cNvPr id="1" name=""/>
+        <p:cNvGrpSpPr/>
+        <p:nvPr/>
+      </p:nvGrpSpPr>
+      <p:grpSpPr>
+        <a:xfrm>
+          <a:off x="0" y="0"/>
+          <a:ext cx="0" cy="0"/>
+          <a:chOff x="0" y="0"/>
+          <a:chExt cx="0" cy="0"/>
+        </a:xfrm>
+      </p:grpSpPr>
+      <p:pic>
+        <p:nvPicPr>
+          <p:cNvPr id="2" name="Picture 3"/>
+          <p:cNvPicPr>
+            <a:picLocks noChangeAspect="1" noChangeArrowheads="1"/>
+          </p:cNvPicPr>
+          <p:nvPr/>
+        </p:nvPicPr>
+        <p:blipFill>
+          <a:blip r:embed="rId3" cstate="print">
+            <a:extLst>
+              <a:ext uri="{28A0092B-C50C-407E-A947-70E740481C1C}">
+                <a14:useLocalDpi xmlns:a14="http://schemas.microsoft.com/office/drawing/2010/main" val="0"/>
+              </a:ext>
+            </a:extLst>
+          </a:blip>
+          <a:srcRect/>
+          <a:stretch>
+            <a:fillRect/>
+          </a:stretch>
+        </p:blipFill>
+        <p:spPr bwMode="auto">
+          <a:xfrm>
+            <a:off x="2849870" y="544616"/>
+            <a:ext cx="3463853" cy="4480560"/>
+          </a:xfrm>
+          <a:prstGeom prst="rect">
+            <a:avLst/>
+          </a:prstGeom>
+          <a:solidFill>
+            <a:srgbClr val="FFFFFF">
+              <a:shade val="85000"/>
+            </a:srgbClr>
+          </a:solidFill>
+          <a:ln w="190500" cap="sq">
+            <a:solidFill>
+              <a:srgbClr val="FFFFFF"/>
+            </a:solidFill>
+            <a:miter lim="800000"/>
+          </a:ln>
+          <a:effectLst>
+            <a:outerShdw blurRad="65000" dist="50800" dir="12900000" kx="195000" ky="145000" algn="tl" rotWithShape="0">
+              <a:srgbClr val="000000">
+                <a:alpha val="30000"/>
+              </a:srgbClr>
+            </a:outerShdw>
+          </a:effectLst>
+          <a:scene3d>
+            <a:camera prst="orthographicFront">
+              <a:rot lat="0" lon="0" rev="360000"/>
+            </a:camera>
+            <a:lightRig rig="twoPt" dir="t">
+              <a:rot lat="0" lon="0" rev="7200000"/>
+            </a:lightRig>
+          </a:scene3d>
+          <a:sp3d contourW="12700">
+            <a:bevelT w="25400" h="19050"/>
+            <a:contourClr>
+              <a:srgbClr val="969696"/>
+            </a:contourClr>
+          </a:sp3d>
+          <a:extLst>
+            <a:ext uri="{909E8E84-426E-40DD-AFC4-6F175D3DCCD1}">
+              <a14:hiddenFill xmlns:a14="http://schemas.microsoft.com/office/drawing/2010/main">
+                <a:solidFill>
+                  <a:schemeClr val="accent1"/>
+                </a:solidFill>
+              </a14:hiddenFill>
+            </a:ext>
+          </a:extLst>
+        </p:spPr>
+      </p:pic>
+      <p:sp>
+        <p:nvSpPr>
+          <p:cNvPr id="3" name="Slide Number Placeholder 2"/>
+          <p:cNvSpPr>
+            <a:spLocks noGrp="1"/>
+          </p:cNvSpPr>
+          <p:nvPr>
+            <p:ph type="sldNum" sz="quarter" idx="12"/>
+          </p:nvPr>
+        </p:nvSpPr>
+        <p:spPr/>
+        <p:txBody>
+          <a:bodyPr/>
+          <a:lstStyle/>
+          <a:p>
+            <a:fld id="{C3F44E33-38A6-49FF-B286-CF655111B6FC}" type="slidenum">
+              <a:rPr lang="en-US" smtClean="0"/>
+              <a:t>7</a:t>
+            </a:fld>
+            <a:endParaRPr lang="en-US"/>
+          </a:p>
+        </p:txBody>
+      </p:sp>
+    </p:spTree>
+    <p:extLst>
+      <p:ext uri="{BB962C8B-B14F-4D97-AF65-F5344CB8AC3E}">
+        <p14:creationId xmlns:p14="http://schemas.microsoft.com/office/powerpoint/2010/main" val="977696587"/>
+      </p:ext>
+    </p:extLst>
+  </p:cSld>
+  <p:clrMapOvr>
+    <a:masterClrMapping/>
+  </p:clrMapOvr>
+</p:sld>
+</file>
+
+<file path=ppt/slides/slide8.xml><?xml version="1.0" encoding="utf-8"?>
+<p:sld xmlns:a="http://schemas.openxmlformats.org/drawingml/2006/main" xmlns:r="http://schemas.openxmlformats.org/officeDocument/2006/relationships" xmlns:p="http://schemas.openxmlformats.org/presentationml/2006/main">
+  <p:cSld>
+    <p:spTree>
+      <p:nvGrpSpPr>
+        <p:cNvPr id="1" name=""/>
+        <p:cNvGrpSpPr/>
+        <p:nvPr/>
+      </p:nvGrpSpPr>
+      <p:grpSpPr>
+        <a:xfrm>
+          <a:off x="0" y="0"/>
+          <a:ext cx="0" cy="0"/>
+          <a:chOff x="0" y="0"/>
+          <a:chExt cx="0" cy="0"/>
+        </a:xfrm>
+      </p:grpSpPr>
+      <p:pic>
+        <p:nvPicPr>
+          <p:cNvPr id="6147" name="Picture 3"/>
+          <p:cNvPicPr>
+            <a:picLocks noChangeAspect="1" noChangeArrowheads="1"/>
+          </p:cNvPicPr>
+          <p:nvPr/>
+        </p:nvPicPr>
+        <p:blipFill rotWithShape="1">
+          <a:blip r:embed="rId3">
+            <a:extLst>
+              <a:ext uri="{28A0092B-C50C-407E-A947-70E740481C1C}">
+                <a14:useLocalDpi xmlns:a14="http://schemas.microsoft.com/office/drawing/2010/main" val="0"/>
+              </a:ext>
+            </a:extLst>
+          </a:blip>
+          <a:srcRect t="13080" b="5636"/>
+          <a:stretch/>
+        </p:blipFill>
+        <p:spPr bwMode="auto">
+          <a:xfrm>
+            <a:off x="0" y="768116"/>
+            <a:ext cx="9144000" cy="4178768"/>
+          </a:xfrm>
+          <a:prstGeom prst="rect">
+            <a:avLst/>
+          </a:prstGeom>
+          <a:noFill/>
+          <a:ln>
+            <a:noFill/>
+          </a:ln>
+          <a:extLst>
+            <a:ext uri="{909E8E84-426E-40DD-AFC4-6F175D3DCCD1}">
+              <a14:hiddenFill xmlns:a14="http://schemas.microsoft.com/office/drawing/2010/main">
+                <a:solidFill>
+                  <a:schemeClr val="accent1"/>
+                </a:solidFill>
+              </a14:hiddenFill>
+            </a:ext>
+            <a:ext uri="{91240B29-F687-4F45-9708-019B960494DF}">
+              <a14:hiddenLine xmlns:a14="http://schemas.microsoft.com/office/drawing/2010/main" w="9525">
+                <a:solidFill>
+                  <a:schemeClr val="tx1"/>
+                </a:solidFill>
+                <a:miter lim="800000"/>
+                <a:headEnd/>
+                <a:tailEnd/>
+              </a14:hiddenLine>
+            </a:ext>
+          </a:extLst>
+        </p:spPr>
+      </p:pic>
+      <p:sp>
+        <p:nvSpPr>
+          <p:cNvPr id="2" name="Slide Number Placeholder 1"/>
+          <p:cNvSpPr>
+            <a:spLocks noGrp="1"/>
+          </p:cNvSpPr>
+          <p:nvPr>
+            <p:ph type="sldNum" sz="quarter" idx="12"/>
+          </p:nvPr>
+        </p:nvSpPr>
+        <p:spPr/>
+        <p:txBody>
+          <a:bodyPr/>
+          <a:lstStyle/>
+          <a:p>
+            <a:fld id="{C3F44E33-38A6-49FF-B286-CF655111B6FC}" type="slidenum">
+              <a:rPr lang="en-US" smtClean="0"/>
+              <a:t>8</a:t>
+            </a:fld>
+            <a:endParaRPr lang="en-US"/>
+          </a:p>
+        </p:txBody>
+      </p:sp>
+    </p:spTree>
+    <p:extLst>
+      <p:ext uri="{BB962C8B-B14F-4D97-AF65-F5344CB8AC3E}">
+        <p14:creationId xmlns:p14="http://schemas.microsoft.com/office/powerpoint/2010/main" val="3183703246"/>
+      </p:ext>
+    </p:extLst>
+  </p:cSld>
+  <p:clrMapOvr>
+    <a:masterClrMapping/>
+  </p:clrMapOvr>
+</p:sld>
+</file>
+
+<file path=ppt/slides/slide9.xml><?xml version="1.0" encoding="utf-8"?>
+<p:sld xmlns:a="http://schemas.openxmlformats.org/drawingml/2006/main" xmlns:r="http://schemas.openxmlformats.org/officeDocument/2006/relationships" xmlns:p="http://schemas.openxmlformats.org/presentationml/2006/main">
+  <p:cSld>
+    <p:spTree>
+      <p:nvGrpSpPr>
+        <p:cNvPr id="1" name=""/>
+        <p:cNvGrpSpPr/>
+        <p:nvPr/>
+      </p:nvGrpSpPr>
+      <p:grpSpPr>
+        <a:xfrm>
+          <a:off x="0" y="0"/>
+          <a:ext cx="0" cy="0"/>
+          <a:chOff x="0" y="0"/>
+          <a:chExt cx="0" cy="0"/>
+        </a:xfrm>
+      </p:grpSpPr>
+      <p:pic>
+        <p:nvPicPr>
+          <p:cNvPr id="3074" name="Picture 2" descr="C:\Users\townesm\AppData\Local\Temp\640px-Cisco_7960_IP_Phone.JPG"/>
+          <p:cNvPicPr>
+            <a:picLocks noChangeAspect="1" noChangeArrowheads="1"/>
+          </p:cNvPicPr>
+          <p:nvPr/>
+        </p:nvPicPr>
+        <p:blipFill>
+          <a:blip r:embed="rId3">
+            <a:extLst>
+              <a:ext uri="{28A0092B-C50C-407E-A947-70E740481C1C}">
+                <a14:useLocalDpi xmlns:a14="http://schemas.microsoft.com/office/drawing/2010/main" val="0"/>
+              </a:ext>
+            </a:extLst>
+          </a:blip>
+          <a:srcRect/>
+          <a:stretch>
+            <a:fillRect/>
+          </a:stretch>
+        </p:blipFill>
+        <p:spPr bwMode="auto">
+          <a:xfrm>
+            <a:off x="2769870" y="1325880"/>
+            <a:ext cx="3657600" cy="2743200"/>
+          </a:xfrm>
+          <a:prstGeom prst="rect">
+            <a:avLst/>
+          </a:prstGeom>
+          <a:ln>
+            <a:noFill/>
+          </a:ln>
+          <a:effectLst>
+            <a:softEdge rad="112500"/>
+          </a:effectLst>
+          <a:extLst>
+            <a:ext uri="{909E8E84-426E-40DD-AFC4-6F175D3DCCD1}">
+              <a14:hiddenFill xmlns:a14="http://schemas.microsoft.com/office/drawing/2010/main">
+                <a:solidFill>
+                  <a:srgbClr val="FFFFFF"/>
+                </a:solidFill>
+              </a14:hiddenFill>
+            </a:ext>
+          </a:extLst>
+        </p:spPr>
+      </p:pic>
+      <p:sp>
+        <p:nvSpPr>
+          <p:cNvPr id="2" name="Rounded Rectangular Callout 1"/>
+          <p:cNvSpPr/>
+          <p:nvPr/>
+        </p:nvSpPr>
+        <p:spPr>
+          <a:xfrm>
+            <a:off x="1085850" y="102870"/>
+            <a:ext cx="2286000" cy="1371600"/>
+          </a:xfrm>
+          <a:prstGeom prst="wedgeRoundRectCallout">
+            <a:avLst>
+              <a:gd name="adj1" fmla="val 38102"/>
+              <a:gd name="adj2" fmla="val 81102"/>
+              <a:gd name="adj3" fmla="val 16667"/>
+            </a:avLst>
           </a:prstGeom>
           <a:ln>
             <a:noFill/>
@@ -7588,270 +13863,35 @@
           </a:fontRef>
         </p:style>
         <p:txBody>
-          <a:bodyPr rtlCol="0" anchor="ctr"/>
+          <a:bodyPr lIns="45720" rIns="45720" rtlCol="0" anchor="ctr"/>
           <a:lstStyle/>
           <a:p>
             <a:pPr algn="ctr"/>
-            <a:endParaRPr lang="en-US"/>
-          </a:p>
-        </p:txBody>
-      </p:sp>
-      <p:sp>
-        <p:nvSpPr>
-          <p:cNvPr id="14" name="Rectangle 13"/>
+            <a:r>
+              <a:rPr lang="en-US" dirty="0" smtClean="0"/>
+              <a:t>Structured Phone Interviews</a:t>
+            </a:r>
+            <a:endParaRPr lang="en-US" dirty="0"/>
+          </a:p>
+        </p:txBody>
+      </p:sp>
+      <p:sp>
+        <p:nvSpPr>
+          <p:cNvPr id="4" name="Rounded Rectangular Callout 3"/>
           <p:cNvSpPr/>
           <p:nvPr/>
         </p:nvSpPr>
         <p:spPr>
           <a:xfrm>
-            <a:off x="5558790" y="2854880"/>
-            <a:ext cx="3017520" cy="2560320"/>
+            <a:off x="5787390" y="102870"/>
+            <a:ext cx="2194560" cy="1348740"/>
           </a:xfrm>
-          <a:prstGeom prst="rect">
-            <a:avLst/>
-          </a:prstGeom>
-          <a:solidFill>
-            <a:schemeClr val="bg1">
-              <a:lumMod val="65000"/>
-            </a:schemeClr>
-          </a:solidFill>
-          <a:ln>
-            <a:noFill/>
-          </a:ln>
-        </p:spPr>
-        <p:style>
-          <a:lnRef idx="2">
-            <a:schemeClr val="accent1">
-              <a:shade val="50000"/>
-            </a:schemeClr>
-          </a:lnRef>
-          <a:fillRef idx="1">
-            <a:schemeClr val="accent1"/>
-          </a:fillRef>
-          <a:effectRef idx="0">
-            <a:schemeClr val="accent1"/>
-          </a:effectRef>
-          <a:fontRef idx="minor">
-            <a:schemeClr val="lt1"/>
-          </a:fontRef>
-        </p:style>
-        <p:txBody>
-          <a:bodyPr rtlCol="0" anchor="ctr"/>
-          <a:lstStyle/>
-          <a:p>
-            <a:pPr algn="ctr"/>
-            <a:endParaRPr lang="en-US"/>
-          </a:p>
-        </p:txBody>
-      </p:sp>
-      <p:sp>
-        <p:nvSpPr>
-          <p:cNvPr id="15" name="Rectangle 14"/>
-          <p:cNvSpPr/>
-          <p:nvPr/>
-        </p:nvSpPr>
-        <p:spPr>
-          <a:xfrm>
-            <a:off x="5901690" y="4307205"/>
-            <a:ext cx="2286000" cy="640080"/>
-          </a:xfrm>
-          <a:prstGeom prst="rect">
-            <a:avLst/>
-          </a:prstGeom>
-          <a:solidFill>
-            <a:schemeClr val="accent3"/>
-          </a:solidFill>
-          <a:ln>
-            <a:noFill/>
-          </a:ln>
-          <a:effectLst>
-            <a:outerShdw blurRad="44450" dist="27940" dir="5400000" algn="ctr">
-              <a:srgbClr val="000000">
-                <a:alpha val="32000"/>
-              </a:srgbClr>
-            </a:outerShdw>
-          </a:effectLst>
-          <a:scene3d>
-            <a:camera prst="orthographicFront">
-              <a:rot lat="0" lon="0" rev="0"/>
-            </a:camera>
-            <a:lightRig rig="balanced" dir="t">
-              <a:rot lat="0" lon="0" rev="8700000"/>
-            </a:lightRig>
-          </a:scene3d>
-          <a:sp3d>
-            <a:bevelT w="190500" h="38100"/>
-          </a:sp3d>
-        </p:spPr>
-        <p:style>
-          <a:lnRef idx="2">
-            <a:schemeClr val="accent1">
-              <a:shade val="50000"/>
-            </a:schemeClr>
-          </a:lnRef>
-          <a:fillRef idx="1">
-            <a:schemeClr val="accent1"/>
-          </a:fillRef>
-          <a:effectRef idx="0">
-            <a:schemeClr val="accent1"/>
-          </a:effectRef>
-          <a:fontRef idx="minor">
-            <a:schemeClr val="lt1"/>
-          </a:fontRef>
-        </p:style>
-        <p:txBody>
-          <a:bodyPr rtlCol="0" anchor="ctr"/>
-          <a:lstStyle/>
-          <a:p>
-            <a:pPr algn="ctr"/>
-            <a:r>
-              <a:rPr lang="en-US" dirty="0" smtClean="0"/>
-              <a:t>Innovation Exploration</a:t>
-            </a:r>
-            <a:endParaRPr lang="en-US" dirty="0"/>
-          </a:p>
-        </p:txBody>
-      </p:sp>
-      <p:sp>
-        <p:nvSpPr>
-          <p:cNvPr id="16" name="Rectangle 15"/>
-          <p:cNvSpPr/>
-          <p:nvPr/>
-        </p:nvSpPr>
-        <p:spPr>
-          <a:xfrm>
-            <a:off x="5901690" y="3274695"/>
-            <a:ext cx="2286000" cy="640080"/>
-          </a:xfrm>
-          <a:prstGeom prst="rect">
-            <a:avLst/>
-          </a:prstGeom>
-          <a:ln>
-            <a:noFill/>
-          </a:ln>
-          <a:effectLst>
-            <a:outerShdw blurRad="44450" dist="27940" dir="5400000" algn="ctr">
-              <a:srgbClr val="000000">
-                <a:alpha val="32000"/>
-              </a:srgbClr>
-            </a:outerShdw>
-          </a:effectLst>
-          <a:scene3d>
-            <a:camera prst="orthographicFront">
-              <a:rot lat="0" lon="0" rev="0"/>
-            </a:camera>
-            <a:lightRig rig="balanced" dir="t">
-              <a:rot lat="0" lon="0" rev="8700000"/>
-            </a:lightRig>
-          </a:scene3d>
-          <a:sp3d>
-            <a:bevelT w="190500" h="38100"/>
-          </a:sp3d>
-        </p:spPr>
-        <p:style>
-          <a:lnRef idx="2">
-            <a:schemeClr val="accent1">
-              <a:shade val="50000"/>
-            </a:schemeClr>
-          </a:lnRef>
-          <a:fillRef idx="1">
-            <a:schemeClr val="accent1"/>
-          </a:fillRef>
-          <a:effectRef idx="0">
-            <a:schemeClr val="accent1"/>
-          </a:effectRef>
-          <a:fontRef idx="minor">
-            <a:schemeClr val="lt1"/>
-          </a:fontRef>
-        </p:style>
-        <p:txBody>
-          <a:bodyPr rtlCol="0" anchor="ctr"/>
-          <a:lstStyle/>
-          <a:p>
-            <a:pPr algn="ctr"/>
-            <a:r>
-              <a:rPr lang="en-US" dirty="0" smtClean="0"/>
-              <a:t>Innovation Exploitation</a:t>
-            </a:r>
-            <a:endParaRPr lang="en-US" dirty="0"/>
-          </a:p>
-        </p:txBody>
-      </p:sp>
-      <p:sp>
-        <p:nvSpPr>
-          <p:cNvPr id="17" name="TextBox 16"/>
-          <p:cNvSpPr txBox="1"/>
-          <p:nvPr/>
-        </p:nvSpPr>
-        <p:spPr>
-          <a:xfrm>
-            <a:off x="6450330" y="4978003"/>
-            <a:ext cx="1188720" cy="369332"/>
-          </a:xfrm>
-          <a:prstGeom prst="rect">
-            <a:avLst/>
-          </a:prstGeom>
-          <a:noFill/>
-        </p:spPr>
-        <p:txBody>
-          <a:bodyPr wrap="square" rtlCol="0">
-            <a:spAutoFit/>
-          </a:bodyPr>
-          <a:lstStyle/>
-          <a:p>
-            <a:pPr algn="ctr"/>
-            <a:r>
-              <a:rPr lang="en-US" dirty="0" smtClean="0"/>
-              <a:t>Research</a:t>
-            </a:r>
-            <a:endParaRPr lang="en-US" dirty="0"/>
-          </a:p>
-        </p:txBody>
-      </p:sp>
-      <p:sp>
-        <p:nvSpPr>
-          <p:cNvPr id="18" name="TextBox 17"/>
-          <p:cNvSpPr txBox="1"/>
-          <p:nvPr/>
-        </p:nvSpPr>
-        <p:spPr>
-          <a:xfrm>
-            <a:off x="6267450" y="2922270"/>
-            <a:ext cx="1554480" cy="365760"/>
-          </a:xfrm>
-          <a:prstGeom prst="rect">
-            <a:avLst/>
-          </a:prstGeom>
-          <a:noFill/>
-        </p:spPr>
-        <p:txBody>
-          <a:bodyPr wrap="square" rtlCol="0">
-            <a:spAutoFit/>
-          </a:bodyPr>
-          <a:lstStyle/>
-          <a:p>
-            <a:pPr algn="ctr"/>
-            <a:r>
-              <a:rPr lang="en-US" dirty="0" smtClean="0"/>
-              <a:t>Development</a:t>
-            </a:r>
-            <a:endParaRPr lang="en-US" dirty="0"/>
-          </a:p>
-        </p:txBody>
-      </p:sp>
-      <p:sp>
-        <p:nvSpPr>
-          <p:cNvPr id="19" name="Up Arrow 18"/>
-          <p:cNvSpPr/>
-          <p:nvPr/>
-        </p:nvSpPr>
-        <p:spPr>
-          <a:xfrm>
-            <a:off x="8210550" y="3564016"/>
-            <a:ext cx="365760" cy="1142048"/>
-          </a:xfrm>
-          <a:prstGeom prst="upArrow">
-            <a:avLst/>
+          <a:prstGeom prst="wedgeRoundRectCallout">
+            <a:avLst>
+              <a:gd name="adj1" fmla="val -45210"/>
+              <a:gd name="adj2" fmla="val 76059"/>
+              <a:gd name="adj3" fmla="val 16667"/>
+            </a:avLst>
           </a:prstGeom>
           <a:ln>
             <a:noFill/>
@@ -7892,31 +13932,36 @@
           </a:fontRef>
         </p:style>
         <p:txBody>
-          <a:bodyPr rtlCol="0" anchor="ctr"/>
+          <a:bodyPr lIns="45720" rIns="45720" rtlCol="0" anchor="ctr"/>
           <a:lstStyle/>
           <a:p>
             <a:pPr algn="ctr"/>
-            <a:endParaRPr lang="en-US"/>
-          </a:p>
-        </p:txBody>
-      </p:sp>
-      <p:sp>
-        <p:nvSpPr>
-          <p:cNvPr id="20" name="Up Arrow 19"/>
+            <a:r>
+              <a:rPr lang="en-US" dirty="0" smtClean="0"/>
+              <a:t>TLO directors from 128 of 139 AUTM member institutions</a:t>
+            </a:r>
+            <a:endParaRPr lang="en-US" dirty="0"/>
+          </a:p>
+        </p:txBody>
+      </p:sp>
+      <p:sp>
+        <p:nvSpPr>
+          <p:cNvPr id="5" name="Rounded Rectangular Callout 4"/>
           <p:cNvSpPr/>
           <p:nvPr/>
         </p:nvSpPr>
         <p:spPr>
-          <a:xfrm rot="6982542">
-            <a:off x="4497544" y="2825770"/>
-            <a:ext cx="365760" cy="2560320"/>
+          <a:xfrm>
+            <a:off x="1085850" y="4069080"/>
+            <a:ext cx="2286000" cy="1371600"/>
           </a:xfrm>
-          <a:prstGeom prst="upArrow">
-            <a:avLst/>
+          <a:prstGeom prst="wedgeRoundRectCallout">
+            <a:avLst>
+              <a:gd name="adj1" fmla="val 42602"/>
+              <a:gd name="adj2" fmla="val -79731"/>
+              <a:gd name="adj3" fmla="val 16667"/>
+            </a:avLst>
           </a:prstGeom>
-          <a:solidFill>
-            <a:schemeClr val="accent2"/>
-          </a:solidFill>
           <a:ln>
             <a:noFill/>
           </a:ln>
@@ -7956,31 +14001,36 @@
           </a:fontRef>
         </p:style>
         <p:txBody>
-          <a:bodyPr rtlCol="0" anchor="ctr"/>
+          <a:bodyPr lIns="45720" rIns="45720" rtlCol="0" anchor="ctr"/>
           <a:lstStyle/>
           <a:p>
             <a:pPr algn="ctr"/>
-            <a:endParaRPr lang="en-US"/>
-          </a:p>
-        </p:txBody>
-      </p:sp>
-      <p:sp>
-        <p:nvSpPr>
-          <p:cNvPr id="21" name="Up Arrow 20"/>
+            <a:r>
+              <a:rPr lang="en-US" dirty="0" smtClean="0"/>
+              <a:t>60% of federal and industry research support</a:t>
+            </a:r>
+            <a:endParaRPr lang="en-US" dirty="0"/>
+          </a:p>
+        </p:txBody>
+      </p:sp>
+      <p:sp>
+        <p:nvSpPr>
+          <p:cNvPr id="6" name="Rounded Rectangular Callout 5"/>
           <p:cNvSpPr/>
           <p:nvPr/>
         </p:nvSpPr>
         <p:spPr>
-          <a:xfrm rot="14546126">
-            <a:off x="4444979" y="2855895"/>
-            <a:ext cx="365760" cy="2560320"/>
+          <a:xfrm>
+            <a:off x="3592830" y="4091940"/>
+            <a:ext cx="2194560" cy="1348740"/>
           </a:xfrm>
-          <a:prstGeom prst="upArrow">
-            <a:avLst/>
+          <a:prstGeom prst="wedgeRoundRectCallout">
+            <a:avLst>
+              <a:gd name="adj1" fmla="val -46773"/>
+              <a:gd name="adj2" fmla="val -82416"/>
+              <a:gd name="adj3" fmla="val 16667"/>
+            </a:avLst>
           </a:prstGeom>
-          <a:solidFill>
-            <a:schemeClr val="accent6"/>
-          </a:solidFill>
           <a:ln>
             <a:noFill/>
           </a:ln>
@@ -8020,397 +14070,127 @@
           </a:fontRef>
         </p:style>
         <p:txBody>
-          <a:bodyPr rtlCol="0" anchor="ctr"/>
+          <a:bodyPr lIns="45720" rIns="45720" rtlCol="0" anchor="ctr"/>
           <a:lstStyle/>
           <a:p>
             <a:pPr algn="ctr"/>
-            <a:endParaRPr lang="en-US"/>
-          </a:p>
-        </p:txBody>
-      </p:sp>
-      <p:cxnSp>
-        <p:nvCxnSpPr>
-          <p:cNvPr id="23" name="Straight Connector 22"/>
-          <p:cNvCxnSpPr/>
+            <a:r>
+              <a:rPr lang="en-US" dirty="0" smtClean="0"/>
+              <a:t>70% of licenses executed</a:t>
+            </a:r>
+            <a:endParaRPr lang="en-US" dirty="0"/>
+          </a:p>
+        </p:txBody>
+      </p:sp>
+      <p:sp>
+        <p:nvSpPr>
+          <p:cNvPr id="7" name="Rounded Rectangular Callout 6"/>
+          <p:cNvSpPr/>
           <p:nvPr/>
-        </p:nvCxnSpPr>
+        </p:nvSpPr>
         <p:spPr>
           <a:xfrm>
-            <a:off x="297180" y="2720340"/>
-            <a:ext cx="8595360" cy="0"/>
+            <a:off x="6038850" y="4091940"/>
+            <a:ext cx="2194560" cy="1348740"/>
           </a:xfrm>
-          <a:prstGeom prst="line">
-            <a:avLst/>
+          <a:prstGeom prst="wedgeRoundRectCallout">
+            <a:avLst>
+              <a:gd name="adj1" fmla="val -46773"/>
+              <a:gd name="adj2" fmla="val -80720"/>
+              <a:gd name="adj3" fmla="val 16667"/>
+            </a:avLst>
           </a:prstGeom>
-          <a:ln w="19050">
-            <a:solidFill>
-              <a:schemeClr val="tx1"/>
-            </a:solidFill>
+          <a:ln>
+            <a:noFill/>
           </a:ln>
+          <a:effectLst>
+            <a:outerShdw blurRad="149987" dist="250190" dir="8460000" algn="ctr">
+              <a:srgbClr val="000000">
+                <a:alpha val="28000"/>
+              </a:srgbClr>
+            </a:outerShdw>
+          </a:effectLst>
+          <a:scene3d>
+            <a:camera prst="orthographicFront">
+              <a:rot lat="0" lon="0" rev="0"/>
+            </a:camera>
+            <a:lightRig rig="contrasting" dir="t">
+              <a:rot lat="0" lon="0" rev="1500000"/>
+            </a:lightRig>
+          </a:scene3d>
+          <a:sp3d prstMaterial="metal">
+            <a:bevelT w="88900" h="88900"/>
+          </a:sp3d>
         </p:spPr>
         <p:style>
-          <a:lnRef idx="1">
-            <a:schemeClr val="accent1"/>
+          <a:lnRef idx="2">
+            <a:schemeClr val="accent1">
+              <a:shade val="50000"/>
+            </a:schemeClr>
           </a:lnRef>
-          <a:fillRef idx="0">
+          <a:fillRef idx="1">
             <a:schemeClr val="accent1"/>
           </a:fillRef>
           <a:effectRef idx="0">
             <a:schemeClr val="accent1"/>
           </a:effectRef>
           <a:fontRef idx="minor">
-            <a:schemeClr val="tx1"/>
+            <a:schemeClr val="lt1"/>
           </a:fontRef>
         </p:style>
-      </p:cxnSp>
-      <p:sp>
-        <p:nvSpPr>
-          <p:cNvPr id="24" name="TextBox 23"/>
-          <p:cNvSpPr txBox="1"/>
-          <p:nvPr/>
-        </p:nvSpPr>
-        <p:spPr>
-          <a:xfrm>
-            <a:off x="3535680" y="2409825"/>
-            <a:ext cx="2240280" cy="307777"/>
-          </a:xfrm>
-          <a:prstGeom prst="rect">
-            <a:avLst/>
-          </a:prstGeom>
-          <a:noFill/>
-        </p:spPr>
-        <p:txBody>
-          <a:bodyPr wrap="square" rtlCol="0">
-            <a:spAutoFit/>
-          </a:bodyPr>
+        <p:txBody>
+          <a:bodyPr lIns="45720" rIns="45720" rtlCol="0" anchor="ctr"/>
           <a:lstStyle/>
           <a:p>
             <a:pPr algn="ctr"/>
             <a:r>
-              <a:rPr lang="en-US" sz="1400" i="1" dirty="0" smtClean="0"/>
-              <a:t>Company A</a:t>
-            </a:r>
-            <a:endParaRPr lang="en-US" sz="1400" i="1" dirty="0"/>
-          </a:p>
-        </p:txBody>
-      </p:sp>
-      <p:sp>
-        <p:nvSpPr>
-          <p:cNvPr id="25" name="TextBox 24"/>
-          <p:cNvSpPr txBox="1"/>
-          <p:nvPr/>
-        </p:nvSpPr>
-        <p:spPr>
-          <a:xfrm>
-            <a:off x="1146810" y="5397936"/>
-            <a:ext cx="2240280" cy="307777"/>
-          </a:xfrm>
-          <a:prstGeom prst="rect">
-            <a:avLst/>
-          </a:prstGeom>
-          <a:noFill/>
-        </p:spPr>
-        <p:txBody>
-          <a:bodyPr wrap="square" rtlCol="0">
-            <a:spAutoFit/>
-          </a:bodyPr>
+              <a:rPr lang="en-US" dirty="0" smtClean="0"/>
+              <a:t>85% of patents issued to universities</a:t>
+            </a:r>
+            <a:endParaRPr lang="en-US" dirty="0"/>
+          </a:p>
+        </p:txBody>
+      </p:sp>
+      <p:sp>
+        <p:nvSpPr>
+          <p:cNvPr id="3" name="Slide Number Placeholder 2"/>
+          <p:cNvSpPr>
+            <a:spLocks noGrp="1"/>
+          </p:cNvSpPr>
+          <p:nvPr>
+            <p:ph type="sldNum" sz="quarter" idx="12"/>
+          </p:nvPr>
+        </p:nvSpPr>
+        <p:spPr/>
+        <p:txBody>
+          <a:bodyPr/>
           <a:lstStyle/>
           <a:p>
-            <a:pPr algn="ctr"/>
-            <a:r>
-              <a:rPr lang="en-US" sz="1400" i="1" dirty="0" smtClean="0"/>
-              <a:t>Company A</a:t>
-            </a:r>
-            <a:endParaRPr lang="en-US" sz="1400" i="1" dirty="0"/>
-          </a:p>
-        </p:txBody>
-      </p:sp>
-      <p:sp>
-        <p:nvSpPr>
-          <p:cNvPr id="26" name="TextBox 25"/>
-          <p:cNvSpPr txBox="1"/>
-          <p:nvPr/>
-        </p:nvSpPr>
-        <p:spPr>
-          <a:xfrm>
-            <a:off x="5947410" y="5397937"/>
-            <a:ext cx="2240280" cy="307777"/>
-          </a:xfrm>
-          <a:prstGeom prst="rect">
-            <a:avLst/>
-          </a:prstGeom>
-          <a:noFill/>
-        </p:spPr>
-        <p:txBody>
-          <a:bodyPr wrap="square" rtlCol="0">
-            <a:spAutoFit/>
-          </a:bodyPr>
-          <a:lstStyle/>
-          <a:p>
-            <a:pPr algn="ctr"/>
-            <a:r>
-              <a:rPr lang="en-US" sz="1400" i="1" dirty="0" smtClean="0"/>
-              <a:t>Company B</a:t>
-            </a:r>
-            <a:endParaRPr lang="en-US" sz="1400" i="1" dirty="0"/>
-          </a:p>
-        </p:txBody>
-      </p:sp>
-      <p:sp>
-        <p:nvSpPr>
-          <p:cNvPr id="27" name="TextBox 26"/>
-          <p:cNvSpPr txBox="1"/>
-          <p:nvPr/>
-        </p:nvSpPr>
-        <p:spPr>
-          <a:xfrm rot="16200000">
-            <a:off x="-556499" y="1129784"/>
-            <a:ext cx="1783080" cy="369332"/>
-          </a:xfrm>
-          <a:prstGeom prst="rect">
-            <a:avLst/>
-          </a:prstGeom>
-          <a:noFill/>
-        </p:spPr>
-        <p:txBody>
-          <a:bodyPr wrap="square" rtlCol="0">
-            <a:spAutoFit/>
-          </a:bodyPr>
-          <a:lstStyle/>
-          <a:p>
-            <a:pPr algn="ctr"/>
-            <a:r>
-              <a:rPr lang="en-US" dirty="0" smtClean="0"/>
-              <a:t>Intra-Firm View</a:t>
-            </a:r>
-            <a:endParaRPr lang="en-US" dirty="0"/>
-          </a:p>
-        </p:txBody>
-      </p:sp>
-      <p:sp>
-        <p:nvSpPr>
-          <p:cNvPr id="28" name="TextBox 27"/>
-          <p:cNvSpPr txBox="1"/>
-          <p:nvPr/>
-        </p:nvSpPr>
-        <p:spPr>
-          <a:xfrm rot="16200000">
-            <a:off x="-556498" y="3951389"/>
-            <a:ext cx="1783080" cy="369332"/>
-          </a:xfrm>
-          <a:prstGeom prst="rect">
-            <a:avLst/>
-          </a:prstGeom>
-          <a:noFill/>
-        </p:spPr>
-        <p:txBody>
-          <a:bodyPr wrap="square" rtlCol="0">
-            <a:spAutoFit/>
-          </a:bodyPr>
-          <a:lstStyle/>
-          <a:p>
-            <a:pPr algn="ctr"/>
-            <a:r>
-              <a:rPr lang="en-US" dirty="0" smtClean="0"/>
-              <a:t>Ecosystem View</a:t>
-            </a:r>
-            <a:endParaRPr lang="en-US" dirty="0"/>
+            <a:fld id="{C3F44E33-38A6-49FF-B286-CF655111B6FC}" type="slidenum">
+              <a:rPr lang="en-US" smtClean="0"/>
+              <a:t>9</a:t>
+            </a:fld>
+            <a:endParaRPr lang="en-US"/>
           </a:p>
         </p:txBody>
       </p:sp>
     </p:spTree>
     <p:extLst>
       <p:ext uri="{BB962C8B-B14F-4D97-AF65-F5344CB8AC3E}">
-        <p14:creationId xmlns:p14="http://schemas.microsoft.com/office/powerpoint/2010/main" val="4132710217"/>
+        <p14:creationId xmlns:p14="http://schemas.microsoft.com/office/powerpoint/2010/main" val="4241133704"/>
       </p:ext>
     </p:extLst>
   </p:cSld>
   <p:clrMapOvr>
     <a:masterClrMapping/>
   </p:clrMapOvr>
-</p:sld>
-</file>
-
-<file path=ppt/slides/slide4.xml><?xml version="1.0" encoding="utf-8"?>
-<p:sld xmlns:a="http://schemas.openxmlformats.org/drawingml/2006/main" xmlns:r="http://schemas.openxmlformats.org/officeDocument/2006/relationships" xmlns:p="http://schemas.openxmlformats.org/presentationml/2006/main">
-  <p:cSld>
-    <p:spTree>
-      <p:nvGrpSpPr>
-        <p:cNvPr id="1" name=""/>
-        <p:cNvGrpSpPr/>
-        <p:nvPr/>
-      </p:nvGrpSpPr>
-      <p:grpSpPr>
-        <a:xfrm>
-          <a:off x="0" y="0"/>
-          <a:ext cx="0" cy="0"/>
-          <a:chOff x="0" y="0"/>
-          <a:chExt cx="0" cy="0"/>
-        </a:xfrm>
-      </p:grpSpPr>
-      <p:graphicFrame>
-        <p:nvGraphicFramePr>
-          <p:cNvPr id="2" name="Diagram 1"/>
-          <p:cNvGraphicFramePr/>
-          <p:nvPr>
-            <p:extLst>
-              <p:ext uri="{D42A27DB-BD31-4B8C-83A1-F6EECF244321}">
-                <p14:modId xmlns:p14="http://schemas.microsoft.com/office/powerpoint/2010/main" val="4039421409"/>
-              </p:ext>
-            </p:extLst>
-          </p:nvPr>
-        </p:nvGraphicFramePr>
-        <p:xfrm>
-          <a:off x="1524000" y="825500"/>
-          <a:ext cx="6096000" cy="4064000"/>
-        </p:xfrm>
-        <a:graphic>
-          <a:graphicData uri="http://schemas.openxmlformats.org/drawingml/2006/diagram">
-            <dgm:relIds xmlns:dgm="http://schemas.openxmlformats.org/drawingml/2006/diagram" xmlns:r="http://schemas.openxmlformats.org/officeDocument/2006/relationships" r:dm="rId2" r:lo="rId3" r:qs="rId4" r:cs="rId5"/>
-          </a:graphicData>
-        </a:graphic>
-      </p:graphicFrame>
-      <p:sp>
-        <p:nvSpPr>
-          <p:cNvPr id="3" name="TextBox 2"/>
-          <p:cNvSpPr txBox="1"/>
-          <p:nvPr/>
-        </p:nvSpPr>
-        <p:spPr>
-          <a:xfrm>
-            <a:off x="2806065" y="249674"/>
-            <a:ext cx="3531870" cy="369332"/>
-          </a:xfrm>
-          <a:prstGeom prst="rect">
-            <a:avLst/>
-          </a:prstGeom>
-          <a:noFill/>
-        </p:spPr>
-        <p:txBody>
-          <a:bodyPr wrap="square" rtlCol="0">
-            <a:spAutoFit/>
-            <a:scene3d>
-              <a:camera prst="orthographicFront">
-                <a:rot lat="0" lon="0" rev="0"/>
-              </a:camera>
-              <a:lightRig rig="contrasting" dir="t">
-                <a:rot lat="0" lon="0" rev="4500000"/>
-              </a:lightRig>
-            </a:scene3d>
-            <a:sp3d contourW="6350" prstMaterial="metal">
-              <a:bevelT w="127000" h="31750" prst="relaxedInset"/>
-              <a:contourClr>
-                <a:schemeClr val="accent1">
-                  <a:shade val="75000"/>
-                </a:schemeClr>
-              </a:contourClr>
-            </a:sp3d>
-          </a:bodyPr>
-          <a:lstStyle/>
-          <a:p>
-            <a:pPr algn="ctr"/>
-            <a:r>
-              <a:rPr lang="en-US" b="1" cap="all" dirty="0" smtClean="0">
-                <a:ln w="0"/>
-                <a:gradFill flip="none">
-                  <a:gsLst>
-                    <a:gs pos="0">
-                      <a:schemeClr val="accent1">
-                        <a:tint val="75000"/>
-                        <a:shade val="75000"/>
-                        <a:satMod val="170000"/>
-                      </a:schemeClr>
-                    </a:gs>
-                    <a:gs pos="49000">
-                      <a:schemeClr val="accent1">
-                        <a:tint val="88000"/>
-                        <a:shade val="65000"/>
-                        <a:satMod val="172000"/>
-                      </a:schemeClr>
-                    </a:gs>
-                    <a:gs pos="50000">
-                      <a:schemeClr val="accent1">
-                        <a:shade val="65000"/>
-                        <a:satMod val="130000"/>
-                      </a:schemeClr>
-                    </a:gs>
-                    <a:gs pos="92000">
-                      <a:schemeClr val="accent1">
-                        <a:shade val="50000"/>
-                        <a:satMod val="120000"/>
-                      </a:schemeClr>
-                    </a:gs>
-                    <a:gs pos="100000">
-                      <a:schemeClr val="accent1">
-                        <a:shade val="48000"/>
-                        <a:satMod val="120000"/>
-                      </a:schemeClr>
-                    </a:gs>
-                  </a:gsLst>
-                  <a:lin ang="5400000"/>
-                </a:gradFill>
-                <a:effectLst>
-                  <a:reflection blurRad="12700" stA="50000" endPos="50000" dist="5000" dir="5400000" sy="-100000" rotWithShape="0"/>
-                </a:effectLst>
-              </a:rPr>
-              <a:t>Presentation Outline</a:t>
-            </a:r>
-            <a:endParaRPr lang="en-US" b="1" cap="all" dirty="0">
-              <a:ln w="0"/>
-              <a:gradFill flip="none">
-                <a:gsLst>
-                  <a:gs pos="0">
-                    <a:schemeClr val="accent1">
-                      <a:tint val="75000"/>
-                      <a:shade val="75000"/>
-                      <a:satMod val="170000"/>
-                    </a:schemeClr>
-                  </a:gs>
-                  <a:gs pos="49000">
-                    <a:schemeClr val="accent1">
-                      <a:tint val="88000"/>
-                      <a:shade val="65000"/>
-                      <a:satMod val="172000"/>
-                    </a:schemeClr>
-                  </a:gs>
-                  <a:gs pos="50000">
-                    <a:schemeClr val="accent1">
-                      <a:shade val="65000"/>
-                      <a:satMod val="130000"/>
-                    </a:schemeClr>
-                  </a:gs>
-                  <a:gs pos="92000">
-                    <a:schemeClr val="accent1">
-                      <a:shade val="50000"/>
-                      <a:satMod val="120000"/>
-                    </a:schemeClr>
-                  </a:gs>
-                  <a:gs pos="100000">
-                    <a:schemeClr val="accent1">
-                      <a:shade val="48000"/>
-                      <a:satMod val="120000"/>
-                    </a:schemeClr>
-                  </a:gs>
-                </a:gsLst>
-                <a:lin ang="5400000"/>
-              </a:gradFill>
-              <a:effectLst>
-                <a:reflection blurRad="12700" stA="50000" endPos="50000" dist="5000" dir="5400000" sy="-100000" rotWithShape="0"/>
-              </a:effectLst>
-            </a:endParaRPr>
-          </a:p>
-        </p:txBody>
-      </p:sp>
-    </p:spTree>
-    <p:extLst>
-      <p:ext uri="{BB962C8B-B14F-4D97-AF65-F5344CB8AC3E}">
-        <p14:creationId xmlns:p14="http://schemas.microsoft.com/office/powerpoint/2010/main" val="2121574913"/>
-      </p:ext>
-    </p:extLst>
-  </p:cSld>
-  <p:clrMapOvr>
-    <a:masterClrMapping/>
-  </p:clrMapOvr>
+  <p:timing>
+    <p:tnLst>
+      <p:par>
+        <p:cTn id="1" dur="indefinite" restart="never" nodeType="tmRoot"/>
+      </p:par>
+    </p:tnLst>
+  </p:timing>
 </p:sld>
 </file>
 
@@ -8697,4 +14477,289 @@
   <a:objectDefaults/>
   <a:extraClrSchemeLst/>
 </a:theme>
+</file>
+
+<file path=ppt/theme/theme2.xml><?xml version="1.0" encoding="utf-8"?>
+<a:theme xmlns:a="http://schemas.openxmlformats.org/drawingml/2006/main" name="Office Theme">
+  <a:themeElements>
+    <a:clrScheme name="Office">
+      <a:dk1>
+        <a:sysClr val="windowText" lastClr="000000"/>
+      </a:dk1>
+      <a:lt1>
+        <a:sysClr val="window" lastClr="FFFFFF"/>
+      </a:lt1>
+      <a:dk2>
+        <a:srgbClr val="1F497D"/>
+      </a:dk2>
+      <a:lt2>
+        <a:srgbClr val="EEECE1"/>
+      </a:lt2>
+      <a:accent1>
+        <a:srgbClr val="4F81BD"/>
+      </a:accent1>
+      <a:accent2>
+        <a:srgbClr val="C0504D"/>
+      </a:accent2>
+      <a:accent3>
+        <a:srgbClr val="9BBB59"/>
+      </a:accent3>
+      <a:accent4>
+        <a:srgbClr val="8064A2"/>
+      </a:accent4>
+      <a:accent5>
+        <a:srgbClr val="4BACC6"/>
+      </a:accent5>
+      <a:accent6>
+        <a:srgbClr val="F79646"/>
+      </a:accent6>
+      <a:hlink>
+        <a:srgbClr val="0000FF"/>
+      </a:hlink>
+      <a:folHlink>
+        <a:srgbClr val="800080"/>
+      </a:folHlink>
+    </a:clrScheme>
+    <a:fontScheme name="Office">
+      <a:majorFont>
+        <a:latin typeface="Calibri"/>
+        <a:ea typeface=""/>
+        <a:cs typeface=""/>
+        <a:font script="Jpan" typeface="ＭＳ Ｐゴシック"/>
+        <a:font script="Hang" typeface="맑은 고딕"/>
+        <a:font script="Hans" typeface="宋体"/>
+        <a:font script="Hant" typeface="新細明體"/>
+        <a:font script="Arab" typeface="Times New Roman"/>
+        <a:font script="Hebr" typeface="Times New Roman"/>
+        <a:font script="Thai" typeface="Angsana New"/>
+        <a:font script="Ethi" typeface="Nyala"/>
+        <a:font script="Beng" typeface="Vrinda"/>
+        <a:font script="Gujr" typeface="Shruti"/>
+        <a:font script="Khmr" typeface="MoolBoran"/>
+        <a:font script="Knda" typeface="Tunga"/>
+        <a:font script="Guru" typeface="Raavi"/>
+        <a:font script="Cans" typeface="Euphemia"/>
+        <a:font script="Cher" typeface="Plantagenet Cherokee"/>
+        <a:font script="Yiii" typeface="Microsoft Yi Baiti"/>
+        <a:font script="Tibt" typeface="Microsoft Himalaya"/>
+        <a:font script="Thaa" typeface="MV Boli"/>
+        <a:font script="Deva" typeface="Mangal"/>
+        <a:font script="Telu" typeface="Gautami"/>
+        <a:font script="Taml" typeface="Latha"/>
+        <a:font script="Syrc" typeface="Estrangelo Edessa"/>
+        <a:font script="Orya" typeface="Kalinga"/>
+        <a:font script="Mlym" typeface="Kartika"/>
+        <a:font script="Laoo" typeface="DokChampa"/>
+        <a:font script="Sinh" typeface="Iskoola Pota"/>
+        <a:font script="Mong" typeface="Mongolian Baiti"/>
+        <a:font script="Viet" typeface="Times New Roman"/>
+        <a:font script="Uigh" typeface="Microsoft Uighur"/>
+        <a:font script="Geor" typeface="Sylfaen"/>
+      </a:majorFont>
+      <a:minorFont>
+        <a:latin typeface="Calibri"/>
+        <a:ea typeface=""/>
+        <a:cs typeface=""/>
+        <a:font script="Jpan" typeface="ＭＳ Ｐゴシック"/>
+        <a:font script="Hang" typeface="맑은 고딕"/>
+        <a:font script="Hans" typeface="宋体"/>
+        <a:font script="Hant" typeface="新細明體"/>
+        <a:font script="Arab" typeface="Arial"/>
+        <a:font script="Hebr" typeface="Arial"/>
+        <a:font script="Thai" typeface="Cordia New"/>
+        <a:font script="Ethi" typeface="Nyala"/>
+        <a:font script="Beng" typeface="Vrinda"/>
+        <a:font script="Gujr" typeface="Shruti"/>
+        <a:font script="Khmr" typeface="DaunPenh"/>
+        <a:font script="Knda" typeface="Tunga"/>
+        <a:font script="Guru" typeface="Raavi"/>
+        <a:font script="Cans" typeface="Euphemia"/>
+        <a:font script="Cher" typeface="Plantagenet Cherokee"/>
+        <a:font script="Yiii" typeface="Microsoft Yi Baiti"/>
+        <a:font script="Tibt" typeface="Microsoft Himalaya"/>
+        <a:font script="Thaa" typeface="MV Boli"/>
+        <a:font script="Deva" typeface="Mangal"/>
+        <a:font script="Telu" typeface="Gautami"/>
+        <a:font script="Taml" typeface="Latha"/>
+        <a:font script="Syrc" typeface="Estrangelo Edessa"/>
+        <a:font script="Orya" typeface="Kalinga"/>
+        <a:font script="Mlym" typeface="Kartika"/>
+        <a:font script="Laoo" typeface="DokChampa"/>
+        <a:font script="Sinh" typeface="Iskoola Pota"/>
+        <a:font script="Mong" typeface="Mongolian Baiti"/>
+        <a:font script="Viet" typeface="Arial"/>
+        <a:font script="Uigh" typeface="Microsoft Uighur"/>
+        <a:font script="Geor" typeface="Sylfaen"/>
+      </a:minorFont>
+    </a:fontScheme>
+    <a:fmtScheme name="Office">
+      <a:fillStyleLst>
+        <a:solidFill>
+          <a:schemeClr val="phClr"/>
+        </a:solidFill>
+        <a:gradFill rotWithShape="1">
+          <a:gsLst>
+            <a:gs pos="0">
+              <a:schemeClr val="phClr">
+                <a:tint val="50000"/>
+                <a:satMod val="300000"/>
+              </a:schemeClr>
+            </a:gs>
+            <a:gs pos="35000">
+              <a:schemeClr val="phClr">
+                <a:tint val="37000"/>
+                <a:satMod val="300000"/>
+              </a:schemeClr>
+            </a:gs>
+            <a:gs pos="100000">
+              <a:schemeClr val="phClr">
+                <a:tint val="15000"/>
+                <a:satMod val="350000"/>
+              </a:schemeClr>
+            </a:gs>
+          </a:gsLst>
+          <a:lin ang="16200000" scaled="1"/>
+        </a:gradFill>
+        <a:gradFill rotWithShape="1">
+          <a:gsLst>
+            <a:gs pos="0">
+              <a:schemeClr val="phClr">
+                <a:shade val="51000"/>
+                <a:satMod val="130000"/>
+              </a:schemeClr>
+            </a:gs>
+            <a:gs pos="80000">
+              <a:schemeClr val="phClr">
+                <a:shade val="93000"/>
+                <a:satMod val="130000"/>
+              </a:schemeClr>
+            </a:gs>
+            <a:gs pos="100000">
+              <a:schemeClr val="phClr">
+                <a:shade val="94000"/>
+                <a:satMod val="135000"/>
+              </a:schemeClr>
+            </a:gs>
+          </a:gsLst>
+          <a:lin ang="16200000" scaled="0"/>
+        </a:gradFill>
+      </a:fillStyleLst>
+      <a:lnStyleLst>
+        <a:ln w="9525" cap="flat" cmpd="sng" algn="ctr">
+          <a:solidFill>
+            <a:schemeClr val="phClr">
+              <a:shade val="95000"/>
+              <a:satMod val="105000"/>
+            </a:schemeClr>
+          </a:solidFill>
+          <a:prstDash val="solid"/>
+        </a:ln>
+        <a:ln w="25400" cap="flat" cmpd="sng" algn="ctr">
+          <a:solidFill>
+            <a:schemeClr val="phClr"/>
+          </a:solidFill>
+          <a:prstDash val="solid"/>
+        </a:ln>
+        <a:ln w="38100" cap="flat" cmpd="sng" algn="ctr">
+          <a:solidFill>
+            <a:schemeClr val="phClr"/>
+          </a:solidFill>
+          <a:prstDash val="solid"/>
+        </a:ln>
+      </a:lnStyleLst>
+      <a:effectStyleLst>
+        <a:effectStyle>
+          <a:effectLst>
+            <a:outerShdw blurRad="40000" dist="20000" dir="5400000" rotWithShape="0">
+              <a:srgbClr val="000000">
+                <a:alpha val="38000"/>
+              </a:srgbClr>
+            </a:outerShdw>
+          </a:effectLst>
+        </a:effectStyle>
+        <a:effectStyle>
+          <a:effectLst>
+            <a:outerShdw blurRad="40000" dist="23000" dir="5400000" rotWithShape="0">
+              <a:srgbClr val="000000">
+                <a:alpha val="35000"/>
+              </a:srgbClr>
+            </a:outerShdw>
+          </a:effectLst>
+        </a:effectStyle>
+        <a:effectStyle>
+          <a:effectLst>
+            <a:outerShdw blurRad="40000" dist="23000" dir="5400000" rotWithShape="0">
+              <a:srgbClr val="000000">
+                <a:alpha val="35000"/>
+              </a:srgbClr>
+            </a:outerShdw>
+          </a:effectLst>
+          <a:scene3d>
+            <a:camera prst="orthographicFront">
+              <a:rot lat="0" lon="0" rev="0"/>
+            </a:camera>
+            <a:lightRig rig="threePt" dir="t">
+              <a:rot lat="0" lon="0" rev="1200000"/>
+            </a:lightRig>
+          </a:scene3d>
+          <a:sp3d>
+            <a:bevelT w="63500" h="25400"/>
+          </a:sp3d>
+        </a:effectStyle>
+      </a:effectStyleLst>
+      <a:bgFillStyleLst>
+        <a:solidFill>
+          <a:schemeClr val="phClr"/>
+        </a:solidFill>
+        <a:gradFill rotWithShape="1">
+          <a:gsLst>
+            <a:gs pos="0">
+              <a:schemeClr val="phClr">
+                <a:tint val="40000"/>
+                <a:satMod val="350000"/>
+              </a:schemeClr>
+            </a:gs>
+            <a:gs pos="40000">
+              <a:schemeClr val="phClr">
+                <a:tint val="45000"/>
+                <a:shade val="99000"/>
+                <a:satMod val="350000"/>
+              </a:schemeClr>
+            </a:gs>
+            <a:gs pos="100000">
+              <a:schemeClr val="phClr">
+                <a:shade val="20000"/>
+                <a:satMod val="255000"/>
+              </a:schemeClr>
+            </a:gs>
+          </a:gsLst>
+          <a:path path="circle">
+            <a:fillToRect l="50000" t="-80000" r="50000" b="180000"/>
+          </a:path>
+        </a:gradFill>
+        <a:gradFill rotWithShape="1">
+          <a:gsLst>
+            <a:gs pos="0">
+              <a:schemeClr val="phClr">
+                <a:tint val="80000"/>
+                <a:satMod val="300000"/>
+              </a:schemeClr>
+            </a:gs>
+            <a:gs pos="100000">
+              <a:schemeClr val="phClr">
+                <a:shade val="30000"/>
+                <a:satMod val="200000"/>
+              </a:schemeClr>
+            </a:gs>
+          </a:gsLst>
+          <a:path path="circle">
+            <a:fillToRect l="50000" t="50000" r="50000" b="50000"/>
+          </a:path>
+        </a:gradFill>
+      </a:bgFillStyleLst>
+    </a:fmtScheme>
+  </a:themeElements>
+  <a:objectDefaults/>
+  <a:extraClrSchemeLst/>
+</a:theme>
 </file>
--- a/Presentations/Presentation01/AsiriHouseTownes_SOC6100_JournalArticleCritique.pptx
+++ b/Presentations/Presentation01/AsiriHouseTownes_SOC6100_JournalArticleCritique.pptx
@@ -1420,8 +1420,8 @@
     <dgm:cxn modelId="{94545DFE-9D87-44D7-B09F-172240A7DFD6}" srcId="{D19434F5-8BA7-42A5-B06E-2A622BED50C2}" destId="{5E378D90-3C64-4F54-9EAF-339B3B633069}" srcOrd="3" destOrd="0" parTransId="{712EDBB5-B940-432F-9757-B048E08F8546}" sibTransId="{C0054E9D-D1A6-4E64-A302-AD66D9DD0AA0}"/>
     <dgm:cxn modelId="{A9F6E0FC-ABF1-4B15-8D87-0D429A78CC20}" type="presOf" srcId="{6CD38410-63FE-49E8-A15F-43113B579FC4}" destId="{599AE2E8-45C3-4D8A-9228-B6EB827C01EB}" srcOrd="0" destOrd="0" presId="urn:microsoft.com/office/officeart/2005/8/layout/vList2"/>
     <dgm:cxn modelId="{653864B4-F740-428D-BAC3-ECD6B652EC67}" type="presOf" srcId="{B8C5F0A9-8B0B-4F25-A41F-C13262A97A82}" destId="{BB8AE1D7-93E2-4F7D-95A0-24893BD88B49}" srcOrd="0" destOrd="0" presId="urn:microsoft.com/office/officeart/2005/8/layout/vList2"/>
+    <dgm:cxn modelId="{1A40E00B-C2F3-4051-BDAA-0C0854E02222}" type="presOf" srcId="{EAA145E7-7044-408B-8F38-CB9585C30432}" destId="{90A7ECFA-C3F0-4249-88F6-F725A55CB44A}" srcOrd="0" destOrd="2" presId="urn:microsoft.com/office/officeart/2005/8/layout/vList2"/>
     <dgm:cxn modelId="{19802695-09B6-4A61-A02B-2946680F8901}" srcId="{B8C5F0A9-8B0B-4F25-A41F-C13262A97A82}" destId="{1C9ABC7F-5385-42E3-8133-66E6895E84BA}" srcOrd="0" destOrd="0" parTransId="{6F8535C0-9F19-4BAF-A5B1-04193E3FD565}" sibTransId="{C68F268B-AD5F-46C5-854B-5C0215A6935F}"/>
-    <dgm:cxn modelId="{1A40E00B-C2F3-4051-BDAA-0C0854E02222}" type="presOf" srcId="{EAA145E7-7044-408B-8F38-CB9585C30432}" destId="{90A7ECFA-C3F0-4249-88F6-F725A55CB44A}" srcOrd="0" destOrd="2" presId="urn:microsoft.com/office/officeart/2005/8/layout/vList2"/>
     <dgm:cxn modelId="{55496AFF-0341-4E33-B3BD-4A318C027C4F}" srcId="{D19434F5-8BA7-42A5-B06E-2A622BED50C2}" destId="{6CD38410-63FE-49E8-A15F-43113B579FC4}" srcOrd="2" destOrd="0" parTransId="{1B449093-E713-434B-9FEF-C48394D097DD}" sibTransId="{AB28A93F-DD8D-4798-A5EA-7B51DD175AAC}"/>
     <dgm:cxn modelId="{50CA1C2B-40BB-42D2-BDDA-117086E5C741}" type="presParOf" srcId="{E32AB43C-F7CF-45AC-88A2-FE48D30B914D}" destId="{8BB89208-568D-4CB0-BB01-1D5CE9E2C6EE}" srcOrd="0" destOrd="0" presId="urn:microsoft.com/office/officeart/2005/8/layout/vList2"/>
     <dgm:cxn modelId="{180E2E21-D07C-44CE-A452-5C6FC833A887}" type="presParOf" srcId="{E32AB43C-F7CF-45AC-88A2-FE48D30B914D}" destId="{0CD346E0-8734-438E-982D-85C38298B913}" srcOrd="1" destOrd="0" presId="urn:microsoft.com/office/officeart/2005/8/layout/vList2"/>
@@ -3699,7 +3699,7 @@
           <a:p>
             <a:fld id="{235D0C9C-FE04-4D2F-A570-BCEF9F25AF09}" type="datetimeFigureOut">
               <a:rPr lang="en-US" smtClean="0"/>
-              <a:t>10/04/2018</a:t>
+              <a:t>10/05/2018</a:t>
             </a:fld>
             <a:endParaRPr lang="en-US"/>
           </a:p>
@@ -5203,7 +5203,7 @@
           <a:p>
             <a:fld id="{B2FFD341-8149-4AD4-87F3-AEC054F0F59C}" type="datetime1">
               <a:rPr lang="en-US" smtClean="0"/>
-              <a:t>10/04/2018</a:t>
+              <a:t>10/05/2018</a:t>
             </a:fld>
             <a:endParaRPr lang="en-US"/>
           </a:p>
@@ -5373,7 +5373,7 @@
           <a:p>
             <a:fld id="{35BF5644-C4CF-4457-B8F6-80F8DE2B3631}" type="datetime1">
               <a:rPr lang="en-US" smtClean="0"/>
-              <a:t>10/04/2018</a:t>
+              <a:t>10/05/2018</a:t>
             </a:fld>
             <a:endParaRPr lang="en-US"/>
           </a:p>
@@ -5553,7 +5553,7 @@
           <a:p>
             <a:fld id="{C5F5701A-7247-4BB3-9857-4874B0EE95CC}" type="datetime1">
               <a:rPr lang="en-US" smtClean="0"/>
-              <a:t>10/04/2018</a:t>
+              <a:t>10/05/2018</a:t>
             </a:fld>
             <a:endParaRPr lang="en-US"/>
           </a:p>
@@ -5723,7 +5723,7 @@
           <a:p>
             <a:fld id="{E0C6374D-BF12-4096-87A0-807717C03C3A}" type="datetime1">
               <a:rPr lang="en-US" smtClean="0"/>
-              <a:t>10/04/2018</a:t>
+              <a:t>10/05/2018</a:t>
             </a:fld>
             <a:endParaRPr lang="en-US"/>
           </a:p>
@@ -5969,7 +5969,7 @@
           <a:p>
             <a:fld id="{10EE01A5-6BAC-4216-A3C1-D43C9A2EC80E}" type="datetime1">
               <a:rPr lang="en-US" smtClean="0"/>
-              <a:t>10/04/2018</a:t>
+              <a:t>10/05/2018</a:t>
             </a:fld>
             <a:endParaRPr lang="en-US"/>
           </a:p>
@@ -6257,7 +6257,7 @@
           <a:p>
             <a:fld id="{8AA9849E-5DEC-4E07-BF18-7D0B479A97D2}" type="datetime1">
               <a:rPr lang="en-US" smtClean="0"/>
-              <a:t>10/04/2018</a:t>
+              <a:t>10/05/2018</a:t>
             </a:fld>
             <a:endParaRPr lang="en-US"/>
           </a:p>
@@ -6679,7 +6679,7 @@
           <a:p>
             <a:fld id="{F79C108E-7010-4C3B-BA6A-9614441F7151}" type="datetime1">
               <a:rPr lang="en-US" smtClean="0"/>
-              <a:t>10/04/2018</a:t>
+              <a:t>10/05/2018</a:t>
             </a:fld>
             <a:endParaRPr lang="en-US"/>
           </a:p>
@@ -6797,7 +6797,7 @@
           <a:p>
             <a:fld id="{13DC3AC4-8878-407A-B790-4FCD41475D37}" type="datetime1">
               <a:rPr lang="en-US" smtClean="0"/>
-              <a:t>10/04/2018</a:t>
+              <a:t>10/05/2018</a:t>
             </a:fld>
             <a:endParaRPr lang="en-US"/>
           </a:p>
@@ -6892,7 +6892,7 @@
           <a:p>
             <a:fld id="{554E297D-E0E0-4553-AEAE-30AFEB1DD1B5}" type="datetime1">
               <a:rPr lang="en-US" smtClean="0"/>
-              <a:t>10/04/2018</a:t>
+              <a:t>10/05/2018</a:t>
             </a:fld>
             <a:endParaRPr lang="en-US"/>
           </a:p>
@@ -7169,7 +7169,7 @@
           <a:p>
             <a:fld id="{BD274C2E-B22F-43F1-9703-96990825B5DD}" type="datetime1">
               <a:rPr lang="en-US" smtClean="0"/>
-              <a:t>10/04/2018</a:t>
+              <a:t>10/05/2018</a:t>
             </a:fld>
             <a:endParaRPr lang="en-US"/>
           </a:p>
@@ -7422,7 +7422,7 @@
           <a:p>
             <a:fld id="{20B8AA96-18A4-42B8-BE13-E473D0F459F8}" type="datetime1">
               <a:rPr lang="en-US" smtClean="0"/>
-              <a:t>10/04/2018</a:t>
+              <a:t>10/05/2018</a:t>
             </a:fld>
             <a:endParaRPr lang="en-US"/>
           </a:p>
@@ -7635,7 +7635,7 @@
           <a:p>
             <a:fld id="{40DA1FD4-43F9-4E19-B925-BCCD6E240E7E}" type="datetime1">
               <a:rPr lang="en-US" smtClean="0"/>
-              <a:t>10/04/2018</a:t>
+              <a:t>10/05/2018</a:t>
             </a:fld>
             <a:endParaRPr lang="en-US"/>
           </a:p>
@@ -8073,11 +8073,7 @@
           <a:p>
             <a:r>
               <a:rPr lang="en-US" dirty="0" smtClean="0"/>
-              <a:t>Nathaniel </a:t>
-            </a:r>
-            <a:r>
-              <a:rPr lang="en-US" dirty="0" smtClean="0"/>
-              <a:t>House</a:t>
+              <a:t>Nathaniel House</a:t>
             </a:r>
           </a:p>
           <a:p>
@@ -8380,14 +8376,21 @@
                 <a:latin typeface="Times New Roman"/>
                 <a:cs typeface="Times New Roman"/>
               </a:rPr>
-              <a:t>ageTLO</a:t>
+              <a:t>TLOage</a:t>
             </a:r>
             <a:r>
               <a:rPr lang="en-US" dirty="0" smtClean="0">
                 <a:latin typeface="Times New Roman"/>
                 <a:cs typeface="Times New Roman"/>
               </a:rPr>
-              <a:t>) + </a:t>
+              <a:t>) </a:t>
+            </a:r>
+            <a:r>
+              <a:rPr lang="en-US" dirty="0" smtClean="0">
+                <a:latin typeface="Times New Roman"/>
+                <a:cs typeface="Times New Roman"/>
+              </a:rPr>
+              <a:t>+ </a:t>
             </a:r>
             <a:r>
               <a:rPr lang="el-GR" dirty="0" smtClean="0">
@@ -8415,14 +8418,21 @@
                 <a:latin typeface="Times New Roman"/>
                 <a:cs typeface="Times New Roman"/>
               </a:rPr>
-              <a:t>sizeTLO</a:t>
+              <a:t>TLOsize</a:t>
             </a:r>
             <a:r>
               <a:rPr lang="en-US" dirty="0" smtClean="0">
                 <a:latin typeface="Times New Roman"/>
                 <a:cs typeface="Times New Roman"/>
               </a:rPr>
-              <a:t>) + </a:t>
+              <a:t>) </a:t>
+            </a:r>
+            <a:r>
+              <a:rPr lang="en-US" dirty="0" smtClean="0">
+                <a:latin typeface="Times New Roman"/>
+                <a:cs typeface="Times New Roman"/>
+              </a:rPr>
+              <a:t>+ </a:t>
             </a:r>
             <a:r>
               <a:rPr lang="el-GR" dirty="0" smtClean="0">
@@ -8621,14 +8631,21 @@
                 <a:latin typeface="Times New Roman"/>
                 <a:cs typeface="Times New Roman"/>
               </a:rPr>
-              <a:t>ageTLO</a:t>
+              <a:t>TLOage</a:t>
             </a:r>
             <a:r>
               <a:rPr lang="en-US" dirty="0" smtClean="0">
                 <a:latin typeface="Times New Roman"/>
                 <a:cs typeface="Times New Roman"/>
               </a:rPr>
-              <a:t>) + </a:t>
+              <a:t>) </a:t>
+            </a:r>
+            <a:r>
+              <a:rPr lang="en-US" dirty="0" smtClean="0">
+                <a:latin typeface="Times New Roman"/>
+                <a:cs typeface="Times New Roman"/>
+              </a:rPr>
+              <a:t>+ </a:t>
             </a:r>
             <a:r>
               <a:rPr lang="el-GR" dirty="0" smtClean="0">
@@ -8656,14 +8673,21 @@
                 <a:latin typeface="Times New Roman"/>
                 <a:cs typeface="Times New Roman"/>
               </a:rPr>
-              <a:t>sizeTLO</a:t>
+              <a:t>TLOsize</a:t>
             </a:r>
             <a:r>
               <a:rPr lang="en-US" dirty="0" smtClean="0">
                 <a:latin typeface="Times New Roman"/>
                 <a:cs typeface="Times New Roman"/>
               </a:rPr>
-              <a:t>) + </a:t>
+              <a:t>) </a:t>
+            </a:r>
+            <a:r>
+              <a:rPr lang="en-US" dirty="0" smtClean="0">
+                <a:latin typeface="Times New Roman"/>
+                <a:cs typeface="Times New Roman"/>
+              </a:rPr>
+              <a:t>+ </a:t>
             </a:r>
             <a:r>
               <a:rPr lang="el-GR" dirty="0" smtClean="0">
@@ -8862,14 +8886,21 @@
                 <a:latin typeface="Times New Roman"/>
                 <a:cs typeface="Times New Roman"/>
               </a:rPr>
-              <a:t>ageTLO</a:t>
+              <a:t>TLOage</a:t>
             </a:r>
             <a:r>
               <a:rPr lang="en-US" dirty="0" smtClean="0">
                 <a:latin typeface="Times New Roman"/>
                 <a:cs typeface="Times New Roman"/>
               </a:rPr>
-              <a:t>) + </a:t>
+              <a:t>) </a:t>
+            </a:r>
+            <a:r>
+              <a:rPr lang="en-US" dirty="0" smtClean="0">
+                <a:latin typeface="Times New Roman"/>
+                <a:cs typeface="Times New Roman"/>
+              </a:rPr>
+              <a:t>+ </a:t>
             </a:r>
             <a:r>
               <a:rPr lang="el-GR" dirty="0" smtClean="0">
@@ -8897,14 +8928,21 @@
                 <a:latin typeface="Times New Roman"/>
                 <a:cs typeface="Times New Roman"/>
               </a:rPr>
-              <a:t>sizeTLO</a:t>
+              <a:t>TLOsize</a:t>
             </a:r>
             <a:r>
               <a:rPr lang="en-US" dirty="0" smtClean="0">
                 <a:latin typeface="Times New Roman"/>
                 <a:cs typeface="Times New Roman"/>
               </a:rPr>
-              <a:t>) + </a:t>
+              <a:t>) </a:t>
+            </a:r>
+            <a:r>
+              <a:rPr lang="en-US" dirty="0" smtClean="0">
+                <a:latin typeface="Times New Roman"/>
+                <a:cs typeface="Times New Roman"/>
+              </a:rPr>
+              <a:t>+ </a:t>
             </a:r>
             <a:r>
               <a:rPr lang="el-GR" dirty="0" smtClean="0">
@@ -9340,7 +9378,7 @@
                 <a:latin typeface="Times New Roman"/>
                 <a:cs typeface="Times New Roman"/>
               </a:rPr>
-              <a:t>compInv</a:t>
+              <a:t>payInventors</a:t>
             </a:r>
             <a:r>
               <a:rPr lang="en-US" dirty="0" smtClean="0">
@@ -9350,7 +9388,17 @@
                 <a:latin typeface="Times New Roman"/>
                 <a:cs typeface="Times New Roman"/>
               </a:rPr>
-              <a:t>) +  </a:t>
+              <a:t>) </a:t>
+            </a:r>
+            <a:r>
+              <a:rPr lang="en-US" dirty="0" smtClean="0">
+                <a:solidFill>
+                  <a:prstClr val="black"/>
+                </a:solidFill>
+                <a:latin typeface="Times New Roman"/>
+                <a:cs typeface="Times New Roman"/>
+              </a:rPr>
+              <a:t>+  </a:t>
             </a:r>
             <a:r>
               <a:rPr lang="el-GR" dirty="0" smtClean="0">
@@ -9390,7 +9438,7 @@
                 <a:latin typeface="Times New Roman"/>
                 <a:cs typeface="Times New Roman"/>
               </a:rPr>
-              <a:t>compDept</a:t>
+              <a:t>payDept</a:t>
             </a:r>
             <a:r>
               <a:rPr lang="en-US" dirty="0" smtClean="0">
@@ -9450,7 +9498,7 @@
                 <a:latin typeface="Times New Roman"/>
                 <a:cs typeface="Times New Roman"/>
               </a:rPr>
-              <a:t>compTLO</a:t>
+              <a:t>payTLO</a:t>
             </a:r>
             <a:r>
               <a:rPr lang="en-US" dirty="0" smtClean="0">
@@ -9561,14 +9609,21 @@
                 <a:latin typeface="Times New Roman"/>
                 <a:cs typeface="Times New Roman"/>
               </a:rPr>
-              <a:t>ageTLO</a:t>
+              <a:t>TLOage</a:t>
             </a:r>
             <a:r>
               <a:rPr lang="en-US" dirty="0" smtClean="0">
                 <a:latin typeface="Times New Roman"/>
                 <a:cs typeface="Times New Roman"/>
               </a:rPr>
-              <a:t>) + </a:t>
+              <a:t>) </a:t>
+            </a:r>
+            <a:r>
+              <a:rPr lang="en-US" dirty="0" smtClean="0">
+                <a:latin typeface="Times New Roman"/>
+                <a:cs typeface="Times New Roman"/>
+              </a:rPr>
+              <a:t>+ </a:t>
             </a:r>
             <a:r>
               <a:rPr lang="el-GR" dirty="0" smtClean="0">
@@ -9596,14 +9651,21 @@
                 <a:latin typeface="Times New Roman"/>
                 <a:cs typeface="Times New Roman"/>
               </a:rPr>
-              <a:t>sizeTLO</a:t>
+              <a:t>TLOsize</a:t>
             </a:r>
             <a:r>
               <a:rPr lang="en-US" dirty="0" smtClean="0">
                 <a:latin typeface="Times New Roman"/>
                 <a:cs typeface="Times New Roman"/>
               </a:rPr>
-              <a:t>) + </a:t>
+              <a:t>) </a:t>
+            </a:r>
+            <a:r>
+              <a:rPr lang="en-US" dirty="0" smtClean="0">
+                <a:latin typeface="Times New Roman"/>
+                <a:cs typeface="Times New Roman"/>
+              </a:rPr>
+              <a:t>+ </a:t>
             </a:r>
             <a:r>
               <a:rPr lang="el-GR" dirty="0" smtClean="0">
@@ -10039,7 +10101,7 @@
                 <a:latin typeface="Times New Roman"/>
                 <a:cs typeface="Times New Roman"/>
               </a:rPr>
-              <a:t>compInv</a:t>
+              <a:t>payInventors</a:t>
             </a:r>
             <a:r>
               <a:rPr lang="en-US" dirty="0" smtClean="0">
@@ -10049,7 +10111,17 @@
                 <a:latin typeface="Times New Roman"/>
                 <a:cs typeface="Times New Roman"/>
               </a:rPr>
-              <a:t>) +  </a:t>
+              <a:t>) </a:t>
+            </a:r>
+            <a:r>
+              <a:rPr lang="en-US" dirty="0" smtClean="0">
+                <a:solidFill>
+                  <a:prstClr val="black"/>
+                </a:solidFill>
+                <a:latin typeface="Times New Roman"/>
+                <a:cs typeface="Times New Roman"/>
+              </a:rPr>
+              <a:t>+  </a:t>
             </a:r>
             <a:r>
               <a:rPr lang="el-GR" dirty="0" smtClean="0">
@@ -10089,7 +10161,7 @@
                 <a:latin typeface="Times New Roman"/>
                 <a:cs typeface="Times New Roman"/>
               </a:rPr>
-              <a:t>compDept</a:t>
+              <a:t>payDept</a:t>
             </a:r>
             <a:r>
               <a:rPr lang="en-US" dirty="0" smtClean="0">
@@ -10149,7 +10221,7 @@
                 <a:latin typeface="Times New Roman"/>
                 <a:cs typeface="Times New Roman"/>
               </a:rPr>
-              <a:t>compTLO</a:t>
+              <a:t>payTLO</a:t>
             </a:r>
             <a:r>
               <a:rPr lang="en-US" dirty="0" smtClean="0">
@@ -10371,8 +10443,8 @@
         </p:blipFill>
         <p:spPr bwMode="auto">
           <a:xfrm>
-            <a:off x="1645287" y="571500"/>
-            <a:ext cx="5853426" cy="4572000"/>
+            <a:off x="2057400" y="893394"/>
+            <a:ext cx="5029200" cy="3928213"/>
           </a:xfrm>
           <a:prstGeom prst="rect">
             <a:avLst/>
@@ -10799,13 +10871,8 @@
             </a:pPr>
             <a:r>
               <a:rPr lang="en-US" dirty="0" smtClean="0"/>
-              <a:t>Study the role of research universities as suppliers of </a:t>
-            </a:r>
-            <a:r>
-              <a:rPr lang="en-US" dirty="0" smtClean="0"/>
-              <a:t>innovations.</a:t>
-            </a:r>
-            <a:endParaRPr lang="en-US" dirty="0" smtClean="0"/>
+              <a:t>Study the role of research universities as suppliers of innovations.</a:t>
+            </a:r>
           </a:p>
           <a:p>
             <a:pPr marL="342900" indent="-342900">
@@ -11854,7 +11921,7 @@
           </p:nvSpPr>
           <p:spPr>
             <a:xfrm>
-              <a:off x="3639218" y="1341120"/>
+              <a:off x="3639218" y="1291112"/>
               <a:ext cx="1828800" cy="548640"/>
             </a:xfrm>
             <a:prstGeom prst="rect">
@@ -11922,7 +11989,7 @@
           </p:nvSpPr>
           <p:spPr>
             <a:xfrm>
-              <a:off x="3639218" y="628650"/>
+              <a:off x="3639218" y="678658"/>
               <a:ext cx="1828800" cy="548640"/>
             </a:xfrm>
             <a:prstGeom prst="rect">
@@ -11987,7 +12054,7 @@
           </p:nvSpPr>
           <p:spPr>
             <a:xfrm>
-              <a:off x="3959258" y="1889760"/>
+              <a:off x="3959258" y="1846896"/>
               <a:ext cx="1188720" cy="369332"/>
             </a:xfrm>
             <a:prstGeom prst="rect">
@@ -12018,7 +12085,7 @@
           </p:nvSpPr>
           <p:spPr>
             <a:xfrm>
-              <a:off x="3776378" y="264795"/>
+              <a:off x="3776378" y="307659"/>
               <a:ext cx="1554480" cy="365760"/>
             </a:xfrm>
             <a:prstGeom prst="rect">
@@ -13227,7 +13294,11 @@
           <a:p>
             <a:r>
               <a:rPr lang="en-US" dirty="0" err="1" smtClean="0"/>
-              <a:t>compInv</a:t>
+              <a:t>pay</a:t>
+            </a:r>
+            <a:r>
+              <a:rPr lang="en-US" dirty="0" err="1" smtClean="0"/>
+              <a:t>Inventors</a:t>
             </a:r>
             <a:r>
               <a:rPr lang="en-US" dirty="0" smtClean="0"/>
@@ -13257,7 +13328,11 @@
           <a:p>
             <a:r>
               <a:rPr lang="en-US" dirty="0" err="1" smtClean="0"/>
-              <a:t>compDept</a:t>
+              <a:t>pay</a:t>
+            </a:r>
+            <a:r>
+              <a:rPr lang="en-US" dirty="0" err="1" smtClean="0"/>
+              <a:t>Dept</a:t>
             </a:r>
             <a:r>
               <a:rPr lang="en-US" dirty="0" smtClean="0"/>
@@ -13287,7 +13362,11 @@
           <a:p>
             <a:r>
               <a:rPr lang="en-US" dirty="0" err="1" smtClean="0"/>
-              <a:t>compTLO</a:t>
+              <a:t>pay</a:t>
+            </a:r>
+            <a:r>
+              <a:rPr lang="en-US" dirty="0" err="1" smtClean="0"/>
+              <a:t>TLO</a:t>
             </a:r>
             <a:r>
               <a:rPr lang="en-US" dirty="0" smtClean="0"/>
@@ -13325,7 +13404,40 @@
           <a:p>
             <a:r>
               <a:rPr lang="en-US" dirty="0" err="1" smtClean="0"/>
-              <a:t>ageTLO</a:t>
+              <a:t>TLOage</a:t>
+            </a:r>
+            <a:r>
+              <a:rPr lang="en-US" dirty="0" smtClean="0">
+                <a:solidFill>
+                  <a:prstClr val="black"/>
+                </a:solidFill>
+                <a:sym typeface="Symbol"/>
+              </a:rPr>
+              <a:t> </a:t>
+            </a:r>
+            <a:r>
+              <a:rPr lang="en-US" dirty="0" smtClean="0">
+                <a:solidFill>
+                  <a:prstClr val="black"/>
+                </a:solidFill>
+                <a:sym typeface="Symbol"/>
+              </a:rPr>
+              <a:t></a:t>
+            </a:r>
+            <a:r>
+              <a:rPr lang="en-US" dirty="0" smtClean="0"/>
+              <a:t> age of the technology licensing office in years</a:t>
+            </a:r>
+          </a:p>
+          <a:p>
+            <a:pPr lvl="0"/>
+            <a:r>
+              <a:rPr lang="en-US" dirty="0" err="1" smtClean="0"/>
+              <a:t>TLOsize</a:t>
+            </a:r>
+            <a:r>
+              <a:rPr lang="en-US" dirty="0" smtClean="0"/>
+              <a:t> </a:t>
             </a:r>
             <a:r>
               <a:rPr lang="en-US" dirty="0">
@@ -13334,7 +13446,91 @@
                 </a:solidFill>
                 <a:sym typeface="Symbol"/>
               </a:rPr>
+              <a:t></a:t>
+            </a:r>
+            <a:r>
+              <a:rPr lang="en-US" dirty="0">
+                <a:solidFill>
+                  <a:prstClr val="black"/>
+                </a:solidFill>
+              </a:rPr>
               <a:t> </a:t>
+            </a:r>
+            <a:r>
+              <a:rPr lang="en-US" dirty="0" smtClean="0">
+                <a:solidFill>
+                  <a:prstClr val="black"/>
+                </a:solidFill>
+              </a:rPr>
+              <a:t>number of licensing staff in the </a:t>
+            </a:r>
+            <a:r>
+              <a:rPr lang="en-US" dirty="0">
+                <a:solidFill>
+                  <a:prstClr val="black"/>
+                </a:solidFill>
+              </a:rPr>
+              <a:t>technology licensing </a:t>
+            </a:r>
+            <a:r>
+              <a:rPr lang="en-US" dirty="0" smtClean="0">
+                <a:solidFill>
+                  <a:prstClr val="black"/>
+                </a:solidFill>
+              </a:rPr>
+              <a:t>office</a:t>
+            </a:r>
+            <a:endParaRPr lang="en-US" dirty="0" smtClean="0"/>
+          </a:p>
+          <a:p>
+            <a:pPr lvl="0"/>
+            <a:r>
+              <a:rPr lang="en-US" dirty="0" err="1" smtClean="0"/>
+              <a:t>pubPriv</a:t>
+            </a:r>
+            <a:r>
+              <a:rPr lang="en-US" dirty="0" smtClean="0"/>
+              <a:t> </a:t>
+            </a:r>
+            <a:r>
+              <a:rPr lang="en-US" dirty="0">
+                <a:solidFill>
+                  <a:prstClr val="black"/>
+                </a:solidFill>
+                <a:sym typeface="Symbol"/>
+              </a:rPr>
+              <a:t></a:t>
+            </a:r>
+            <a:r>
+              <a:rPr lang="en-US" dirty="0">
+                <a:solidFill>
+                  <a:prstClr val="black"/>
+                </a:solidFill>
+              </a:rPr>
+              <a:t> </a:t>
+            </a:r>
+            <a:r>
+              <a:rPr lang="en-US" dirty="0" smtClean="0">
+                <a:solidFill>
+                  <a:prstClr val="black"/>
+                </a:solidFill>
+              </a:rPr>
+              <a:t>whether the institution is a p</a:t>
+            </a:r>
+            <a:r>
+              <a:rPr lang="en-US" dirty="0" smtClean="0"/>
+              <a:t>ublic or private university (public = 1; private = 0)</a:t>
+            </a:r>
+            <a:endParaRPr lang="en-US" dirty="0"/>
+          </a:p>
+          <a:p>
+            <a:r>
+              <a:rPr lang="en-US" dirty="0" err="1"/>
+              <a:t>i</a:t>
+            </a:r>
+            <a:r>
+              <a:rPr lang="en-US" dirty="0" err="1" smtClean="0"/>
+              <a:t>ncub</a:t>
             </a:r>
             <a:r>
               <a:rPr lang="en-US" dirty="0" smtClean="0">
@@ -13343,22 +13539,7 @@
                 </a:solidFill>
                 <a:sym typeface="Symbol"/>
               </a:rPr>
-              <a:t></a:t>
-            </a:r>
-            <a:r>
-              <a:rPr lang="en-US" dirty="0" smtClean="0"/>
-              <a:t> age of the technology licensing office in years</a:t>
-            </a:r>
-          </a:p>
-          <a:p>
-            <a:pPr lvl="0"/>
-            <a:r>
-              <a:rPr lang="en-US" dirty="0" smtClean="0"/>
-              <a:t>TLO </a:t>
-            </a:r>
-            <a:r>
-              <a:rPr lang="en-US" dirty="0"/>
-              <a:t>size </a:t>
+              <a:t> </a:t>
             </a:r>
             <a:r>
               <a:rPr lang="en-US" dirty="0">
@@ -13368,95 +13549,6 @@
                 <a:sym typeface="Symbol"/>
               </a:rPr>
               <a:t></a:t>
-            </a:r>
-            <a:r>
-              <a:rPr lang="en-US" dirty="0">
-                <a:solidFill>
-                  <a:prstClr val="black"/>
-                </a:solidFill>
-              </a:rPr>
-              <a:t> </a:t>
-            </a:r>
-            <a:r>
-              <a:rPr lang="en-US" dirty="0" smtClean="0">
-                <a:solidFill>
-                  <a:prstClr val="black"/>
-                </a:solidFill>
-              </a:rPr>
-              <a:t>number of licensing staff in the </a:t>
-            </a:r>
-            <a:r>
-              <a:rPr lang="en-US" dirty="0">
-                <a:solidFill>
-                  <a:prstClr val="black"/>
-                </a:solidFill>
-              </a:rPr>
-              <a:t>technology licensing </a:t>
-            </a:r>
-            <a:r>
-              <a:rPr lang="en-US" dirty="0" smtClean="0">
-                <a:solidFill>
-                  <a:prstClr val="black"/>
-                </a:solidFill>
-              </a:rPr>
-              <a:t>office</a:t>
-            </a:r>
-            <a:endParaRPr lang="en-US" dirty="0" smtClean="0"/>
-          </a:p>
-          <a:p>
-            <a:pPr lvl="0"/>
-            <a:r>
-              <a:rPr lang="en-US" dirty="0" err="1" smtClean="0"/>
-              <a:t>pubPriv</a:t>
-            </a:r>
-            <a:r>
-              <a:rPr lang="en-US" dirty="0" smtClean="0"/>
-              <a:t> </a:t>
-            </a:r>
-            <a:r>
-              <a:rPr lang="en-US" dirty="0">
-                <a:solidFill>
-                  <a:prstClr val="black"/>
-                </a:solidFill>
-                <a:sym typeface="Symbol"/>
-              </a:rPr>
-              <a:t></a:t>
-            </a:r>
-            <a:r>
-              <a:rPr lang="en-US" dirty="0">
-                <a:solidFill>
-                  <a:prstClr val="black"/>
-                </a:solidFill>
-              </a:rPr>
-              <a:t> </a:t>
-            </a:r>
-            <a:r>
-              <a:rPr lang="en-US" dirty="0" smtClean="0">
-                <a:solidFill>
-                  <a:prstClr val="black"/>
-                </a:solidFill>
-              </a:rPr>
-              <a:t>whether the institution is a p</a:t>
-            </a:r>
-            <a:r>
-              <a:rPr lang="en-US" dirty="0" smtClean="0"/>
-              <a:t>ublic or private university (public = 1; private = 0)</a:t>
-            </a:r>
-            <a:endParaRPr lang="en-US" dirty="0"/>
-          </a:p>
-          <a:p>
-            <a:r>
-              <a:rPr lang="en-US" dirty="0" err="1" smtClean="0"/>
-              <a:t>Incub</a:t>
-            </a:r>
-            <a:r>
-              <a:rPr lang="en-US" dirty="0">
-                <a:solidFill>
-                  <a:prstClr val="black"/>
-                </a:solidFill>
-                <a:sym typeface="Symbol"/>
-              </a:rPr>
-              <a:t> </a:t>
             </a:r>
             <a:r>
               <a:rPr lang="en-US" dirty="0" smtClean="0"/>
@@ -13553,7 +13645,7 @@
         </p:blipFill>
         <p:spPr bwMode="auto">
           <a:xfrm>
-            <a:off x="2849870" y="544616"/>
+            <a:off x="2492670" y="544616"/>
             <a:ext cx="3463853" cy="4480560"/>
           </a:xfrm>
           <a:prstGeom prst="rect">
@@ -13591,15 +13683,7 @@
               <a:srgbClr val="969696"/>
             </a:contourClr>
           </a:sp3d>
-          <a:extLst>
-            <a:ext uri="{909E8E84-426E-40DD-AFC4-6F175D3DCCD1}">
-              <a14:hiddenFill xmlns:a14="http://schemas.microsoft.com/office/drawing/2010/main">
-                <a:solidFill>
-                  <a:schemeClr val="accent1"/>
-                </a:solidFill>
-              </a14:hiddenFill>
-            </a:ext>
-          </a:extLst>
+          <a:extLst/>
         </p:spPr>
       </p:pic>
       <p:sp>
@@ -13625,6 +13709,119 @@
           </a:p>
         </p:txBody>
       </p:sp>
+      <p:sp>
+        <p:nvSpPr>
+          <p:cNvPr id="4" name="TextBox 3"/>
+          <p:cNvSpPr txBox="1"/>
+          <p:nvPr/>
+        </p:nvSpPr>
+        <p:spPr>
+          <a:xfrm>
+            <a:off x="5879308" y="509354"/>
+            <a:ext cx="2843212" cy="369332"/>
+          </a:xfrm>
+          <a:prstGeom prst="rect">
+            <a:avLst/>
+          </a:prstGeom>
+          <a:noFill/>
+        </p:spPr>
+        <p:txBody>
+          <a:bodyPr wrap="square" rtlCol="0">
+            <a:spAutoFit/>
+          </a:bodyPr>
+          <a:lstStyle/>
+          <a:p>
+            <a:r>
+              <a:rPr lang="en-US" dirty="0" smtClean="0">
+                <a:solidFill>
+                  <a:srgbClr val="FF0000"/>
+                </a:solidFill>
+                <a:latin typeface="Comic Sans MS" panose="030F0702030302020204" pitchFamily="66" charset="0"/>
+              </a:rPr>
+              <a:t>FY1999 Survey was used</a:t>
+            </a:r>
+            <a:endParaRPr lang="en-US" dirty="0">
+              <a:solidFill>
+                <a:srgbClr val="FF0000"/>
+              </a:solidFill>
+              <a:latin typeface="Comic Sans MS" panose="030F0702030302020204" pitchFamily="66" charset="0"/>
+            </a:endParaRPr>
+          </a:p>
+        </p:txBody>
+      </p:sp>
+      <p:cxnSp>
+        <p:nvCxnSpPr>
+          <p:cNvPr id="6" name="Straight Connector 5"/>
+          <p:cNvCxnSpPr/>
+          <p:nvPr/>
+        </p:nvCxnSpPr>
+        <p:spPr>
+          <a:xfrm flipV="1">
+            <a:off x="4157650" y="1821656"/>
+            <a:ext cx="1285875" cy="257175"/>
+          </a:xfrm>
+          <a:prstGeom prst="line">
+            <a:avLst/>
+          </a:prstGeom>
+          <a:ln w="44450">
+            <a:solidFill>
+              <a:srgbClr val="FF0000"/>
+            </a:solidFill>
+          </a:ln>
+        </p:spPr>
+        <p:style>
+          <a:lnRef idx="1">
+            <a:schemeClr val="accent1"/>
+          </a:lnRef>
+          <a:fillRef idx="0">
+            <a:schemeClr val="accent1"/>
+          </a:fillRef>
+          <a:effectRef idx="0">
+            <a:schemeClr val="accent1"/>
+          </a:effectRef>
+          <a:fontRef idx="minor">
+            <a:schemeClr val="tx1"/>
+          </a:fontRef>
+        </p:style>
+      </p:cxnSp>
+      <p:cxnSp>
+        <p:nvCxnSpPr>
+          <p:cNvPr id="16" name="Curved Connector 15"/>
+          <p:cNvCxnSpPr/>
+          <p:nvPr/>
+        </p:nvCxnSpPr>
+        <p:spPr>
+          <a:xfrm rot="5400000">
+            <a:off x="5559664" y="903292"/>
+            <a:ext cx="766525" cy="741599"/>
+          </a:xfrm>
+          <a:prstGeom prst="curvedConnector3">
+            <a:avLst>
+              <a:gd name="adj1" fmla="val 50000"/>
+            </a:avLst>
+          </a:prstGeom>
+          <a:ln w="28575">
+            <a:solidFill>
+              <a:srgbClr val="FF0000"/>
+            </a:solidFill>
+            <a:tailEnd type="arrow"/>
+          </a:ln>
+        </p:spPr>
+        <p:style>
+          <a:lnRef idx="1">
+            <a:schemeClr val="accent1"/>
+          </a:lnRef>
+          <a:fillRef idx="0">
+            <a:schemeClr val="accent1"/>
+          </a:fillRef>
+          <a:effectRef idx="0">
+            <a:schemeClr val="accent1"/>
+          </a:effectRef>
+          <a:fontRef idx="minor">
+            <a:schemeClr val="tx1"/>
+          </a:fontRef>
+        </p:style>
+      </p:cxnSp>
     </p:spTree>
     <p:extLst>
       <p:ext uri="{BB962C8B-B14F-4D97-AF65-F5344CB8AC3E}">
